--- a/@docs/pics.pptx
+++ b/@docs/pics.pptx
@@ -7,6 +7,8 @@
   <p:sldIdLst>
     <p:sldId id="256" r:id="rId2"/>
     <p:sldId id="258" r:id="rId3"/>
+    <p:sldId id="259" r:id="rId4"/>
+    <p:sldId id="260" r:id="rId5"/>
   </p:sldIdLst>
   <p:sldSz cx="12192000" cy="6858000"/>
   <p:notesSz cx="6858000" cy="9144000"/>
@@ -105,6 +107,11 @@
       </a:defRPr>
     </a:lvl9pPr>
   </p:defaultTextStyle>
+  <p:extLst>
+    <p:ext uri="{EFAFB233-063F-42B5-8137-9DF3F51BA10A}">
+      <p15:sldGuideLst xmlns:p15="http://schemas.microsoft.com/office/powerpoint/2012/main"/>
+    </p:ext>
+  </p:extLst>
 </p:presentation>
 </file>
 
@@ -255,7 +262,7 @@
           <a:p>
             <a:fld id="{357F7BA5-6064-4ED0-8CB4-C9AE4E038121}" type="datetimeFigureOut">
               <a:rPr lang="en-US" smtClean="0"/>
-              <a:t>8/26/2020</a:t>
+              <a:t>8/29/2020</a:t>
             </a:fld>
             <a:endParaRPr lang="en-US"/>
           </a:p>
@@ -453,7 +460,7 @@
           <a:p>
             <a:fld id="{357F7BA5-6064-4ED0-8CB4-C9AE4E038121}" type="datetimeFigureOut">
               <a:rPr lang="en-US" smtClean="0"/>
-              <a:t>8/26/2020</a:t>
+              <a:t>8/29/2020</a:t>
             </a:fld>
             <a:endParaRPr lang="en-US"/>
           </a:p>
@@ -661,7 +668,7 @@
           <a:p>
             <a:fld id="{357F7BA5-6064-4ED0-8CB4-C9AE4E038121}" type="datetimeFigureOut">
               <a:rPr lang="en-US" smtClean="0"/>
-              <a:t>8/26/2020</a:t>
+              <a:t>8/29/2020</a:t>
             </a:fld>
             <a:endParaRPr lang="en-US"/>
           </a:p>
@@ -859,7 +866,7 @@
           <a:p>
             <a:fld id="{357F7BA5-6064-4ED0-8CB4-C9AE4E038121}" type="datetimeFigureOut">
               <a:rPr lang="en-US" smtClean="0"/>
-              <a:t>8/26/2020</a:t>
+              <a:t>8/29/2020</a:t>
             </a:fld>
             <a:endParaRPr lang="en-US"/>
           </a:p>
@@ -1134,7 +1141,7 @@
           <a:p>
             <a:fld id="{357F7BA5-6064-4ED0-8CB4-C9AE4E038121}" type="datetimeFigureOut">
               <a:rPr lang="en-US" smtClean="0"/>
-              <a:t>8/26/2020</a:t>
+              <a:t>8/29/2020</a:t>
             </a:fld>
             <a:endParaRPr lang="en-US"/>
           </a:p>
@@ -1399,7 +1406,7 @@
           <a:p>
             <a:fld id="{357F7BA5-6064-4ED0-8CB4-C9AE4E038121}" type="datetimeFigureOut">
               <a:rPr lang="en-US" smtClean="0"/>
-              <a:t>8/26/2020</a:t>
+              <a:t>8/29/2020</a:t>
             </a:fld>
             <a:endParaRPr lang="en-US"/>
           </a:p>
@@ -1811,7 +1818,7 @@
           <a:p>
             <a:fld id="{357F7BA5-6064-4ED0-8CB4-C9AE4E038121}" type="datetimeFigureOut">
               <a:rPr lang="en-US" smtClean="0"/>
-              <a:t>8/26/2020</a:t>
+              <a:t>8/29/2020</a:t>
             </a:fld>
             <a:endParaRPr lang="en-US"/>
           </a:p>
@@ -1952,7 +1959,7 @@
           <a:p>
             <a:fld id="{357F7BA5-6064-4ED0-8CB4-C9AE4E038121}" type="datetimeFigureOut">
               <a:rPr lang="en-US" smtClean="0"/>
-              <a:t>8/26/2020</a:t>
+              <a:t>8/29/2020</a:t>
             </a:fld>
             <a:endParaRPr lang="en-US"/>
           </a:p>
@@ -2065,7 +2072,7 @@
           <a:p>
             <a:fld id="{357F7BA5-6064-4ED0-8CB4-C9AE4E038121}" type="datetimeFigureOut">
               <a:rPr lang="en-US" smtClean="0"/>
-              <a:t>8/26/2020</a:t>
+              <a:t>8/29/2020</a:t>
             </a:fld>
             <a:endParaRPr lang="en-US"/>
           </a:p>
@@ -2376,7 +2383,7 @@
           <a:p>
             <a:fld id="{357F7BA5-6064-4ED0-8CB4-C9AE4E038121}" type="datetimeFigureOut">
               <a:rPr lang="en-US" smtClean="0"/>
-              <a:t>8/26/2020</a:t>
+              <a:t>8/29/2020</a:t>
             </a:fld>
             <a:endParaRPr lang="en-US"/>
           </a:p>
@@ -2664,7 +2671,7 @@
           <a:p>
             <a:fld id="{357F7BA5-6064-4ED0-8CB4-C9AE4E038121}" type="datetimeFigureOut">
               <a:rPr lang="en-US" smtClean="0"/>
-              <a:t>8/26/2020</a:t>
+              <a:t>8/29/2020</a:t>
             </a:fld>
             <a:endParaRPr lang="en-US"/>
           </a:p>
@@ -2905,7 +2912,7 @@
           <a:p>
             <a:fld id="{357F7BA5-6064-4ED0-8CB4-C9AE4E038121}" type="datetimeFigureOut">
               <a:rPr lang="en-US" smtClean="0"/>
-              <a:t>8/26/2020</a:t>
+              <a:t>8/29/2020</a:t>
             </a:fld>
             <a:endParaRPr lang="en-US"/>
           </a:p>
@@ -3779,6 +3786,1171 @@
 </p:sld>
 </file>
 
+<file path=ppt/slides/slide3.xml><?xml version="1.0" encoding="utf-8"?>
+<p:sld xmlns:a="http://schemas.openxmlformats.org/drawingml/2006/main" xmlns:r="http://schemas.openxmlformats.org/officeDocument/2006/relationships" xmlns:p="http://schemas.openxmlformats.org/presentationml/2006/main">
+  <p:cSld>
+    <p:spTree>
+      <p:nvGrpSpPr>
+        <p:cNvPr id="1" name=""/>
+        <p:cNvGrpSpPr/>
+        <p:nvPr/>
+      </p:nvGrpSpPr>
+      <p:grpSpPr>
+        <a:xfrm>
+          <a:off x="0" y="0"/>
+          <a:ext cx="0" cy="0"/>
+          <a:chOff x="0" y="0"/>
+          <a:chExt cx="0" cy="0"/>
+        </a:xfrm>
+      </p:grpSpPr>
+      <p:pic>
+        <p:nvPicPr>
+          <p:cNvPr id="5" name="Picture 4">
+            <a:extLst>
+              <a:ext uri="{FF2B5EF4-FFF2-40B4-BE49-F238E27FC236}">
+                <a16:creationId xmlns:a16="http://schemas.microsoft.com/office/drawing/2014/main" id="{60C2B070-08B4-44E0-9492-FA113F081CF8}"/>
+              </a:ext>
+            </a:extLst>
+          </p:cNvPr>
+          <p:cNvPicPr>
+            <a:picLocks noChangeAspect="1"/>
+          </p:cNvPicPr>
+          <p:nvPr/>
+        </p:nvPicPr>
+        <p:blipFill>
+          <a:blip r:embed="rId2">
+            <a:extLst>
+              <a:ext uri="{28A0092B-C50C-407E-A947-70E740481C1C}">
+                <a14:useLocalDpi xmlns:a14="http://schemas.microsoft.com/office/drawing/2010/main" val="0"/>
+              </a:ext>
+            </a:extLst>
+          </a:blip>
+          <a:stretch>
+            <a:fillRect/>
+          </a:stretch>
+        </p:blipFill>
+        <p:spPr>
+          <a:xfrm>
+            <a:off x="96411" y="101600"/>
+            <a:ext cx="10972800" cy="2377440"/>
+          </a:xfrm>
+          <a:prstGeom prst="rect">
+            <a:avLst/>
+          </a:prstGeom>
+        </p:spPr>
+      </p:pic>
+      <p:grpSp>
+        <p:nvGrpSpPr>
+          <p:cNvPr id="9" name="Group 8">
+            <a:extLst>
+              <a:ext uri="{FF2B5EF4-FFF2-40B4-BE49-F238E27FC236}">
+                <a16:creationId xmlns:a16="http://schemas.microsoft.com/office/drawing/2014/main" id="{E3931C2C-5624-4E57-A203-E10CEB04E82A}"/>
+              </a:ext>
+            </a:extLst>
+          </p:cNvPr>
+          <p:cNvGrpSpPr/>
+          <p:nvPr/>
+        </p:nvGrpSpPr>
+        <p:grpSpPr>
+          <a:xfrm>
+            <a:off x="96411" y="2612498"/>
+            <a:ext cx="10972800" cy="2377440"/>
+            <a:chOff x="96411" y="2612498"/>
+            <a:chExt cx="10972800" cy="2377440"/>
+          </a:xfrm>
+        </p:grpSpPr>
+        <p:pic>
+          <p:nvPicPr>
+            <p:cNvPr id="12" name="Picture 11">
+              <a:extLst>
+                <a:ext uri="{FF2B5EF4-FFF2-40B4-BE49-F238E27FC236}">
+                  <a16:creationId xmlns:a16="http://schemas.microsoft.com/office/drawing/2014/main" id="{45BE4D22-22FA-4F36-A34E-A4524EC6736A}"/>
+                </a:ext>
+              </a:extLst>
+            </p:cNvPr>
+            <p:cNvPicPr>
+              <a:picLocks noChangeAspect="1"/>
+            </p:cNvPicPr>
+            <p:nvPr/>
+          </p:nvPicPr>
+          <p:blipFill>
+            <a:blip r:embed="rId3">
+              <a:extLst>
+                <a:ext uri="{28A0092B-C50C-407E-A947-70E740481C1C}">
+                  <a14:useLocalDpi xmlns:a14="http://schemas.microsoft.com/office/drawing/2010/main" val="0"/>
+                </a:ext>
+              </a:extLst>
+            </a:blip>
+            <a:stretch>
+              <a:fillRect/>
+            </a:stretch>
+          </p:blipFill>
+          <p:spPr>
+            <a:xfrm>
+              <a:off x="96411" y="2612498"/>
+              <a:ext cx="10972800" cy="2377440"/>
+            </a:xfrm>
+            <a:prstGeom prst="rect">
+              <a:avLst/>
+            </a:prstGeom>
+          </p:spPr>
+        </p:pic>
+        <p:sp>
+          <p:nvSpPr>
+            <p:cNvPr id="2" name="Rectangle 1">
+              <a:extLst>
+                <a:ext uri="{FF2B5EF4-FFF2-40B4-BE49-F238E27FC236}">
+                  <a16:creationId xmlns:a16="http://schemas.microsoft.com/office/drawing/2014/main" id="{233CC3BA-D443-44AA-BCB5-FB96D0ACA68E}"/>
+                </a:ext>
+              </a:extLst>
+            </p:cNvPr>
+            <p:cNvSpPr/>
+            <p:nvPr/>
+          </p:nvSpPr>
+          <p:spPr>
+            <a:xfrm>
+              <a:off x="2496254" y="3339553"/>
+              <a:ext cx="2304221" cy="923330"/>
+            </a:xfrm>
+            <a:prstGeom prst="rect">
+              <a:avLst/>
+            </a:prstGeom>
+            <a:noFill/>
+          </p:spPr>
+          <p:txBody>
+            <a:bodyPr wrap="none" lIns="91440" tIns="45720" rIns="91440" bIns="45720">
+              <a:spAutoFit/>
+            </a:bodyPr>
+            <a:lstStyle/>
+            <a:p>
+              <a:pPr algn="ctr"/>
+              <a:r>
+                <a:rPr lang="en-US" sz="5400" b="0" cap="none" spc="0">
+                  <a:ln w="0"/>
+                  <a:solidFill>
+                    <a:srgbClr val="002060"/>
+                  </a:solidFill>
+                  <a:effectLst>
+                    <a:outerShdw blurRad="38100" dist="19050" dir="2700000" algn="tl" rotWithShape="0">
+                      <a:schemeClr val="dk1">
+                        <a:alpha val="40000"/>
+                      </a:schemeClr>
+                    </a:outerShdw>
+                  </a:effectLst>
+                  <a:latin typeface="Brush Script MT" panose="03060802040406070304" pitchFamily="66" charset="0"/>
+                </a:rPr>
+                <a:t>Trí Nhân</a:t>
+              </a:r>
+            </a:p>
+          </p:txBody>
+        </p:sp>
+        <p:sp>
+          <p:nvSpPr>
+            <p:cNvPr id="3" name="Rectangle 2">
+              <a:extLst>
+                <a:ext uri="{FF2B5EF4-FFF2-40B4-BE49-F238E27FC236}">
+                  <a16:creationId xmlns:a16="http://schemas.microsoft.com/office/drawing/2014/main" id="{8E1DB161-CAF5-460F-AEF6-F4719039488E}"/>
+                </a:ext>
+              </a:extLst>
+            </p:cNvPr>
+            <p:cNvSpPr/>
+            <p:nvPr/>
+          </p:nvSpPr>
+          <p:spPr>
+            <a:xfrm>
+              <a:off x="5582811" y="3258815"/>
+              <a:ext cx="4777013" cy="523220"/>
+            </a:xfrm>
+            <a:prstGeom prst="rect">
+              <a:avLst/>
+            </a:prstGeom>
+            <a:noFill/>
+          </p:spPr>
+          <p:txBody>
+            <a:bodyPr wrap="none" lIns="91440" tIns="45720" rIns="91440" bIns="45720">
+              <a:spAutoFit/>
+            </a:bodyPr>
+            <a:lstStyle/>
+            <a:p>
+              <a:pPr algn="ctr"/>
+              <a:r>
+                <a:rPr lang="en-US" sz="2800">
+                  <a:ln w="0"/>
+                  <a:solidFill>
+                    <a:srgbClr val="002060"/>
+                  </a:solidFill>
+                  <a:effectLst>
+                    <a:outerShdw blurRad="38100" dist="19050" dir="2700000" algn="tl" rotWithShape="0">
+                      <a:schemeClr val="dk1">
+                        <a:alpha val="40000"/>
+                      </a:schemeClr>
+                    </a:outerShdw>
+                  </a:effectLst>
+                  <a:latin typeface="Arial Narrow" panose="020B0606020202030204" pitchFamily="34" charset="0"/>
+                </a:rPr>
+                <a:t>IT Research &amp; Development Group</a:t>
+              </a:r>
+              <a:endParaRPr lang="en-US" sz="2800" b="0" cap="none" spc="0">
+                <a:ln w="0"/>
+                <a:solidFill>
+                  <a:srgbClr val="002060"/>
+                </a:solidFill>
+                <a:effectLst>
+                  <a:outerShdw blurRad="38100" dist="19050" dir="2700000" algn="tl" rotWithShape="0">
+                    <a:schemeClr val="dk1">
+                      <a:alpha val="40000"/>
+                    </a:schemeClr>
+                  </a:outerShdw>
+                </a:effectLst>
+                <a:latin typeface="Arial Narrow" panose="020B0606020202030204" pitchFamily="34" charset="0"/>
+              </a:endParaRPr>
+            </a:p>
+          </p:txBody>
+        </p:sp>
+        <p:grpSp>
+          <p:nvGrpSpPr>
+            <p:cNvPr id="8" name="Group 7">
+              <a:extLst>
+                <a:ext uri="{FF2B5EF4-FFF2-40B4-BE49-F238E27FC236}">
+                  <a16:creationId xmlns:a16="http://schemas.microsoft.com/office/drawing/2014/main" id="{89B06856-7642-4A6C-A9AE-8E3FC4A62865}"/>
+                </a:ext>
+              </a:extLst>
+            </p:cNvPr>
+            <p:cNvGrpSpPr/>
+            <p:nvPr/>
+          </p:nvGrpSpPr>
+          <p:grpSpPr>
+            <a:xfrm>
+              <a:off x="5850019" y="3653883"/>
+              <a:ext cx="4169648" cy="523220"/>
+              <a:chOff x="4651419" y="5937356"/>
+              <a:chExt cx="4169648" cy="523220"/>
+            </a:xfrm>
+          </p:grpSpPr>
+          <p:sp>
+            <p:nvSpPr>
+              <p:cNvPr id="4" name="Rectangle 3">
+                <a:extLst>
+                  <a:ext uri="{FF2B5EF4-FFF2-40B4-BE49-F238E27FC236}">
+                    <a16:creationId xmlns:a16="http://schemas.microsoft.com/office/drawing/2014/main" id="{021DAAE7-527F-4583-8E04-0D9D5F2D8639}"/>
+                  </a:ext>
+                </a:extLst>
+              </p:cNvPr>
+              <p:cNvSpPr/>
+              <p:nvPr/>
+            </p:nvSpPr>
+            <p:spPr>
+              <a:xfrm>
+                <a:off x="5745359" y="5937356"/>
+                <a:ext cx="2031325" cy="523220"/>
+              </a:xfrm>
+              <a:prstGeom prst="rect">
+                <a:avLst/>
+              </a:prstGeom>
+              <a:noFill/>
+            </p:spPr>
+            <p:txBody>
+              <a:bodyPr wrap="none" lIns="91440" tIns="45720" rIns="91440" bIns="45720">
+                <a:spAutoFit/>
+              </a:bodyPr>
+              <a:lstStyle/>
+              <a:p>
+                <a:pPr algn="ctr"/>
+                <a:r>
+                  <a:rPr lang="en-US" sz="2800" b="0" cap="none" spc="0">
+                    <a:ln w="0"/>
+                    <a:solidFill>
+                      <a:srgbClr val="FF0000"/>
+                    </a:solidFill>
+                    <a:effectLst>
+                      <a:outerShdw blurRad="38100" dist="25400" dir="5400000" algn="ctr" rotWithShape="0">
+                        <a:srgbClr val="6E747A">
+                          <a:alpha val="43000"/>
+                        </a:srgbClr>
+                      </a:outerShdw>
+                    </a:effectLst>
+                    <a:latin typeface="Arial Narrow" panose="020B0606020202030204" pitchFamily="34" charset="0"/>
+                  </a:rPr>
+                  <a:t>Learn Forever</a:t>
+                </a:r>
+              </a:p>
+            </p:txBody>
+          </p:sp>
+          <p:cxnSp>
+            <p:nvCxnSpPr>
+              <p:cNvPr id="7" name="Straight Connector 6">
+                <a:extLst>
+                  <a:ext uri="{FF2B5EF4-FFF2-40B4-BE49-F238E27FC236}">
+                    <a16:creationId xmlns:a16="http://schemas.microsoft.com/office/drawing/2014/main" id="{593B4689-CFFD-47B1-9C7F-976DDCFD87E5}"/>
+                  </a:ext>
+                </a:extLst>
+              </p:cNvPr>
+              <p:cNvCxnSpPr/>
+              <p:nvPr/>
+            </p:nvCxnSpPr>
+            <p:spPr>
+              <a:xfrm>
+                <a:off x="4651419" y="6246512"/>
+                <a:ext cx="1140120" cy="0"/>
+              </a:xfrm>
+              <a:prstGeom prst="line">
+                <a:avLst/>
+              </a:prstGeom>
+              <a:ln w="28575">
+                <a:solidFill>
+                  <a:srgbClr val="FF0000"/>
+                </a:solidFill>
+              </a:ln>
+            </p:spPr>
+            <p:style>
+              <a:lnRef idx="1">
+                <a:schemeClr val="accent1"/>
+              </a:lnRef>
+              <a:fillRef idx="0">
+                <a:schemeClr val="accent1"/>
+              </a:fillRef>
+              <a:effectRef idx="0">
+                <a:schemeClr val="accent1"/>
+              </a:effectRef>
+              <a:fontRef idx="minor">
+                <a:schemeClr val="tx1"/>
+              </a:fontRef>
+            </p:style>
+          </p:cxnSp>
+          <p:cxnSp>
+            <p:nvCxnSpPr>
+              <p:cNvPr id="10" name="Straight Connector 9">
+                <a:extLst>
+                  <a:ext uri="{FF2B5EF4-FFF2-40B4-BE49-F238E27FC236}">
+                    <a16:creationId xmlns:a16="http://schemas.microsoft.com/office/drawing/2014/main" id="{14C6FAC6-4128-4B63-81FE-6436BC3E26FD}"/>
+                  </a:ext>
+                </a:extLst>
+              </p:cNvPr>
+              <p:cNvCxnSpPr/>
+              <p:nvPr/>
+            </p:nvCxnSpPr>
+            <p:spPr>
+              <a:xfrm>
+                <a:off x="7680947" y="6246512"/>
+                <a:ext cx="1140120" cy="0"/>
+              </a:xfrm>
+              <a:prstGeom prst="line">
+                <a:avLst/>
+              </a:prstGeom>
+              <a:ln w="28575">
+                <a:solidFill>
+                  <a:srgbClr val="FF0000"/>
+                </a:solidFill>
+              </a:ln>
+            </p:spPr>
+            <p:style>
+              <a:lnRef idx="1">
+                <a:schemeClr val="accent1"/>
+              </a:lnRef>
+              <a:fillRef idx="0">
+                <a:schemeClr val="accent1"/>
+              </a:fillRef>
+              <a:effectRef idx="0">
+                <a:schemeClr val="accent1"/>
+              </a:effectRef>
+              <a:fontRef idx="minor">
+                <a:schemeClr val="tx1"/>
+              </a:fontRef>
+            </p:style>
+          </p:cxnSp>
+        </p:grpSp>
+      </p:grpSp>
+    </p:spTree>
+    <p:extLst>
+      <p:ext uri="{BB962C8B-B14F-4D97-AF65-F5344CB8AC3E}">
+        <p14:creationId xmlns:p14="http://schemas.microsoft.com/office/powerpoint/2010/main" val="3558240553"/>
+      </p:ext>
+    </p:extLst>
+  </p:cSld>
+  <p:clrMapOvr>
+    <a:masterClrMapping/>
+  </p:clrMapOvr>
+</p:sld>
+</file>
+
+<file path=ppt/slides/slide4.xml><?xml version="1.0" encoding="utf-8"?>
+<p:sld xmlns:a="http://schemas.openxmlformats.org/drawingml/2006/main" xmlns:r="http://schemas.openxmlformats.org/officeDocument/2006/relationships" xmlns:p="http://schemas.openxmlformats.org/presentationml/2006/main">
+  <p:cSld>
+    <p:spTree>
+      <p:nvGrpSpPr>
+        <p:cNvPr id="1" name=""/>
+        <p:cNvGrpSpPr/>
+        <p:nvPr/>
+      </p:nvGrpSpPr>
+      <p:grpSpPr>
+        <a:xfrm>
+          <a:off x="0" y="0"/>
+          <a:ext cx="0" cy="0"/>
+          <a:chOff x="0" y="0"/>
+          <a:chExt cx="0" cy="0"/>
+        </a:xfrm>
+      </p:grpSpPr>
+      <p:sp>
+        <p:nvSpPr>
+          <p:cNvPr id="14" name="Rectangle 13">
+            <a:extLst>
+              <a:ext uri="{FF2B5EF4-FFF2-40B4-BE49-F238E27FC236}">
+                <a16:creationId xmlns:a16="http://schemas.microsoft.com/office/drawing/2014/main" id="{7D51F728-49B8-48E1-A464-E30D2DDC0D91}"/>
+              </a:ext>
+            </a:extLst>
+          </p:cNvPr>
+          <p:cNvSpPr/>
+          <p:nvPr/>
+        </p:nvSpPr>
+        <p:spPr>
+          <a:xfrm>
+            <a:off x="2551672" y="4965153"/>
+            <a:ext cx="2304221" cy="923330"/>
+          </a:xfrm>
+          <a:prstGeom prst="rect">
+            <a:avLst/>
+          </a:prstGeom>
+          <a:noFill/>
+        </p:spPr>
+        <p:txBody>
+          <a:bodyPr wrap="none" lIns="91440" tIns="45720" rIns="91440" bIns="45720">
+            <a:spAutoFit/>
+          </a:bodyPr>
+          <a:lstStyle/>
+          <a:p>
+            <a:pPr algn="ctr"/>
+            <a:r>
+              <a:rPr lang="en-US" sz="5400" b="0" cap="none" spc="0">
+                <a:ln w="0"/>
+                <a:solidFill>
+                  <a:srgbClr val="002060"/>
+                </a:solidFill>
+                <a:effectLst>
+                  <a:outerShdw blurRad="38100" dist="19050" dir="2700000" algn="tl" rotWithShape="0">
+                    <a:schemeClr val="dk1">
+                      <a:alpha val="40000"/>
+                    </a:schemeClr>
+                  </a:outerShdw>
+                </a:effectLst>
+                <a:latin typeface="Brush Script MT" panose="03060802040406070304" pitchFamily="66" charset="0"/>
+              </a:rPr>
+              <a:t>Trí Nhân</a:t>
+            </a:r>
+          </a:p>
+        </p:txBody>
+      </p:sp>
+      <p:grpSp>
+        <p:nvGrpSpPr>
+          <p:cNvPr id="7" name="Group 6">
+            <a:extLst>
+              <a:ext uri="{FF2B5EF4-FFF2-40B4-BE49-F238E27FC236}">
+                <a16:creationId xmlns:a16="http://schemas.microsoft.com/office/drawing/2014/main" id="{792DCA8C-63F5-4567-A3DD-E19437F556A2}"/>
+              </a:ext>
+            </a:extLst>
+          </p:cNvPr>
+          <p:cNvGrpSpPr/>
+          <p:nvPr/>
+        </p:nvGrpSpPr>
+        <p:grpSpPr>
+          <a:xfrm>
+            <a:off x="1010808" y="449400"/>
+            <a:ext cx="5486402" cy="2390349"/>
+            <a:chOff x="1010808" y="449400"/>
+            <a:chExt cx="5486402" cy="2390349"/>
+          </a:xfrm>
+        </p:grpSpPr>
+        <p:sp>
+          <p:nvSpPr>
+            <p:cNvPr id="4" name="Rectangle 3">
+              <a:extLst>
+                <a:ext uri="{FF2B5EF4-FFF2-40B4-BE49-F238E27FC236}">
+                  <a16:creationId xmlns:a16="http://schemas.microsoft.com/office/drawing/2014/main" id="{BBC76AC3-95F9-4A70-AADE-D68C7D7BD1C7}"/>
+                </a:ext>
+              </a:extLst>
+            </p:cNvPr>
+            <p:cNvSpPr/>
+            <p:nvPr/>
+          </p:nvSpPr>
+          <p:spPr>
+            <a:xfrm>
+              <a:off x="1010808" y="2159854"/>
+              <a:ext cx="5486400" cy="679895"/>
+            </a:xfrm>
+            <a:prstGeom prst="rect">
+              <a:avLst/>
+            </a:prstGeom>
+            <a:solidFill>
+              <a:schemeClr val="bg1">
+                <a:lumMod val="95000"/>
+              </a:schemeClr>
+            </a:solidFill>
+            <a:ln>
+              <a:noFill/>
+            </a:ln>
+          </p:spPr>
+          <p:style>
+            <a:lnRef idx="2">
+              <a:schemeClr val="accent1">
+                <a:shade val="50000"/>
+              </a:schemeClr>
+            </a:lnRef>
+            <a:fillRef idx="1">
+              <a:schemeClr val="accent1"/>
+            </a:fillRef>
+            <a:effectRef idx="0">
+              <a:schemeClr val="accent1"/>
+            </a:effectRef>
+            <a:fontRef idx="minor">
+              <a:schemeClr val="lt1"/>
+            </a:fontRef>
+          </p:style>
+          <p:txBody>
+            <a:bodyPr rtlCol="0" anchor="ctr"/>
+            <a:lstStyle/>
+            <a:p>
+              <a:pPr algn="ctr"/>
+              <a:endParaRPr lang="en-US"/>
+            </a:p>
+          </p:txBody>
+        </p:sp>
+        <p:pic>
+          <p:nvPicPr>
+            <p:cNvPr id="3" name="Picture 2">
+              <a:extLst>
+                <a:ext uri="{FF2B5EF4-FFF2-40B4-BE49-F238E27FC236}">
+                  <a16:creationId xmlns:a16="http://schemas.microsoft.com/office/drawing/2014/main" id="{1FD7A4A4-D107-4289-8368-4B48E566AA5C}"/>
+                </a:ext>
+              </a:extLst>
+            </p:cNvPr>
+            <p:cNvPicPr>
+              <a:picLocks/>
+            </p:cNvPicPr>
+            <p:nvPr/>
+          </p:nvPicPr>
+          <p:blipFill rotWithShape="1">
+            <a:blip r:embed="rId2">
+              <a:extLst>
+                <a:ext uri="{28A0092B-C50C-407E-A947-70E740481C1C}">
+                  <a14:useLocalDpi xmlns:a14="http://schemas.microsoft.com/office/drawing/2010/main" val="0"/>
+                </a:ext>
+              </a:extLst>
+            </a:blip>
+            <a:srcRect b="4598"/>
+            <a:stretch/>
+          </p:blipFill>
+          <p:spPr>
+            <a:xfrm>
+              <a:off x="1010810" y="449400"/>
+              <a:ext cx="5486400" cy="1744706"/>
+            </a:xfrm>
+            <a:prstGeom prst="rect">
+              <a:avLst/>
+            </a:prstGeom>
+          </p:spPr>
+        </p:pic>
+        <p:sp>
+          <p:nvSpPr>
+            <p:cNvPr id="5" name="Rectangle 4">
+              <a:extLst>
+                <a:ext uri="{FF2B5EF4-FFF2-40B4-BE49-F238E27FC236}">
+                  <a16:creationId xmlns:a16="http://schemas.microsoft.com/office/drawing/2014/main" id="{B142240D-F517-4ACB-93ED-B55517122BCE}"/>
+                </a:ext>
+              </a:extLst>
+            </p:cNvPr>
+            <p:cNvSpPr/>
+            <p:nvPr/>
+          </p:nvSpPr>
+          <p:spPr>
+            <a:xfrm>
+              <a:off x="2601898" y="902135"/>
+              <a:ext cx="2304221" cy="923330"/>
+            </a:xfrm>
+            <a:prstGeom prst="rect">
+              <a:avLst/>
+            </a:prstGeom>
+            <a:noFill/>
+          </p:spPr>
+          <p:txBody>
+            <a:bodyPr wrap="none" lIns="91440" tIns="45720" rIns="91440" bIns="45720">
+              <a:spAutoFit/>
+            </a:bodyPr>
+            <a:lstStyle/>
+            <a:p>
+              <a:pPr algn="ctr"/>
+              <a:r>
+                <a:rPr lang="en-US" sz="5400" b="0" cap="none" spc="0">
+                  <a:ln w="0"/>
+                  <a:solidFill>
+                    <a:srgbClr val="002060"/>
+                  </a:solidFill>
+                  <a:effectLst>
+                    <a:outerShdw blurRad="38100" dist="19050" dir="2700000" algn="tl" rotWithShape="0">
+                      <a:schemeClr val="dk1">
+                        <a:alpha val="40000"/>
+                      </a:schemeClr>
+                    </a:outerShdw>
+                  </a:effectLst>
+                  <a:latin typeface="Brush Script MT" panose="03060802040406070304" pitchFamily="66" charset="0"/>
+                </a:rPr>
+                <a:t>Trí Nhân</a:t>
+              </a:r>
+            </a:p>
+          </p:txBody>
+        </p:sp>
+        <p:sp>
+          <p:nvSpPr>
+            <p:cNvPr id="15" name="Rectangle 14">
+              <a:extLst>
+                <a:ext uri="{FF2B5EF4-FFF2-40B4-BE49-F238E27FC236}">
+                  <a16:creationId xmlns:a16="http://schemas.microsoft.com/office/drawing/2014/main" id="{3A9CB5CA-A828-4761-9790-FEC97E804BD1}"/>
+                </a:ext>
+              </a:extLst>
+            </p:cNvPr>
+            <p:cNvSpPr/>
+            <p:nvPr/>
+          </p:nvSpPr>
+          <p:spPr>
+            <a:xfrm>
+              <a:off x="1365503" y="1670887"/>
+              <a:ext cx="4777013" cy="523220"/>
+            </a:xfrm>
+            <a:prstGeom prst="rect">
+              <a:avLst/>
+            </a:prstGeom>
+            <a:noFill/>
+          </p:spPr>
+          <p:txBody>
+            <a:bodyPr wrap="none" lIns="91440" tIns="45720" rIns="91440" bIns="45720">
+              <a:spAutoFit/>
+            </a:bodyPr>
+            <a:lstStyle/>
+            <a:p>
+              <a:pPr algn="ctr"/>
+              <a:r>
+                <a:rPr lang="en-US" sz="2800">
+                  <a:ln w="0"/>
+                  <a:solidFill>
+                    <a:srgbClr val="002060"/>
+                  </a:solidFill>
+                  <a:effectLst>
+                    <a:outerShdw blurRad="38100" dist="19050" dir="2700000" algn="tl" rotWithShape="0">
+                      <a:schemeClr val="dk1">
+                        <a:alpha val="40000"/>
+                      </a:schemeClr>
+                    </a:outerShdw>
+                  </a:effectLst>
+                  <a:latin typeface="Arial Narrow" panose="020B0606020202030204" pitchFamily="34" charset="0"/>
+                </a:rPr>
+                <a:t>IT Research &amp; Development Group</a:t>
+              </a:r>
+              <a:endParaRPr lang="en-US" sz="2800" b="0" cap="none" spc="0">
+                <a:ln w="0"/>
+                <a:solidFill>
+                  <a:srgbClr val="002060"/>
+                </a:solidFill>
+                <a:effectLst>
+                  <a:outerShdw blurRad="38100" dist="19050" dir="2700000" algn="tl" rotWithShape="0">
+                    <a:schemeClr val="dk1">
+                      <a:alpha val="40000"/>
+                    </a:schemeClr>
+                  </a:outerShdw>
+                </a:effectLst>
+                <a:latin typeface="Arial Narrow" panose="020B0606020202030204" pitchFamily="34" charset="0"/>
+              </a:endParaRPr>
+            </a:p>
+          </p:txBody>
+        </p:sp>
+        <p:grpSp>
+          <p:nvGrpSpPr>
+            <p:cNvPr id="16" name="Group 15">
+              <a:extLst>
+                <a:ext uri="{FF2B5EF4-FFF2-40B4-BE49-F238E27FC236}">
+                  <a16:creationId xmlns:a16="http://schemas.microsoft.com/office/drawing/2014/main" id="{753CA35A-A18C-4C81-86E5-034271F4F75C}"/>
+                </a:ext>
+              </a:extLst>
+            </p:cNvPr>
+            <p:cNvGrpSpPr/>
+            <p:nvPr/>
+          </p:nvGrpSpPr>
+          <p:grpSpPr>
+            <a:xfrm>
+              <a:off x="1618958" y="2070997"/>
+              <a:ext cx="4169648" cy="523220"/>
+              <a:chOff x="4651419" y="5937356"/>
+              <a:chExt cx="4169648" cy="523220"/>
+            </a:xfrm>
+          </p:grpSpPr>
+          <p:sp>
+            <p:nvSpPr>
+              <p:cNvPr id="17" name="Rectangle 16">
+                <a:extLst>
+                  <a:ext uri="{FF2B5EF4-FFF2-40B4-BE49-F238E27FC236}">
+                    <a16:creationId xmlns:a16="http://schemas.microsoft.com/office/drawing/2014/main" id="{E8CAFB98-BBB3-49CD-98DD-354C4F90A588}"/>
+                  </a:ext>
+                </a:extLst>
+              </p:cNvPr>
+              <p:cNvSpPr/>
+              <p:nvPr/>
+            </p:nvSpPr>
+            <p:spPr>
+              <a:xfrm>
+                <a:off x="5745359" y="5937356"/>
+                <a:ext cx="2031325" cy="523220"/>
+              </a:xfrm>
+              <a:prstGeom prst="rect">
+                <a:avLst/>
+              </a:prstGeom>
+              <a:noFill/>
+            </p:spPr>
+            <p:txBody>
+              <a:bodyPr wrap="none" lIns="91440" tIns="45720" rIns="91440" bIns="45720">
+                <a:spAutoFit/>
+              </a:bodyPr>
+              <a:lstStyle/>
+              <a:p>
+                <a:pPr algn="ctr"/>
+                <a:r>
+                  <a:rPr lang="en-US" sz="2800" b="0" cap="none" spc="0">
+                    <a:ln w="0"/>
+                    <a:solidFill>
+                      <a:srgbClr val="FF0000"/>
+                    </a:solidFill>
+                    <a:effectLst>
+                      <a:outerShdw blurRad="38100" dist="25400" dir="5400000" algn="ctr" rotWithShape="0">
+                        <a:srgbClr val="6E747A">
+                          <a:alpha val="43000"/>
+                        </a:srgbClr>
+                      </a:outerShdw>
+                    </a:effectLst>
+                    <a:latin typeface="Arial Narrow" panose="020B0606020202030204" pitchFamily="34" charset="0"/>
+                  </a:rPr>
+                  <a:t>Learn Forever</a:t>
+                </a:r>
+              </a:p>
+            </p:txBody>
+          </p:sp>
+          <p:cxnSp>
+            <p:nvCxnSpPr>
+              <p:cNvPr id="18" name="Straight Connector 17">
+                <a:extLst>
+                  <a:ext uri="{FF2B5EF4-FFF2-40B4-BE49-F238E27FC236}">
+                    <a16:creationId xmlns:a16="http://schemas.microsoft.com/office/drawing/2014/main" id="{F0557FA4-F1B6-4D94-92F0-A6BCC19414A9}"/>
+                  </a:ext>
+                </a:extLst>
+              </p:cNvPr>
+              <p:cNvCxnSpPr/>
+              <p:nvPr/>
+            </p:nvCxnSpPr>
+            <p:spPr>
+              <a:xfrm>
+                <a:off x="4651419" y="6246512"/>
+                <a:ext cx="1140120" cy="0"/>
+              </a:xfrm>
+              <a:prstGeom prst="line">
+                <a:avLst/>
+              </a:prstGeom>
+              <a:ln w="28575">
+                <a:solidFill>
+                  <a:srgbClr val="FF0000"/>
+                </a:solidFill>
+              </a:ln>
+            </p:spPr>
+            <p:style>
+              <a:lnRef idx="1">
+                <a:schemeClr val="accent1"/>
+              </a:lnRef>
+              <a:fillRef idx="0">
+                <a:schemeClr val="accent1"/>
+              </a:fillRef>
+              <a:effectRef idx="0">
+                <a:schemeClr val="accent1"/>
+              </a:effectRef>
+              <a:fontRef idx="minor">
+                <a:schemeClr val="tx1"/>
+              </a:fontRef>
+            </p:style>
+          </p:cxnSp>
+          <p:cxnSp>
+            <p:nvCxnSpPr>
+              <p:cNvPr id="19" name="Straight Connector 18">
+                <a:extLst>
+                  <a:ext uri="{FF2B5EF4-FFF2-40B4-BE49-F238E27FC236}">
+                    <a16:creationId xmlns:a16="http://schemas.microsoft.com/office/drawing/2014/main" id="{C8BC1D18-B44C-4FAB-9046-04EDE5246C25}"/>
+                  </a:ext>
+                </a:extLst>
+              </p:cNvPr>
+              <p:cNvCxnSpPr/>
+              <p:nvPr/>
+            </p:nvCxnSpPr>
+            <p:spPr>
+              <a:xfrm>
+                <a:off x="7680947" y="6246512"/>
+                <a:ext cx="1140120" cy="0"/>
+              </a:xfrm>
+              <a:prstGeom prst="line">
+                <a:avLst/>
+              </a:prstGeom>
+              <a:ln w="28575">
+                <a:solidFill>
+                  <a:srgbClr val="FF0000"/>
+                </a:solidFill>
+              </a:ln>
+            </p:spPr>
+            <p:style>
+              <a:lnRef idx="1">
+                <a:schemeClr val="accent1"/>
+              </a:lnRef>
+              <a:fillRef idx="0">
+                <a:schemeClr val="accent1"/>
+              </a:fillRef>
+              <a:effectRef idx="0">
+                <a:schemeClr val="accent1"/>
+              </a:effectRef>
+              <a:fontRef idx="minor">
+                <a:schemeClr val="tx1"/>
+              </a:fontRef>
+            </p:style>
+          </p:cxnSp>
+        </p:grpSp>
+      </p:grpSp>
+      <p:sp>
+        <p:nvSpPr>
+          <p:cNvPr id="24" name="Rectangle 23">
+            <a:extLst>
+              <a:ext uri="{FF2B5EF4-FFF2-40B4-BE49-F238E27FC236}">
+                <a16:creationId xmlns:a16="http://schemas.microsoft.com/office/drawing/2014/main" id="{8FA9B19B-F9D3-408E-B9FA-434D16AA23A8}"/>
+              </a:ext>
+            </a:extLst>
+          </p:cNvPr>
+          <p:cNvSpPr/>
+          <p:nvPr/>
+        </p:nvSpPr>
+        <p:spPr>
+          <a:xfrm>
+            <a:off x="5823896" y="4663893"/>
+            <a:ext cx="4777013" cy="523220"/>
+          </a:xfrm>
+          <a:prstGeom prst="rect">
+            <a:avLst/>
+          </a:prstGeom>
+          <a:noFill/>
+        </p:spPr>
+        <p:txBody>
+          <a:bodyPr wrap="none" lIns="91440" tIns="45720" rIns="91440" bIns="45720">
+            <a:spAutoFit/>
+          </a:bodyPr>
+          <a:lstStyle/>
+          <a:p>
+            <a:pPr algn="ctr"/>
+            <a:r>
+              <a:rPr lang="en-US" sz="2800">
+                <a:ln w="0"/>
+                <a:solidFill>
+                  <a:srgbClr val="002060"/>
+                </a:solidFill>
+                <a:effectLst>
+                  <a:outerShdw blurRad="38100" dist="19050" dir="2700000" algn="tl" rotWithShape="0">
+                    <a:schemeClr val="dk1">
+                      <a:alpha val="40000"/>
+                    </a:schemeClr>
+                  </a:outerShdw>
+                </a:effectLst>
+                <a:latin typeface="Arial Narrow" panose="020B0606020202030204" pitchFamily="34" charset="0"/>
+              </a:rPr>
+              <a:t>IT Research &amp; Development Group</a:t>
+            </a:r>
+            <a:endParaRPr lang="en-US" sz="2800" b="0" cap="none" spc="0">
+              <a:ln w="0"/>
+              <a:solidFill>
+                <a:srgbClr val="002060"/>
+              </a:solidFill>
+              <a:effectLst>
+                <a:outerShdw blurRad="38100" dist="19050" dir="2700000" algn="tl" rotWithShape="0">
+                  <a:schemeClr val="dk1">
+                    <a:alpha val="40000"/>
+                  </a:schemeClr>
+                </a:outerShdw>
+              </a:effectLst>
+              <a:latin typeface="Arial Narrow" panose="020B0606020202030204" pitchFamily="34" charset="0"/>
+            </a:endParaRPr>
+          </a:p>
+        </p:txBody>
+      </p:sp>
+      <p:grpSp>
+        <p:nvGrpSpPr>
+          <p:cNvPr id="25" name="Group 24">
+            <a:extLst>
+              <a:ext uri="{FF2B5EF4-FFF2-40B4-BE49-F238E27FC236}">
+                <a16:creationId xmlns:a16="http://schemas.microsoft.com/office/drawing/2014/main" id="{74557EF2-BDB4-4474-95DD-2C84F014CB21}"/>
+              </a:ext>
+            </a:extLst>
+          </p:cNvPr>
+          <p:cNvGrpSpPr/>
+          <p:nvPr/>
+        </p:nvGrpSpPr>
+        <p:grpSpPr>
+          <a:xfrm>
+            <a:off x="6211864" y="5309536"/>
+            <a:ext cx="4169648" cy="523220"/>
+            <a:chOff x="4651419" y="5937356"/>
+            <a:chExt cx="4169648" cy="523220"/>
+          </a:xfrm>
+        </p:grpSpPr>
+        <p:sp>
+          <p:nvSpPr>
+            <p:cNvPr id="26" name="Rectangle 25">
+              <a:extLst>
+                <a:ext uri="{FF2B5EF4-FFF2-40B4-BE49-F238E27FC236}">
+                  <a16:creationId xmlns:a16="http://schemas.microsoft.com/office/drawing/2014/main" id="{CD2417AD-78E5-4261-89A0-DE495421BEC1}"/>
+                </a:ext>
+              </a:extLst>
+            </p:cNvPr>
+            <p:cNvSpPr/>
+            <p:nvPr/>
+          </p:nvSpPr>
+          <p:spPr>
+            <a:xfrm>
+              <a:off x="5745359" y="5937356"/>
+              <a:ext cx="2031325" cy="523220"/>
+            </a:xfrm>
+            <a:prstGeom prst="rect">
+              <a:avLst/>
+            </a:prstGeom>
+            <a:noFill/>
+          </p:spPr>
+          <p:txBody>
+            <a:bodyPr wrap="none" lIns="91440" tIns="45720" rIns="91440" bIns="45720">
+              <a:spAutoFit/>
+            </a:bodyPr>
+            <a:lstStyle/>
+            <a:p>
+              <a:pPr algn="ctr"/>
+              <a:r>
+                <a:rPr lang="en-US" sz="2800" b="0" cap="none" spc="0">
+                  <a:ln w="0"/>
+                  <a:solidFill>
+                    <a:srgbClr val="FF0000"/>
+                  </a:solidFill>
+                  <a:effectLst>
+                    <a:outerShdw blurRad="38100" dist="25400" dir="5400000" algn="ctr" rotWithShape="0">
+                      <a:srgbClr val="6E747A">
+                        <a:alpha val="43000"/>
+                      </a:srgbClr>
+                    </a:outerShdw>
+                  </a:effectLst>
+                  <a:latin typeface="Arial Narrow" panose="020B0606020202030204" pitchFamily="34" charset="0"/>
+                </a:rPr>
+                <a:t>Learn Forever</a:t>
+              </a:r>
+            </a:p>
+          </p:txBody>
+        </p:sp>
+        <p:cxnSp>
+          <p:nvCxnSpPr>
+            <p:cNvPr id="27" name="Straight Connector 26">
+              <a:extLst>
+                <a:ext uri="{FF2B5EF4-FFF2-40B4-BE49-F238E27FC236}">
+                  <a16:creationId xmlns:a16="http://schemas.microsoft.com/office/drawing/2014/main" id="{D5022020-7F8D-4081-A0DB-7B887FBBF8C4}"/>
+                </a:ext>
+              </a:extLst>
+            </p:cNvPr>
+            <p:cNvCxnSpPr/>
+            <p:nvPr/>
+          </p:nvCxnSpPr>
+          <p:spPr>
+            <a:xfrm>
+              <a:off x="4651419" y="6246512"/>
+              <a:ext cx="1140120" cy="0"/>
+            </a:xfrm>
+            <a:prstGeom prst="line">
+              <a:avLst/>
+            </a:prstGeom>
+            <a:ln w="28575">
+              <a:solidFill>
+                <a:srgbClr val="FF0000"/>
+              </a:solidFill>
+            </a:ln>
+          </p:spPr>
+          <p:style>
+            <a:lnRef idx="1">
+              <a:schemeClr val="accent1"/>
+            </a:lnRef>
+            <a:fillRef idx="0">
+              <a:schemeClr val="accent1"/>
+            </a:fillRef>
+            <a:effectRef idx="0">
+              <a:schemeClr val="accent1"/>
+            </a:effectRef>
+            <a:fontRef idx="minor">
+              <a:schemeClr val="tx1"/>
+            </a:fontRef>
+          </p:style>
+        </p:cxnSp>
+        <p:cxnSp>
+          <p:nvCxnSpPr>
+            <p:cNvPr id="28" name="Straight Connector 27">
+              <a:extLst>
+                <a:ext uri="{FF2B5EF4-FFF2-40B4-BE49-F238E27FC236}">
+                  <a16:creationId xmlns:a16="http://schemas.microsoft.com/office/drawing/2014/main" id="{7C5A50D5-5636-4184-BE86-3AFC6D1E6B53}"/>
+                </a:ext>
+              </a:extLst>
+            </p:cNvPr>
+            <p:cNvCxnSpPr/>
+            <p:nvPr/>
+          </p:nvCxnSpPr>
+          <p:spPr>
+            <a:xfrm>
+              <a:off x="7680947" y="6246512"/>
+              <a:ext cx="1140120" cy="0"/>
+            </a:xfrm>
+            <a:prstGeom prst="line">
+              <a:avLst/>
+            </a:prstGeom>
+            <a:ln w="28575">
+              <a:solidFill>
+                <a:srgbClr val="FF0000"/>
+              </a:solidFill>
+            </a:ln>
+          </p:spPr>
+          <p:style>
+            <a:lnRef idx="1">
+              <a:schemeClr val="accent1"/>
+            </a:lnRef>
+            <a:fillRef idx="0">
+              <a:schemeClr val="accent1"/>
+            </a:fillRef>
+            <a:effectRef idx="0">
+              <a:schemeClr val="accent1"/>
+            </a:effectRef>
+            <a:fontRef idx="minor">
+              <a:schemeClr val="tx1"/>
+            </a:fontRef>
+          </p:style>
+        </p:cxnSp>
+      </p:grpSp>
+      <p:grpSp>
+        <p:nvGrpSpPr>
+          <p:cNvPr id="38" name="Group 37">
+            <a:extLst>
+              <a:ext uri="{FF2B5EF4-FFF2-40B4-BE49-F238E27FC236}">
+                <a16:creationId xmlns:a16="http://schemas.microsoft.com/office/drawing/2014/main" id="{FB6C6555-81D1-4D21-B016-E59CE354AE81}"/>
+              </a:ext>
+            </a:extLst>
+          </p:cNvPr>
+          <p:cNvGrpSpPr/>
+          <p:nvPr/>
+        </p:nvGrpSpPr>
+        <p:grpSpPr>
+          <a:xfrm>
+            <a:off x="6593928" y="475712"/>
+            <a:ext cx="5486402" cy="2390349"/>
+            <a:chOff x="6593928" y="475712"/>
+            <a:chExt cx="5486402" cy="2390349"/>
+          </a:xfrm>
+        </p:grpSpPr>
+        <p:sp>
+          <p:nvSpPr>
+            <p:cNvPr id="30" name="Rectangle 29">
+              <a:extLst>
+                <a:ext uri="{FF2B5EF4-FFF2-40B4-BE49-F238E27FC236}">
+                  <a16:creationId xmlns:a16="http://schemas.microsoft.com/office/drawing/2014/main" id="{77CB1A27-5120-447A-AF9E-8169659E3AF3}"/>
+                </a:ext>
+              </a:extLst>
+            </p:cNvPr>
+            <p:cNvSpPr/>
+            <p:nvPr/>
+          </p:nvSpPr>
+          <p:spPr>
+            <a:xfrm>
+              <a:off x="6593928" y="2186166"/>
+              <a:ext cx="5486400" cy="679895"/>
+            </a:xfrm>
+            <a:prstGeom prst="rect">
+              <a:avLst/>
+            </a:prstGeom>
+            <a:solidFill>
+              <a:schemeClr val="bg1">
+                <a:lumMod val="95000"/>
+              </a:schemeClr>
+            </a:solidFill>
+            <a:ln>
+              <a:noFill/>
+            </a:ln>
+          </p:spPr>
+          <p:style>
+            <a:lnRef idx="2">
+              <a:schemeClr val="accent1">
+                <a:shade val="50000"/>
+              </a:schemeClr>
+            </a:lnRef>
+            <a:fillRef idx="1">
+              <a:schemeClr val="accent1"/>
+            </a:fillRef>
+            <a:effectRef idx="0">
+              <a:schemeClr val="accent1"/>
+            </a:effectRef>
+            <a:fontRef idx="minor">
+              <a:schemeClr val="lt1"/>
+            </a:fontRef>
+          </p:style>
+          <p:txBody>
+            <a:bodyPr rtlCol="0" anchor="ctr"/>
+            <a:lstStyle/>
+            <a:p>
+              <a:pPr algn="ctr"/>
+              <a:endParaRPr lang="en-US"/>
+            </a:p>
+          </p:txBody>
+        </p:sp>
+        <p:pic>
+          <p:nvPicPr>
+            <p:cNvPr id="31" name="Picture 30">
+              <a:extLst>
+                <a:ext uri="{FF2B5EF4-FFF2-40B4-BE49-F238E27FC236}">
+                  <a16:creationId xmlns:a16="http://schemas.microsoft.com/office/drawing/2014/main" id="{3AC3CB1D-9E7F-42C4-9A55-539A072A06C0}"/>
+                </a:ext>
+              </a:extLst>
+            </p:cNvPr>
+            <p:cNvPicPr>
+              <a:picLocks/>
+            </p:cNvPicPr>
+            <p:nvPr/>
+          </p:nvPicPr>
+          <p:blipFill rotWithShape="1">
+            <a:blip r:embed="rId2">
+              <a:extLst>
+                <a:ext uri="{28A0092B-C50C-407E-A947-70E740481C1C}">
+                  <a14:useLocalDpi xmlns:a14="http://schemas.microsoft.com/office/drawing/2010/main" val="0"/>
+                </a:ext>
+              </a:extLst>
+            </a:blip>
+            <a:srcRect b="4598"/>
+            <a:stretch/>
+          </p:blipFill>
+          <p:spPr>
+            <a:xfrm>
+              <a:off x="6593930" y="475712"/>
+              <a:ext cx="5486400" cy="1744706"/>
+            </a:xfrm>
+            <a:prstGeom prst="rect">
+              <a:avLst/>
+            </a:prstGeom>
+          </p:spPr>
+        </p:pic>
+      </p:grpSp>
+    </p:spTree>
+    <p:extLst>
+      <p:ext uri="{BB962C8B-B14F-4D97-AF65-F5344CB8AC3E}">
+        <p14:creationId xmlns:p14="http://schemas.microsoft.com/office/powerpoint/2010/main" val="1161899995"/>
+      </p:ext>
+    </p:extLst>
+  </p:cSld>
+  <p:clrMapOvr>
+    <a:masterClrMapping/>
+  </p:clrMapOvr>
+</p:sld>
+</file>
+
 <file path=ppt/theme/theme1.xml><?xml version="1.0" encoding="utf-8"?>
 <a:theme xmlns:a="http://schemas.openxmlformats.org/drawingml/2006/main" name="Office Theme">
   <a:themeElements>

--- a/@docs/pics.pptx
+++ b/@docs/pics.pptx
@@ -4241,10 +4241,10 @@
       </p:sp>
       <p:grpSp>
         <p:nvGrpSpPr>
-          <p:cNvPr id="7" name="Group 6">
-            <a:extLst>
-              <a:ext uri="{FF2B5EF4-FFF2-40B4-BE49-F238E27FC236}">
-                <a16:creationId xmlns:a16="http://schemas.microsoft.com/office/drawing/2014/main" id="{792DCA8C-63F5-4567-A3DD-E19437F556A2}"/>
+          <p:cNvPr id="6" name="Group 5">
+            <a:extLst>
+              <a:ext uri="{FF2B5EF4-FFF2-40B4-BE49-F238E27FC236}">
+                <a16:creationId xmlns:a16="http://schemas.microsoft.com/office/drawing/2014/main" id="{0E660050-29F3-40AB-8645-2C62D890DBCC}"/>
               </a:ext>
             </a:extLst>
           </p:cNvPr>
@@ -4253,10 +4253,10 @@
         </p:nvGrpSpPr>
         <p:grpSpPr>
           <a:xfrm>
-            <a:off x="1010808" y="449400"/>
-            <a:ext cx="5486402" cy="2390349"/>
-            <a:chOff x="1010808" y="449400"/>
-            <a:chExt cx="5486402" cy="2390349"/>
+            <a:off x="549971" y="475712"/>
+            <a:ext cx="5486402" cy="2233675"/>
+            <a:chOff x="549971" y="475712"/>
+            <a:chExt cx="5486402" cy="2233675"/>
           </a:xfrm>
         </p:grpSpPr>
         <p:sp>
@@ -4273,8 +4273,8 @@
           </p:nvSpPr>
           <p:spPr>
             <a:xfrm>
-              <a:off x="1010808" y="2159854"/>
-              <a:ext cx="5486400" cy="679895"/>
+              <a:off x="549971" y="2186167"/>
+              <a:ext cx="5486400" cy="523220"/>
             </a:xfrm>
             <a:prstGeom prst="rect">
               <a:avLst/>
@@ -4340,7 +4340,7 @@
           </p:blipFill>
           <p:spPr>
             <a:xfrm>
-              <a:off x="1010810" y="449400"/>
+              <a:off x="549973" y="475712"/>
               <a:ext cx="5486400" cy="1744706"/>
             </a:xfrm>
             <a:prstGeom prst="rect">
@@ -4362,7 +4362,7 @@
           </p:nvSpPr>
           <p:spPr>
             <a:xfrm>
-              <a:off x="2601898" y="902135"/>
+              <a:off x="2141061" y="928447"/>
               <a:ext cx="2304221" cy="923330"/>
             </a:xfrm>
             <a:prstGeom prst="rect">
@@ -4411,7 +4411,7 @@
           </p:nvSpPr>
           <p:spPr>
             <a:xfrm>
-              <a:off x="1365503" y="1670887"/>
+              <a:off x="904666" y="1697199"/>
               <a:ext cx="4777013" cy="523220"/>
             </a:xfrm>
             <a:prstGeom prst="rect">
@@ -4474,7 +4474,7 @@
           </p:nvGrpSpPr>
           <p:grpSpPr>
             <a:xfrm>
-              <a:off x="1618958" y="2070997"/>
+              <a:off x="1158121" y="2097309"/>
               <a:ext cx="4169648" cy="523220"/>
               <a:chOff x="4651419" y="5937356"/>
               <a:chExt cx="4169648" cy="523220"/>
@@ -4830,10 +4830,10 @@
       </p:grpSp>
       <p:grpSp>
         <p:nvGrpSpPr>
-          <p:cNvPr id="38" name="Group 37">
-            <a:extLst>
-              <a:ext uri="{FF2B5EF4-FFF2-40B4-BE49-F238E27FC236}">
-                <a16:creationId xmlns:a16="http://schemas.microsoft.com/office/drawing/2014/main" id="{FB6C6555-81D1-4D21-B016-E59CE354AE81}"/>
+          <p:cNvPr id="2" name="Group 1">
+            <a:extLst>
+              <a:ext uri="{FF2B5EF4-FFF2-40B4-BE49-F238E27FC236}">
+                <a16:creationId xmlns:a16="http://schemas.microsoft.com/office/drawing/2014/main" id="{03DE4485-30A1-40D6-B9E2-1A534ACE60BF}"/>
               </a:ext>
             </a:extLst>
           </p:cNvPr>
@@ -4843,9 +4843,9 @@
         <p:grpSpPr>
           <a:xfrm>
             <a:off x="6593928" y="475712"/>
-            <a:ext cx="5486402" cy="2390349"/>
+            <a:ext cx="5486402" cy="2233675"/>
             <a:chOff x="6593928" y="475712"/>
-            <a:chExt cx="5486402" cy="2390349"/>
+            <a:chExt cx="5486402" cy="2233675"/>
           </a:xfrm>
         </p:grpSpPr>
         <p:sp>
@@ -4863,7 +4863,7 @@
           <p:spPr>
             <a:xfrm>
               <a:off x="6593928" y="2186166"/>
-              <a:ext cx="5486400" cy="679895"/>
+              <a:ext cx="5486400" cy="523221"/>
             </a:xfrm>
             <a:prstGeom prst="rect">
               <a:avLst/>

--- a/@docs/pics.pptx
+++ b/@docs/pics.pptx
@@ -3841,10 +3841,10 @@
       </p:pic>
       <p:grpSp>
         <p:nvGrpSpPr>
-          <p:cNvPr id="9" name="Group 8">
-            <a:extLst>
-              <a:ext uri="{FF2B5EF4-FFF2-40B4-BE49-F238E27FC236}">
-                <a16:creationId xmlns:a16="http://schemas.microsoft.com/office/drawing/2014/main" id="{E3931C2C-5624-4E57-A203-E10CEB04E82A}"/>
+          <p:cNvPr id="6" name="Group 5">
+            <a:extLst>
+              <a:ext uri="{FF2B5EF4-FFF2-40B4-BE49-F238E27FC236}">
+                <a16:creationId xmlns:a16="http://schemas.microsoft.com/office/drawing/2014/main" id="{AB2EAF5A-9371-4FC1-A96A-90AE5E5BD8C4}"/>
               </a:ext>
             </a:extLst>
           </p:cNvPr>
@@ -3853,9 +3853,9 @@
         </p:nvGrpSpPr>
         <p:grpSpPr>
           <a:xfrm>
-            <a:off x="96411" y="2612498"/>
+            <a:off x="96411" y="2593315"/>
             <a:ext cx="10972800" cy="2377440"/>
-            <a:chOff x="96411" y="2612498"/>
+            <a:chOff x="96411" y="2593315"/>
             <a:chExt cx="10972800" cy="2377440"/>
           </a:xfrm>
         </p:grpSpPr>
@@ -3887,7 +3887,7 @@
           </p:blipFill>
           <p:spPr>
             <a:xfrm>
-              <a:off x="96411" y="2612498"/>
+              <a:off x="96411" y="2593315"/>
               <a:ext cx="10972800" cy="2377440"/>
             </a:xfrm>
             <a:prstGeom prst="rect">
@@ -3958,8 +3958,8 @@
           </p:nvSpPr>
           <p:spPr>
             <a:xfrm>
-              <a:off x="5582811" y="3258815"/>
-              <a:ext cx="4777013" cy="523220"/>
+              <a:off x="5203578" y="3225756"/>
+              <a:ext cx="5408725" cy="523220"/>
             </a:xfrm>
             <a:prstGeom prst="rect">
               <a:avLst/>
@@ -3972,38 +3972,12 @@
             </a:bodyPr>
             <a:lstStyle/>
             <a:p>
-              <a:pPr algn="ctr"/>
               <a:r>
                 <a:rPr lang="en-US" sz="2800">
-                  <a:ln w="0"/>
-                  <a:solidFill>
-                    <a:srgbClr val="002060"/>
-                  </a:solidFill>
-                  <a:effectLst>
-                    <a:outerShdw blurRad="38100" dist="19050" dir="2700000" algn="tl" rotWithShape="0">
-                      <a:schemeClr val="dk1">
-                        <a:alpha val="40000"/>
-                      </a:schemeClr>
-                    </a:outerShdw>
-                  </a:effectLst>
                   <a:latin typeface="Arial Narrow" panose="020B0606020202030204" pitchFamily="34" charset="0"/>
                 </a:rPr>
-                <a:t>IT Research &amp; Development Group</a:t>
+                <a:t>Data Science &amp; Application, R&amp;D Group</a:t>
               </a:r>
-              <a:endParaRPr lang="en-US" sz="2800" b="0" cap="none" spc="0">
-                <a:ln w="0"/>
-                <a:solidFill>
-                  <a:srgbClr val="002060"/>
-                </a:solidFill>
-                <a:effectLst>
-                  <a:outerShdw blurRad="38100" dist="19050" dir="2700000" algn="tl" rotWithShape="0">
-                    <a:schemeClr val="dk1">
-                      <a:alpha val="40000"/>
-                    </a:schemeClr>
-                  </a:outerShdw>
-                </a:effectLst>
-                <a:latin typeface="Arial Narrow" panose="020B0606020202030204" pitchFamily="34" charset="0"/>
-              </a:endParaRPr>
             </a:p>
           </p:txBody>
         </p:sp>
@@ -4021,7 +3995,7 @@
           </p:nvGrpSpPr>
           <p:grpSpPr>
             <a:xfrm>
-              <a:off x="5850019" y="3653883"/>
+              <a:off x="5850019" y="3609290"/>
               <a:ext cx="4169648" cy="523220"/>
               <a:chOff x="4651419" y="5937356"/>
               <a:chExt cx="4169648" cy="523220"/>
@@ -4241,10 +4215,10 @@
       </p:sp>
       <p:grpSp>
         <p:nvGrpSpPr>
-          <p:cNvPr id="6" name="Group 5">
-            <a:extLst>
-              <a:ext uri="{FF2B5EF4-FFF2-40B4-BE49-F238E27FC236}">
-                <a16:creationId xmlns:a16="http://schemas.microsoft.com/office/drawing/2014/main" id="{0E660050-29F3-40AB-8645-2C62D890DBCC}"/>
+          <p:cNvPr id="7" name="Group 6">
+            <a:extLst>
+              <a:ext uri="{FF2B5EF4-FFF2-40B4-BE49-F238E27FC236}">
+                <a16:creationId xmlns:a16="http://schemas.microsoft.com/office/drawing/2014/main" id="{3398EC40-0AAE-4F02-9A6D-13F007D0C764}"/>
               </a:ext>
             </a:extLst>
           </p:cNvPr>
@@ -4253,10 +4227,10 @@
         </p:nvGrpSpPr>
         <p:grpSpPr>
           <a:xfrm>
-            <a:off x="549971" y="475712"/>
-            <a:ext cx="5486402" cy="2233675"/>
-            <a:chOff x="549971" y="475712"/>
-            <a:chExt cx="5486402" cy="2233675"/>
+            <a:off x="549970" y="475712"/>
+            <a:ext cx="5486403" cy="2212976"/>
+            <a:chOff x="549970" y="475712"/>
+            <a:chExt cx="5486403" cy="2212976"/>
           </a:xfrm>
         </p:grpSpPr>
         <p:sp>
@@ -4273,7 +4247,7 @@
           </p:nvSpPr>
           <p:spPr>
             <a:xfrm>
-              <a:off x="549971" y="2186167"/>
+              <a:off x="549970" y="2165468"/>
               <a:ext cx="5486400" cy="523220"/>
             </a:xfrm>
             <a:prstGeom prst="rect">
@@ -4397,69 +4371,6 @@
             </a:p>
           </p:txBody>
         </p:sp>
-        <p:sp>
-          <p:nvSpPr>
-            <p:cNvPr id="15" name="Rectangle 14">
-              <a:extLst>
-                <a:ext uri="{FF2B5EF4-FFF2-40B4-BE49-F238E27FC236}">
-                  <a16:creationId xmlns:a16="http://schemas.microsoft.com/office/drawing/2014/main" id="{3A9CB5CA-A828-4761-9790-FEC97E804BD1}"/>
-                </a:ext>
-              </a:extLst>
-            </p:cNvPr>
-            <p:cNvSpPr/>
-            <p:nvPr/>
-          </p:nvSpPr>
-          <p:spPr>
-            <a:xfrm>
-              <a:off x="904666" y="1697199"/>
-              <a:ext cx="4777013" cy="523220"/>
-            </a:xfrm>
-            <a:prstGeom prst="rect">
-              <a:avLst/>
-            </a:prstGeom>
-            <a:noFill/>
-          </p:spPr>
-          <p:txBody>
-            <a:bodyPr wrap="none" lIns="91440" tIns="45720" rIns="91440" bIns="45720">
-              <a:spAutoFit/>
-            </a:bodyPr>
-            <a:lstStyle/>
-            <a:p>
-              <a:pPr algn="ctr"/>
-              <a:r>
-                <a:rPr lang="en-US" sz="2800">
-                  <a:ln w="0"/>
-                  <a:solidFill>
-                    <a:srgbClr val="002060"/>
-                  </a:solidFill>
-                  <a:effectLst>
-                    <a:outerShdw blurRad="38100" dist="19050" dir="2700000" algn="tl" rotWithShape="0">
-                      <a:schemeClr val="dk1">
-                        <a:alpha val="40000"/>
-                      </a:schemeClr>
-                    </a:outerShdw>
-                  </a:effectLst>
-                  <a:latin typeface="Arial Narrow" panose="020B0606020202030204" pitchFamily="34" charset="0"/>
-                </a:rPr>
-                <a:t>IT Research &amp; Development Group</a:t>
-              </a:r>
-              <a:endParaRPr lang="en-US" sz="2800" b="0" cap="none" spc="0">
-                <a:ln w="0"/>
-                <a:solidFill>
-                  <a:srgbClr val="002060"/>
-                </a:solidFill>
-                <a:effectLst>
-                  <a:outerShdw blurRad="38100" dist="19050" dir="2700000" algn="tl" rotWithShape="0">
-                    <a:schemeClr val="dk1">
-                      <a:alpha val="40000"/>
-                    </a:schemeClr>
-                  </a:outerShdw>
-                </a:effectLst>
-                <a:latin typeface="Arial Narrow" panose="020B0606020202030204" pitchFamily="34" charset="0"/>
-              </a:endParaRPr>
-            </a:p>
-          </p:txBody>
-        </p:sp>
         <p:grpSp>
           <p:nvGrpSpPr>
             <p:cNvPr id="16" name="Group 15">
@@ -4474,7 +4385,7 @@
           </p:nvGrpSpPr>
           <p:grpSpPr>
             <a:xfrm>
-              <a:off x="1158121" y="2097309"/>
+              <a:off x="1208346" y="2098940"/>
               <a:ext cx="4169648" cy="523220"/>
               <a:chOff x="4651419" y="5937356"/>
               <a:chExt cx="4169648" cy="523220"/>
@@ -4627,8 +4538,8 @@
         </p:nvSpPr>
         <p:spPr>
           <a:xfrm>
-            <a:off x="5823896" y="4663893"/>
-            <a:ext cx="4777013" cy="523220"/>
+            <a:off x="588808" y="1704142"/>
+            <a:ext cx="5408725" cy="523220"/>
           </a:xfrm>
           <a:prstGeom prst="rect">
             <a:avLst/>
@@ -4641,38 +4552,12 @@
           </a:bodyPr>
           <a:lstStyle/>
           <a:p>
-            <a:pPr algn="ctr"/>
             <a:r>
               <a:rPr lang="en-US" sz="2800">
-                <a:ln w="0"/>
-                <a:solidFill>
-                  <a:srgbClr val="002060"/>
-                </a:solidFill>
-                <a:effectLst>
-                  <a:outerShdw blurRad="38100" dist="19050" dir="2700000" algn="tl" rotWithShape="0">
-                    <a:schemeClr val="dk1">
-                      <a:alpha val="40000"/>
-                    </a:schemeClr>
-                  </a:outerShdw>
-                </a:effectLst>
                 <a:latin typeface="Arial Narrow" panose="020B0606020202030204" pitchFamily="34" charset="0"/>
               </a:rPr>
-              <a:t>IT Research &amp; Development Group</a:t>
-            </a:r>
-            <a:endParaRPr lang="en-US" sz="2800" b="0" cap="none" spc="0">
-              <a:ln w="0"/>
-              <a:solidFill>
-                <a:srgbClr val="002060"/>
-              </a:solidFill>
-              <a:effectLst>
-                <a:outerShdw blurRad="38100" dist="19050" dir="2700000" algn="tl" rotWithShape="0">
-                  <a:schemeClr val="dk1">
-                    <a:alpha val="40000"/>
-                  </a:schemeClr>
-                </a:outerShdw>
-              </a:effectLst>
-              <a:latin typeface="Arial Narrow" panose="020B0606020202030204" pitchFamily="34" charset="0"/>
-            </a:endParaRPr>
+              <a:t>Data Science &amp; Application, R&amp;D Group</a:t>
+            </a:r>
           </a:p>
         </p:txBody>
       </p:sp>
@@ -4938,6 +4823,43 @@
           </p:spPr>
         </p:pic>
       </p:grpSp>
+      <p:sp>
+        <p:nvSpPr>
+          <p:cNvPr id="20" name="Rectangle 19">
+            <a:extLst>
+              <a:ext uri="{FF2B5EF4-FFF2-40B4-BE49-F238E27FC236}">
+                <a16:creationId xmlns:a16="http://schemas.microsoft.com/office/drawing/2014/main" id="{41D9DF77-3FBF-4A00-BC59-AA3804DE6037}"/>
+              </a:ext>
+            </a:extLst>
+          </p:cNvPr>
+          <p:cNvSpPr/>
+          <p:nvPr/>
+        </p:nvSpPr>
+        <p:spPr>
+          <a:xfrm>
+            <a:off x="5761171" y="4169313"/>
+            <a:ext cx="5408725" cy="523220"/>
+          </a:xfrm>
+          <a:prstGeom prst="rect">
+            <a:avLst/>
+          </a:prstGeom>
+          <a:noFill/>
+        </p:spPr>
+        <p:txBody>
+          <a:bodyPr wrap="none" lIns="91440" tIns="45720" rIns="91440" bIns="45720">
+            <a:spAutoFit/>
+          </a:bodyPr>
+          <a:lstStyle/>
+          <a:p>
+            <a:r>
+              <a:rPr lang="en-US" sz="2800">
+                <a:latin typeface="Arial Narrow" panose="020B0606020202030204" pitchFamily="34" charset="0"/>
+              </a:rPr>
+              <a:t>Data Science &amp; Application, R&amp;D Group</a:t>
+            </a:r>
+          </a:p>
+        </p:txBody>
+      </p:sp>
     </p:spTree>
     <p:extLst>
       <p:ext uri="{BB962C8B-B14F-4D97-AF65-F5344CB8AC3E}">

--- a/@docs/pics.pptx
+++ b/@docs/pics.pptx
@@ -6,9 +6,8 @@
   </p:sldMasterIdLst>
   <p:sldIdLst>
     <p:sldId id="256" r:id="rId2"/>
-    <p:sldId id="258" r:id="rId3"/>
-    <p:sldId id="259" r:id="rId4"/>
-    <p:sldId id="260" r:id="rId5"/>
+    <p:sldId id="259" r:id="rId3"/>
+    <p:sldId id="260" r:id="rId4"/>
   </p:sldIdLst>
   <p:sldSz cx="12192000" cy="6858000"/>
   <p:notesSz cx="6858000" cy="9144000"/>
@@ -3467,342 +3466,6 @@
           <a:chExt cx="0" cy="0"/>
         </a:xfrm>
       </p:grpSpPr>
-      <p:grpSp>
-        <p:nvGrpSpPr>
-          <p:cNvPr id="11" name="Group 10">
-            <a:extLst>
-              <a:ext uri="{FF2B5EF4-FFF2-40B4-BE49-F238E27FC236}">
-                <a16:creationId xmlns:a16="http://schemas.microsoft.com/office/drawing/2014/main" id="{EA7BDFA2-98B7-4269-B3E8-14C98A1D1C09}"/>
-              </a:ext>
-            </a:extLst>
-          </p:cNvPr>
-          <p:cNvGrpSpPr/>
-          <p:nvPr/>
-        </p:nvGrpSpPr>
-        <p:grpSpPr>
-          <a:xfrm>
-            <a:off x="1010810" y="449400"/>
-            <a:ext cx="5486400" cy="1924831"/>
-            <a:chOff x="1010810" y="449400"/>
-            <a:chExt cx="5486400" cy="1924831"/>
-          </a:xfrm>
-        </p:grpSpPr>
-        <p:pic>
-          <p:nvPicPr>
-            <p:cNvPr id="3" name="Picture 2">
-              <a:extLst>
-                <a:ext uri="{FF2B5EF4-FFF2-40B4-BE49-F238E27FC236}">
-                  <a16:creationId xmlns:a16="http://schemas.microsoft.com/office/drawing/2014/main" id="{1FD7A4A4-D107-4289-8368-4B48E566AA5C}"/>
-                </a:ext>
-              </a:extLst>
-            </p:cNvPr>
-            <p:cNvPicPr>
-              <a:picLocks/>
-            </p:cNvPicPr>
-            <p:nvPr/>
-          </p:nvPicPr>
-          <p:blipFill>
-            <a:blip r:embed="rId2">
-              <a:extLst>
-                <a:ext uri="{28A0092B-C50C-407E-A947-70E740481C1C}">
-                  <a14:useLocalDpi xmlns:a14="http://schemas.microsoft.com/office/drawing/2010/main" val="0"/>
-                </a:ext>
-              </a:extLst>
-            </a:blip>
-            <a:stretch>
-              <a:fillRect/>
-            </a:stretch>
-          </p:blipFill>
-          <p:spPr>
-            <a:xfrm>
-              <a:off x="1010810" y="449400"/>
-              <a:ext cx="5486400" cy="1828800"/>
-            </a:xfrm>
-            <a:prstGeom prst="rect">
-              <a:avLst/>
-            </a:prstGeom>
-          </p:spPr>
-        </p:pic>
-        <p:sp>
-          <p:nvSpPr>
-            <p:cNvPr id="2" name="Rectangle 1">
-              <a:extLst>
-                <a:ext uri="{FF2B5EF4-FFF2-40B4-BE49-F238E27FC236}">
-                  <a16:creationId xmlns:a16="http://schemas.microsoft.com/office/drawing/2014/main" id="{AA6789A4-5365-403C-AE20-EB58C2F28C88}"/>
-                </a:ext>
-              </a:extLst>
-            </p:cNvPr>
-            <p:cNvSpPr/>
-            <p:nvPr/>
-          </p:nvSpPr>
-          <p:spPr>
-            <a:xfrm>
-              <a:off x="1848941" y="1616360"/>
-              <a:ext cx="4385110" cy="461665"/>
-            </a:xfrm>
-            <a:prstGeom prst="rect">
-              <a:avLst/>
-            </a:prstGeom>
-            <a:noFill/>
-          </p:spPr>
-          <p:txBody>
-            <a:bodyPr wrap="none" lIns="91440" tIns="45720" rIns="91440" bIns="45720">
-              <a:spAutoFit/>
-            </a:bodyPr>
-            <a:lstStyle/>
-            <a:p>
-              <a:pPr algn="ctr"/>
-              <a:r>
-                <a:rPr lang="en-US" sz="2400" b="0" cap="none" spc="0">
-                  <a:ln w="0"/>
-                  <a:solidFill>
-                    <a:srgbClr val="002060"/>
-                  </a:solidFill>
-                  <a:effectLst>
-                    <a:outerShdw blurRad="38100" dist="19050" dir="2700000" algn="tl" rotWithShape="0">
-                      <a:schemeClr val="dk1">
-                        <a:alpha val="40000"/>
-                      </a:schemeClr>
-                    </a:outerShdw>
-                  </a:effectLst>
-                </a:rPr>
-                <a:t>Data Science &amp; Application Group</a:t>
-              </a:r>
-            </a:p>
-          </p:txBody>
-        </p:sp>
-        <p:sp>
-          <p:nvSpPr>
-            <p:cNvPr id="5" name="Rectangle 4">
-              <a:extLst>
-                <a:ext uri="{FF2B5EF4-FFF2-40B4-BE49-F238E27FC236}">
-                  <a16:creationId xmlns:a16="http://schemas.microsoft.com/office/drawing/2014/main" id="{B142240D-F517-4ACB-93ED-B55517122BCE}"/>
-                </a:ext>
-              </a:extLst>
-            </p:cNvPr>
-            <p:cNvSpPr/>
-            <p:nvPr/>
-          </p:nvSpPr>
-          <p:spPr>
-            <a:xfrm>
-              <a:off x="2889386" y="902135"/>
-              <a:ext cx="2304221" cy="923330"/>
-            </a:xfrm>
-            <a:prstGeom prst="rect">
-              <a:avLst/>
-            </a:prstGeom>
-            <a:noFill/>
-          </p:spPr>
-          <p:txBody>
-            <a:bodyPr wrap="none" lIns="91440" tIns="45720" rIns="91440" bIns="45720">
-              <a:spAutoFit/>
-            </a:bodyPr>
-            <a:lstStyle/>
-            <a:p>
-              <a:pPr algn="ctr"/>
-              <a:r>
-                <a:rPr lang="en-US" sz="5400" b="0" cap="none" spc="0">
-                  <a:ln w="0"/>
-                  <a:solidFill>
-                    <a:srgbClr val="002060"/>
-                  </a:solidFill>
-                  <a:effectLst>
-                    <a:outerShdw blurRad="38100" dist="19050" dir="2700000" algn="tl" rotWithShape="0">
-                      <a:schemeClr val="dk1">
-                        <a:alpha val="40000"/>
-                      </a:schemeClr>
-                    </a:outerShdw>
-                  </a:effectLst>
-                  <a:latin typeface="Brush Script MT" panose="03060802040406070304" pitchFamily="66" charset="0"/>
-                </a:rPr>
-                <a:t>Trí Nhân</a:t>
-              </a:r>
-            </a:p>
-          </p:txBody>
-        </p:sp>
-        <p:grpSp>
-          <p:nvGrpSpPr>
-            <p:cNvPr id="10" name="Group 9">
-              <a:extLst>
-                <a:ext uri="{FF2B5EF4-FFF2-40B4-BE49-F238E27FC236}">
-                  <a16:creationId xmlns:a16="http://schemas.microsoft.com/office/drawing/2014/main" id="{3CB9FBF7-1344-4ED7-810C-00BF33402570}"/>
-                </a:ext>
-              </a:extLst>
-            </p:cNvPr>
-            <p:cNvGrpSpPr/>
-            <p:nvPr/>
-          </p:nvGrpSpPr>
-          <p:grpSpPr>
-            <a:xfrm>
-              <a:off x="2585564" y="1943344"/>
-              <a:ext cx="2911864" cy="430887"/>
-              <a:chOff x="3414997" y="2847319"/>
-              <a:chExt cx="2911864" cy="430887"/>
-            </a:xfrm>
-          </p:grpSpPr>
-          <p:sp>
-            <p:nvSpPr>
-              <p:cNvPr id="6" name="Rectangle 5">
-                <a:extLst>
-                  <a:ext uri="{FF2B5EF4-FFF2-40B4-BE49-F238E27FC236}">
-                    <a16:creationId xmlns:a16="http://schemas.microsoft.com/office/drawing/2014/main" id="{1A7BE631-2B4F-4D48-82E0-38D8F3A573F1}"/>
-                  </a:ext>
-                </a:extLst>
-              </p:cNvPr>
-              <p:cNvSpPr/>
-              <p:nvPr/>
-            </p:nvSpPr>
-            <p:spPr>
-              <a:xfrm>
-                <a:off x="4069080" y="2847319"/>
-                <a:ext cx="1633781" cy="430887"/>
-              </a:xfrm>
-              <a:prstGeom prst="rect">
-                <a:avLst/>
-              </a:prstGeom>
-              <a:noFill/>
-            </p:spPr>
-            <p:txBody>
-              <a:bodyPr wrap="none" lIns="91440" tIns="45720" rIns="91440" bIns="45720">
-                <a:spAutoFit/>
-              </a:bodyPr>
-              <a:lstStyle/>
-              <a:p>
-                <a:pPr algn="ctr"/>
-                <a:r>
-                  <a:rPr lang="en-US" sz="2200" b="0" cap="none" spc="0">
-                    <a:ln w="0"/>
-                    <a:solidFill>
-                      <a:srgbClr val="FF0000"/>
-                    </a:solidFill>
-                    <a:effectLst>
-                      <a:outerShdw blurRad="38100" dist="25400" dir="5400000" algn="ctr" rotWithShape="0">
-                        <a:srgbClr val="6E747A">
-                          <a:alpha val="43000"/>
-                        </a:srgbClr>
-                      </a:outerShdw>
-                    </a:effectLst>
-                    <a:latin typeface="Arial Narrow" panose="020B0606020202030204" pitchFamily="34" charset="0"/>
-                  </a:rPr>
-                  <a:t>Learn Forever</a:t>
-                </a:r>
-              </a:p>
-            </p:txBody>
-          </p:sp>
-          <p:cxnSp>
-            <p:nvCxnSpPr>
-              <p:cNvPr id="8" name="Straight Connector 7">
-                <a:extLst>
-                  <a:ext uri="{FF2B5EF4-FFF2-40B4-BE49-F238E27FC236}">
-                    <a16:creationId xmlns:a16="http://schemas.microsoft.com/office/drawing/2014/main" id="{B7661F69-F4F2-4A4C-9296-4B11AA92C7FD}"/>
-                  </a:ext>
-                </a:extLst>
-              </p:cNvPr>
-              <p:cNvCxnSpPr/>
-              <p:nvPr/>
-            </p:nvCxnSpPr>
-            <p:spPr>
-              <a:xfrm>
-                <a:off x="5648835" y="3102090"/>
-                <a:ext cx="678026" cy="0"/>
-              </a:xfrm>
-              <a:prstGeom prst="line">
-                <a:avLst/>
-              </a:prstGeom>
-              <a:ln w="19050">
-                <a:solidFill>
-                  <a:srgbClr val="FF0000"/>
-                </a:solidFill>
-              </a:ln>
-            </p:spPr>
-            <p:style>
-              <a:lnRef idx="1">
-                <a:schemeClr val="accent1"/>
-              </a:lnRef>
-              <a:fillRef idx="0">
-                <a:schemeClr val="accent1"/>
-              </a:fillRef>
-              <a:effectRef idx="0">
-                <a:schemeClr val="accent1"/>
-              </a:effectRef>
-              <a:fontRef idx="minor">
-                <a:schemeClr val="tx1"/>
-              </a:fontRef>
-            </p:style>
-          </p:cxnSp>
-          <p:cxnSp>
-            <p:nvCxnSpPr>
-              <p:cNvPr id="9" name="Straight Connector 8">
-                <a:extLst>
-                  <a:ext uri="{FF2B5EF4-FFF2-40B4-BE49-F238E27FC236}">
-                    <a16:creationId xmlns:a16="http://schemas.microsoft.com/office/drawing/2014/main" id="{0994A7D5-97EA-4298-8D11-D87C8FAE913C}"/>
-                  </a:ext>
-                </a:extLst>
-              </p:cNvPr>
-              <p:cNvCxnSpPr/>
-              <p:nvPr/>
-            </p:nvCxnSpPr>
-            <p:spPr>
-              <a:xfrm>
-                <a:off x="3414997" y="3102090"/>
-                <a:ext cx="678026" cy="0"/>
-              </a:xfrm>
-              <a:prstGeom prst="line">
-                <a:avLst/>
-              </a:prstGeom>
-              <a:ln w="19050">
-                <a:solidFill>
-                  <a:srgbClr val="FF0000"/>
-                </a:solidFill>
-              </a:ln>
-            </p:spPr>
-            <p:style>
-              <a:lnRef idx="1">
-                <a:schemeClr val="accent1"/>
-              </a:lnRef>
-              <a:fillRef idx="0">
-                <a:schemeClr val="accent1"/>
-              </a:fillRef>
-              <a:effectRef idx="0">
-                <a:schemeClr val="accent1"/>
-              </a:effectRef>
-              <a:fontRef idx="minor">
-                <a:schemeClr val="tx1"/>
-              </a:fontRef>
-            </p:style>
-          </p:cxnSp>
-        </p:grpSp>
-      </p:grpSp>
-    </p:spTree>
-    <p:extLst>
-      <p:ext uri="{BB962C8B-B14F-4D97-AF65-F5344CB8AC3E}">
-        <p14:creationId xmlns:p14="http://schemas.microsoft.com/office/powerpoint/2010/main" val="3187845503"/>
-      </p:ext>
-    </p:extLst>
-  </p:cSld>
-  <p:clrMapOvr>
-    <a:masterClrMapping/>
-  </p:clrMapOvr>
-</p:sld>
-</file>
-
-<file path=ppt/slides/slide3.xml><?xml version="1.0" encoding="utf-8"?>
-<p:sld xmlns:a="http://schemas.openxmlformats.org/drawingml/2006/main" xmlns:r="http://schemas.openxmlformats.org/officeDocument/2006/relationships" xmlns:p="http://schemas.openxmlformats.org/presentationml/2006/main">
-  <p:cSld>
-    <p:spTree>
-      <p:nvGrpSpPr>
-        <p:cNvPr id="1" name=""/>
-        <p:cNvGrpSpPr/>
-        <p:nvPr/>
-      </p:nvGrpSpPr>
-      <p:grpSpPr>
-        <a:xfrm>
-          <a:off x="0" y="0"/>
-          <a:ext cx="0" cy="0"/>
-          <a:chOff x="0" y="0"/>
-          <a:chExt cx="0" cy="0"/>
-        </a:xfrm>
-      </p:grpSpPr>
       <p:pic>
         <p:nvPicPr>
           <p:cNvPr id="5" name="Picture 4">
@@ -4147,7 +3810,7 @@
 </p:sld>
 </file>
 
-<file path=ppt/slides/slide4.xml><?xml version="1.0" encoding="utf-8"?>
+<file path=ppt/slides/slide3.xml><?xml version="1.0" encoding="utf-8"?>
 <p:sld xmlns:a="http://schemas.openxmlformats.org/drawingml/2006/main" xmlns:r="http://schemas.openxmlformats.org/officeDocument/2006/relationships" xmlns:p="http://schemas.openxmlformats.org/presentationml/2006/main">
   <p:cSld>
     <p:spTree>
@@ -4215,10 +3878,10 @@
       </p:sp>
       <p:grpSp>
         <p:nvGrpSpPr>
-          <p:cNvPr id="7" name="Group 6">
-            <a:extLst>
-              <a:ext uri="{FF2B5EF4-FFF2-40B4-BE49-F238E27FC236}">
-                <a16:creationId xmlns:a16="http://schemas.microsoft.com/office/drawing/2014/main" id="{3398EC40-0AAE-4F02-9A6D-13F007D0C764}"/>
+          <p:cNvPr id="6" name="Group 5">
+            <a:extLst>
+              <a:ext uri="{FF2B5EF4-FFF2-40B4-BE49-F238E27FC236}">
+                <a16:creationId xmlns:a16="http://schemas.microsoft.com/office/drawing/2014/main" id="{937E1A11-C039-4924-ACDD-A372F6ADE571}"/>
               </a:ext>
             </a:extLst>
           </p:cNvPr>
@@ -4233,150 +3896,12 @@
             <a:chExt cx="5486403" cy="2212976"/>
           </a:xfrm>
         </p:grpSpPr>
-        <p:sp>
-          <p:nvSpPr>
-            <p:cNvPr id="4" name="Rectangle 3">
+        <p:grpSp>
+          <p:nvGrpSpPr>
+            <p:cNvPr id="7" name="Group 6">
               <a:extLst>
                 <a:ext uri="{FF2B5EF4-FFF2-40B4-BE49-F238E27FC236}">
-                  <a16:creationId xmlns:a16="http://schemas.microsoft.com/office/drawing/2014/main" id="{BBC76AC3-95F9-4A70-AADE-D68C7D7BD1C7}"/>
-                </a:ext>
-              </a:extLst>
-            </p:cNvPr>
-            <p:cNvSpPr/>
-            <p:nvPr/>
-          </p:nvSpPr>
-          <p:spPr>
-            <a:xfrm>
-              <a:off x="549970" y="2165468"/>
-              <a:ext cx="5486400" cy="523220"/>
-            </a:xfrm>
-            <a:prstGeom prst="rect">
-              <a:avLst/>
-            </a:prstGeom>
-            <a:solidFill>
-              <a:schemeClr val="bg1">
-                <a:lumMod val="95000"/>
-              </a:schemeClr>
-            </a:solidFill>
-            <a:ln>
-              <a:noFill/>
-            </a:ln>
-          </p:spPr>
-          <p:style>
-            <a:lnRef idx="2">
-              <a:schemeClr val="accent1">
-                <a:shade val="50000"/>
-              </a:schemeClr>
-            </a:lnRef>
-            <a:fillRef idx="1">
-              <a:schemeClr val="accent1"/>
-            </a:fillRef>
-            <a:effectRef idx="0">
-              <a:schemeClr val="accent1"/>
-            </a:effectRef>
-            <a:fontRef idx="minor">
-              <a:schemeClr val="lt1"/>
-            </a:fontRef>
-          </p:style>
-          <p:txBody>
-            <a:bodyPr rtlCol="0" anchor="ctr"/>
-            <a:lstStyle/>
-            <a:p>
-              <a:pPr algn="ctr"/>
-              <a:endParaRPr lang="en-US"/>
-            </a:p>
-          </p:txBody>
-        </p:sp>
-        <p:pic>
-          <p:nvPicPr>
-            <p:cNvPr id="3" name="Picture 2">
-              <a:extLst>
-                <a:ext uri="{FF2B5EF4-FFF2-40B4-BE49-F238E27FC236}">
-                  <a16:creationId xmlns:a16="http://schemas.microsoft.com/office/drawing/2014/main" id="{1FD7A4A4-D107-4289-8368-4B48E566AA5C}"/>
-                </a:ext>
-              </a:extLst>
-            </p:cNvPr>
-            <p:cNvPicPr>
-              <a:picLocks/>
-            </p:cNvPicPr>
-            <p:nvPr/>
-          </p:nvPicPr>
-          <p:blipFill rotWithShape="1">
-            <a:blip r:embed="rId2">
-              <a:extLst>
-                <a:ext uri="{28A0092B-C50C-407E-A947-70E740481C1C}">
-                  <a14:useLocalDpi xmlns:a14="http://schemas.microsoft.com/office/drawing/2010/main" val="0"/>
-                </a:ext>
-              </a:extLst>
-            </a:blip>
-            <a:srcRect b="4598"/>
-            <a:stretch/>
-          </p:blipFill>
-          <p:spPr>
-            <a:xfrm>
-              <a:off x="549973" y="475712"/>
-              <a:ext cx="5486400" cy="1744706"/>
-            </a:xfrm>
-            <a:prstGeom prst="rect">
-              <a:avLst/>
-            </a:prstGeom>
-          </p:spPr>
-        </p:pic>
-        <p:sp>
-          <p:nvSpPr>
-            <p:cNvPr id="5" name="Rectangle 4">
-              <a:extLst>
-                <a:ext uri="{FF2B5EF4-FFF2-40B4-BE49-F238E27FC236}">
-                  <a16:creationId xmlns:a16="http://schemas.microsoft.com/office/drawing/2014/main" id="{B142240D-F517-4ACB-93ED-B55517122BCE}"/>
-                </a:ext>
-              </a:extLst>
-            </p:cNvPr>
-            <p:cNvSpPr/>
-            <p:nvPr/>
-          </p:nvSpPr>
-          <p:spPr>
-            <a:xfrm>
-              <a:off x="2141061" y="928447"/>
-              <a:ext cx="2304221" cy="923330"/>
-            </a:xfrm>
-            <a:prstGeom prst="rect">
-              <a:avLst/>
-            </a:prstGeom>
-            <a:noFill/>
-          </p:spPr>
-          <p:txBody>
-            <a:bodyPr wrap="none" lIns="91440" tIns="45720" rIns="91440" bIns="45720">
-              <a:spAutoFit/>
-            </a:bodyPr>
-            <a:lstStyle/>
-            <a:p>
-              <a:pPr algn="ctr"/>
-              <a:r>
-                <a:rPr lang="en-US" sz="5400" b="0" cap="none" spc="0">
-                  <a:ln w="0"/>
-                  <a:solidFill>
-                    <a:srgbClr val="002060"/>
-                  </a:solidFill>
-                  <a:effectLst>
-                    <a:outerShdw blurRad="38100" dist="19050" dir="2700000" algn="tl" rotWithShape="0">
-                      <a:schemeClr val="dk1">
-                        <a:alpha val="40000"/>
-                      </a:schemeClr>
-                    </a:outerShdw>
-                  </a:effectLst>
-                  <a:latin typeface="Brush Script MT" panose="03060802040406070304" pitchFamily="66" charset="0"/>
-                </a:rPr>
-                <a:t>Trí Nhân</a:t>
-              </a:r>
-            </a:p>
-          </p:txBody>
-        </p:sp>
-        <p:grpSp>
-          <p:nvGrpSpPr>
-            <p:cNvPr id="16" name="Group 15">
-              <a:extLst>
-                <a:ext uri="{FF2B5EF4-FFF2-40B4-BE49-F238E27FC236}">
-                  <a16:creationId xmlns:a16="http://schemas.microsoft.com/office/drawing/2014/main" id="{753CA35A-A18C-4C81-86E5-034271F4F75C}"/>
+                  <a16:creationId xmlns:a16="http://schemas.microsoft.com/office/drawing/2014/main" id="{3398EC40-0AAE-4F02-9A6D-13F007D0C764}"/>
                 </a:ext>
               </a:extLst>
             </p:cNvPr>
@@ -4385,18 +3910,18 @@
           </p:nvGrpSpPr>
           <p:grpSpPr>
             <a:xfrm>
-              <a:off x="1208346" y="2098940"/>
-              <a:ext cx="4169648" cy="523220"/>
-              <a:chOff x="4651419" y="5937356"/>
-              <a:chExt cx="4169648" cy="523220"/>
+              <a:off x="549970" y="475712"/>
+              <a:ext cx="5486403" cy="2212976"/>
+              <a:chOff x="549970" y="475712"/>
+              <a:chExt cx="5486403" cy="2212976"/>
             </a:xfrm>
           </p:grpSpPr>
           <p:sp>
             <p:nvSpPr>
-              <p:cNvPr id="17" name="Rectangle 16">
+              <p:cNvPr id="4" name="Rectangle 3">
                 <a:extLst>
                   <a:ext uri="{FF2B5EF4-FFF2-40B4-BE49-F238E27FC236}">
-                    <a16:creationId xmlns:a16="http://schemas.microsoft.com/office/drawing/2014/main" id="{E8CAFB98-BBB3-49CD-98DD-354C4F90A588}"/>
+                    <a16:creationId xmlns:a16="http://schemas.microsoft.com/office/drawing/2014/main" id="{BBC76AC3-95F9-4A70-AADE-D68C7D7BD1C7}"/>
                   </a:ext>
                 </a:extLst>
               </p:cNvPr>
@@ -4405,8 +3930,97 @@
             </p:nvSpPr>
             <p:spPr>
               <a:xfrm>
-                <a:off x="5745359" y="5937356"/>
-                <a:ext cx="2031325" cy="523220"/>
+                <a:off x="549970" y="2165468"/>
+                <a:ext cx="5486400" cy="523220"/>
+              </a:xfrm>
+              <a:prstGeom prst="rect">
+                <a:avLst/>
+              </a:prstGeom>
+              <a:solidFill>
+                <a:schemeClr val="bg1">
+                  <a:lumMod val="95000"/>
+                </a:schemeClr>
+              </a:solidFill>
+              <a:ln>
+                <a:noFill/>
+              </a:ln>
+            </p:spPr>
+            <p:style>
+              <a:lnRef idx="2">
+                <a:schemeClr val="accent1">
+                  <a:shade val="50000"/>
+                </a:schemeClr>
+              </a:lnRef>
+              <a:fillRef idx="1">
+                <a:schemeClr val="accent1"/>
+              </a:fillRef>
+              <a:effectRef idx="0">
+                <a:schemeClr val="accent1"/>
+              </a:effectRef>
+              <a:fontRef idx="minor">
+                <a:schemeClr val="lt1"/>
+              </a:fontRef>
+            </p:style>
+            <p:txBody>
+              <a:bodyPr rtlCol="0" anchor="ctr"/>
+              <a:lstStyle/>
+              <a:p>
+                <a:pPr algn="ctr"/>
+                <a:endParaRPr lang="en-US"/>
+              </a:p>
+            </p:txBody>
+          </p:sp>
+          <p:pic>
+            <p:nvPicPr>
+              <p:cNvPr id="3" name="Picture 2">
+                <a:extLst>
+                  <a:ext uri="{FF2B5EF4-FFF2-40B4-BE49-F238E27FC236}">
+                    <a16:creationId xmlns:a16="http://schemas.microsoft.com/office/drawing/2014/main" id="{1FD7A4A4-D107-4289-8368-4B48E566AA5C}"/>
+                  </a:ext>
+                </a:extLst>
+              </p:cNvPr>
+              <p:cNvPicPr>
+                <a:picLocks/>
+              </p:cNvPicPr>
+              <p:nvPr/>
+            </p:nvPicPr>
+            <p:blipFill rotWithShape="1">
+              <a:blip r:embed="rId2">
+                <a:extLst>
+                  <a:ext uri="{28A0092B-C50C-407E-A947-70E740481C1C}">
+                    <a14:useLocalDpi xmlns:a14="http://schemas.microsoft.com/office/drawing/2010/main" val="0"/>
+                  </a:ext>
+                </a:extLst>
+              </a:blip>
+              <a:srcRect b="4598"/>
+              <a:stretch/>
+            </p:blipFill>
+            <p:spPr>
+              <a:xfrm>
+                <a:off x="549973" y="475712"/>
+                <a:ext cx="5486400" cy="1744706"/>
+              </a:xfrm>
+              <a:prstGeom prst="rect">
+                <a:avLst/>
+              </a:prstGeom>
+            </p:spPr>
+          </p:pic>
+          <p:sp>
+            <p:nvSpPr>
+              <p:cNvPr id="5" name="Rectangle 4">
+                <a:extLst>
+                  <a:ext uri="{FF2B5EF4-FFF2-40B4-BE49-F238E27FC236}">
+                    <a16:creationId xmlns:a16="http://schemas.microsoft.com/office/drawing/2014/main" id="{B142240D-F517-4ACB-93ED-B55517122BCE}"/>
+                  </a:ext>
+                </a:extLst>
+              </p:cNvPr>
+              <p:cNvSpPr/>
+              <p:nvPr/>
+            </p:nvSpPr>
+            <p:spPr>
+              <a:xfrm>
+                <a:off x="2141061" y="928447"/>
+                <a:ext cx="2304221" cy="923330"/>
               </a:xfrm>
               <a:prstGeom prst="rect">
                 <a:avLst/>
@@ -4421,146 +4035,216 @@
               <a:p>
                 <a:pPr algn="ctr"/>
                 <a:r>
-                  <a:rPr lang="en-US" sz="2800" b="0" cap="none" spc="0">
+                  <a:rPr lang="en-US" sz="5400" b="0" cap="none" spc="0">
                     <a:ln w="0"/>
                     <a:solidFill>
-                      <a:srgbClr val="FF0000"/>
+                      <a:srgbClr val="002060"/>
                     </a:solidFill>
                     <a:effectLst>
-                      <a:outerShdw blurRad="38100" dist="25400" dir="5400000" algn="ctr" rotWithShape="0">
-                        <a:srgbClr val="6E747A">
-                          <a:alpha val="43000"/>
-                        </a:srgbClr>
+                      <a:outerShdw blurRad="38100" dist="19050" dir="2700000" algn="tl" rotWithShape="0">
+                        <a:schemeClr val="dk1">
+                          <a:alpha val="40000"/>
+                        </a:schemeClr>
                       </a:outerShdw>
                     </a:effectLst>
-                    <a:latin typeface="Arial Narrow" panose="020B0606020202030204" pitchFamily="34" charset="0"/>
+                    <a:latin typeface="Brush Script MT" panose="03060802040406070304" pitchFamily="66" charset="0"/>
                   </a:rPr>
-                  <a:t>Learn Forever</a:t>
+                  <a:t>Trí Nhân</a:t>
                 </a:r>
               </a:p>
             </p:txBody>
           </p:sp>
-          <p:cxnSp>
-            <p:nvCxnSpPr>
-              <p:cNvPr id="18" name="Straight Connector 17">
+          <p:grpSp>
+            <p:nvGrpSpPr>
+              <p:cNvPr id="16" name="Group 15">
                 <a:extLst>
                   <a:ext uri="{FF2B5EF4-FFF2-40B4-BE49-F238E27FC236}">
-                    <a16:creationId xmlns:a16="http://schemas.microsoft.com/office/drawing/2014/main" id="{F0557FA4-F1B6-4D94-92F0-A6BCC19414A9}"/>
+                    <a16:creationId xmlns:a16="http://schemas.microsoft.com/office/drawing/2014/main" id="{753CA35A-A18C-4C81-86E5-034271F4F75C}"/>
                   </a:ext>
                 </a:extLst>
               </p:cNvPr>
-              <p:cNvCxnSpPr/>
+              <p:cNvGrpSpPr/>
               <p:nvPr/>
-            </p:nvCxnSpPr>
-            <p:spPr>
+            </p:nvGrpSpPr>
+            <p:grpSpPr>
               <a:xfrm>
-                <a:off x="4651419" y="6246512"/>
-                <a:ext cx="1140120" cy="0"/>
+                <a:off x="1208346" y="2098940"/>
+                <a:ext cx="4169648" cy="523220"/>
+                <a:chOff x="4651419" y="5937356"/>
+                <a:chExt cx="4169648" cy="523220"/>
               </a:xfrm>
-              <a:prstGeom prst="line">
-                <a:avLst/>
-              </a:prstGeom>
-              <a:ln w="28575">
-                <a:solidFill>
-                  <a:srgbClr val="FF0000"/>
-                </a:solidFill>
-              </a:ln>
-            </p:spPr>
-            <p:style>
-              <a:lnRef idx="1">
-                <a:schemeClr val="accent1"/>
-              </a:lnRef>
-              <a:fillRef idx="0">
-                <a:schemeClr val="accent1"/>
-              </a:fillRef>
-              <a:effectRef idx="0">
-                <a:schemeClr val="accent1"/>
-              </a:effectRef>
-              <a:fontRef idx="minor">
-                <a:schemeClr val="tx1"/>
-              </a:fontRef>
-            </p:style>
-          </p:cxnSp>
-          <p:cxnSp>
-            <p:nvCxnSpPr>
-              <p:cNvPr id="19" name="Straight Connector 18">
-                <a:extLst>
-                  <a:ext uri="{FF2B5EF4-FFF2-40B4-BE49-F238E27FC236}">
-                    <a16:creationId xmlns:a16="http://schemas.microsoft.com/office/drawing/2014/main" id="{C8BC1D18-B44C-4FAB-9046-04EDE5246C25}"/>
-                  </a:ext>
-                </a:extLst>
-              </p:cNvPr>
-              <p:cNvCxnSpPr/>
-              <p:nvPr/>
-            </p:nvCxnSpPr>
-            <p:spPr>
-              <a:xfrm>
-                <a:off x="7680947" y="6246512"/>
-                <a:ext cx="1140120" cy="0"/>
-              </a:xfrm>
-              <a:prstGeom prst="line">
-                <a:avLst/>
-              </a:prstGeom>
-              <a:ln w="28575">
-                <a:solidFill>
-                  <a:srgbClr val="FF0000"/>
-                </a:solidFill>
-              </a:ln>
-            </p:spPr>
-            <p:style>
-              <a:lnRef idx="1">
-                <a:schemeClr val="accent1"/>
-              </a:lnRef>
-              <a:fillRef idx="0">
-                <a:schemeClr val="accent1"/>
-              </a:fillRef>
-              <a:effectRef idx="0">
-                <a:schemeClr val="accent1"/>
-              </a:effectRef>
-              <a:fontRef idx="minor">
-                <a:schemeClr val="tx1"/>
-              </a:fontRef>
-            </p:style>
-          </p:cxnSp>
+            </p:grpSpPr>
+            <p:sp>
+              <p:nvSpPr>
+                <p:cNvPr id="17" name="Rectangle 16">
+                  <a:extLst>
+                    <a:ext uri="{FF2B5EF4-FFF2-40B4-BE49-F238E27FC236}">
+                      <a16:creationId xmlns:a16="http://schemas.microsoft.com/office/drawing/2014/main" id="{E8CAFB98-BBB3-49CD-98DD-354C4F90A588}"/>
+                    </a:ext>
+                  </a:extLst>
+                </p:cNvPr>
+                <p:cNvSpPr/>
+                <p:nvPr/>
+              </p:nvSpPr>
+              <p:spPr>
+                <a:xfrm>
+                  <a:off x="5745359" y="5937356"/>
+                  <a:ext cx="2031325" cy="523220"/>
+                </a:xfrm>
+                <a:prstGeom prst="rect">
+                  <a:avLst/>
+                </a:prstGeom>
+                <a:noFill/>
+              </p:spPr>
+              <p:txBody>
+                <a:bodyPr wrap="none" lIns="91440" tIns="45720" rIns="91440" bIns="45720">
+                  <a:spAutoFit/>
+                </a:bodyPr>
+                <a:lstStyle/>
+                <a:p>
+                  <a:pPr algn="ctr"/>
+                  <a:r>
+                    <a:rPr lang="en-US" sz="2800" b="0" cap="none" spc="0">
+                      <a:ln w="0"/>
+                      <a:solidFill>
+                        <a:srgbClr val="FF0000"/>
+                      </a:solidFill>
+                      <a:effectLst>
+                        <a:outerShdw blurRad="38100" dist="25400" dir="5400000" algn="ctr" rotWithShape="0">
+                          <a:srgbClr val="6E747A">
+                            <a:alpha val="43000"/>
+                          </a:srgbClr>
+                        </a:outerShdw>
+                      </a:effectLst>
+                      <a:latin typeface="Arial Narrow" panose="020B0606020202030204" pitchFamily="34" charset="0"/>
+                    </a:rPr>
+                    <a:t>Learn Forever</a:t>
+                  </a:r>
+                </a:p>
+              </p:txBody>
+            </p:sp>
+            <p:cxnSp>
+              <p:nvCxnSpPr>
+                <p:cNvPr id="18" name="Straight Connector 17">
+                  <a:extLst>
+                    <a:ext uri="{FF2B5EF4-FFF2-40B4-BE49-F238E27FC236}">
+                      <a16:creationId xmlns:a16="http://schemas.microsoft.com/office/drawing/2014/main" id="{F0557FA4-F1B6-4D94-92F0-A6BCC19414A9}"/>
+                    </a:ext>
+                  </a:extLst>
+                </p:cNvPr>
+                <p:cNvCxnSpPr/>
+                <p:nvPr/>
+              </p:nvCxnSpPr>
+              <p:spPr>
+                <a:xfrm>
+                  <a:off x="4651419" y="6246512"/>
+                  <a:ext cx="1140120" cy="0"/>
+                </a:xfrm>
+                <a:prstGeom prst="line">
+                  <a:avLst/>
+                </a:prstGeom>
+                <a:ln w="28575">
+                  <a:solidFill>
+                    <a:srgbClr val="FF0000"/>
+                  </a:solidFill>
+                </a:ln>
+              </p:spPr>
+              <p:style>
+                <a:lnRef idx="1">
+                  <a:schemeClr val="accent1"/>
+                </a:lnRef>
+                <a:fillRef idx="0">
+                  <a:schemeClr val="accent1"/>
+                </a:fillRef>
+                <a:effectRef idx="0">
+                  <a:schemeClr val="accent1"/>
+                </a:effectRef>
+                <a:fontRef idx="minor">
+                  <a:schemeClr val="tx1"/>
+                </a:fontRef>
+              </p:style>
+            </p:cxnSp>
+            <p:cxnSp>
+              <p:nvCxnSpPr>
+                <p:cNvPr id="19" name="Straight Connector 18">
+                  <a:extLst>
+                    <a:ext uri="{FF2B5EF4-FFF2-40B4-BE49-F238E27FC236}">
+                      <a16:creationId xmlns:a16="http://schemas.microsoft.com/office/drawing/2014/main" id="{C8BC1D18-B44C-4FAB-9046-04EDE5246C25}"/>
+                    </a:ext>
+                  </a:extLst>
+                </p:cNvPr>
+                <p:cNvCxnSpPr/>
+                <p:nvPr/>
+              </p:nvCxnSpPr>
+              <p:spPr>
+                <a:xfrm>
+                  <a:off x="7680947" y="6246512"/>
+                  <a:ext cx="1140120" cy="0"/>
+                </a:xfrm>
+                <a:prstGeom prst="line">
+                  <a:avLst/>
+                </a:prstGeom>
+                <a:ln w="28575">
+                  <a:solidFill>
+                    <a:srgbClr val="FF0000"/>
+                  </a:solidFill>
+                </a:ln>
+              </p:spPr>
+              <p:style>
+                <a:lnRef idx="1">
+                  <a:schemeClr val="accent1"/>
+                </a:lnRef>
+                <a:fillRef idx="0">
+                  <a:schemeClr val="accent1"/>
+                </a:fillRef>
+                <a:effectRef idx="0">
+                  <a:schemeClr val="accent1"/>
+                </a:effectRef>
+                <a:fontRef idx="minor">
+                  <a:schemeClr val="tx1"/>
+                </a:fontRef>
+              </p:style>
+            </p:cxnSp>
+          </p:grpSp>
         </p:grpSp>
+        <p:sp>
+          <p:nvSpPr>
+            <p:cNvPr id="24" name="Rectangle 23">
+              <a:extLst>
+                <a:ext uri="{FF2B5EF4-FFF2-40B4-BE49-F238E27FC236}">
+                  <a16:creationId xmlns:a16="http://schemas.microsoft.com/office/drawing/2014/main" id="{8FA9B19B-F9D3-408E-B9FA-434D16AA23A8}"/>
+                </a:ext>
+              </a:extLst>
+            </p:cNvPr>
+            <p:cNvSpPr/>
+            <p:nvPr/>
+          </p:nvSpPr>
+          <p:spPr>
+            <a:xfrm>
+              <a:off x="588808" y="1704142"/>
+              <a:ext cx="5408725" cy="523220"/>
+            </a:xfrm>
+            <a:prstGeom prst="rect">
+              <a:avLst/>
+            </a:prstGeom>
+            <a:noFill/>
+          </p:spPr>
+          <p:txBody>
+            <a:bodyPr wrap="none" lIns="91440" tIns="45720" rIns="91440" bIns="45720">
+              <a:spAutoFit/>
+            </a:bodyPr>
+            <a:lstStyle/>
+            <a:p>
+              <a:r>
+                <a:rPr lang="en-US" sz="2800">
+                  <a:latin typeface="Arial Narrow" panose="020B0606020202030204" pitchFamily="34" charset="0"/>
+                </a:rPr>
+                <a:t>Data Science &amp; Application, R&amp;D Group</a:t>
+              </a:r>
+            </a:p>
+          </p:txBody>
+        </p:sp>
       </p:grpSp>
-      <p:sp>
-        <p:nvSpPr>
-          <p:cNvPr id="24" name="Rectangle 23">
-            <a:extLst>
-              <a:ext uri="{FF2B5EF4-FFF2-40B4-BE49-F238E27FC236}">
-                <a16:creationId xmlns:a16="http://schemas.microsoft.com/office/drawing/2014/main" id="{8FA9B19B-F9D3-408E-B9FA-434D16AA23A8}"/>
-              </a:ext>
-            </a:extLst>
-          </p:cNvPr>
-          <p:cNvSpPr/>
-          <p:nvPr/>
-        </p:nvSpPr>
-        <p:spPr>
-          <a:xfrm>
-            <a:off x="588808" y="1704142"/>
-            <a:ext cx="5408725" cy="523220"/>
-          </a:xfrm>
-          <a:prstGeom prst="rect">
-            <a:avLst/>
-          </a:prstGeom>
-          <a:noFill/>
-        </p:spPr>
-        <p:txBody>
-          <a:bodyPr wrap="none" lIns="91440" tIns="45720" rIns="91440" bIns="45720">
-            <a:spAutoFit/>
-          </a:bodyPr>
-          <a:lstStyle/>
-          <a:p>
-            <a:r>
-              <a:rPr lang="en-US" sz="2800">
-                <a:latin typeface="Arial Narrow" panose="020B0606020202030204" pitchFamily="34" charset="0"/>
-              </a:rPr>
-              <a:t>Data Science &amp; Application, R&amp;D Group</a:t>
-            </a:r>
-          </a:p>
-        </p:txBody>
-      </p:sp>
       <p:grpSp>
         <p:nvGrpSpPr>
           <p:cNvPr id="25" name="Group 24">

--- a/@docs/pics.pptx
+++ b/@docs/pics.pptx
@@ -3878,10 +3878,10 @@
       </p:sp>
       <p:grpSp>
         <p:nvGrpSpPr>
-          <p:cNvPr id="6" name="Group 5">
-            <a:extLst>
-              <a:ext uri="{FF2B5EF4-FFF2-40B4-BE49-F238E27FC236}">
-                <a16:creationId xmlns:a16="http://schemas.microsoft.com/office/drawing/2014/main" id="{937E1A11-C039-4924-ACDD-A372F6ADE571}"/>
+          <p:cNvPr id="8" name="Group 7">
+            <a:extLst>
+              <a:ext uri="{FF2B5EF4-FFF2-40B4-BE49-F238E27FC236}">
+                <a16:creationId xmlns:a16="http://schemas.microsoft.com/office/drawing/2014/main" id="{FD32DCC7-B2ED-4A7F-8F8F-BAD03FC4F21C}"/>
               </a:ext>
             </a:extLst>
           </p:cNvPr>
@@ -3890,18 +3890,156 @@
         </p:nvGrpSpPr>
         <p:grpSpPr>
           <a:xfrm>
-            <a:off x="549970" y="475712"/>
-            <a:ext cx="5486403" cy="2212976"/>
-            <a:chOff x="549970" y="475712"/>
-            <a:chExt cx="5486403" cy="2212976"/>
+            <a:off x="549971" y="475712"/>
+            <a:ext cx="5486402" cy="2233674"/>
+            <a:chOff x="549971" y="475712"/>
+            <a:chExt cx="5486402" cy="2233674"/>
           </a:xfrm>
         </p:grpSpPr>
+        <p:sp>
+          <p:nvSpPr>
+            <p:cNvPr id="4" name="Rectangle 3">
+              <a:extLst>
+                <a:ext uri="{FF2B5EF4-FFF2-40B4-BE49-F238E27FC236}">
+                  <a16:creationId xmlns:a16="http://schemas.microsoft.com/office/drawing/2014/main" id="{BBC76AC3-95F9-4A70-AADE-D68C7D7BD1C7}"/>
+                </a:ext>
+              </a:extLst>
+            </p:cNvPr>
+            <p:cNvSpPr/>
+            <p:nvPr/>
+          </p:nvSpPr>
+          <p:spPr>
+            <a:xfrm>
+              <a:off x="549971" y="2186166"/>
+              <a:ext cx="5486400" cy="523220"/>
+            </a:xfrm>
+            <a:prstGeom prst="rect">
+              <a:avLst/>
+            </a:prstGeom>
+            <a:solidFill>
+              <a:schemeClr val="bg1">
+                <a:lumMod val="95000"/>
+              </a:schemeClr>
+            </a:solidFill>
+            <a:ln>
+              <a:noFill/>
+            </a:ln>
+          </p:spPr>
+          <p:style>
+            <a:lnRef idx="2">
+              <a:schemeClr val="accent1">
+                <a:shade val="50000"/>
+              </a:schemeClr>
+            </a:lnRef>
+            <a:fillRef idx="1">
+              <a:schemeClr val="accent1"/>
+            </a:fillRef>
+            <a:effectRef idx="0">
+              <a:schemeClr val="accent1"/>
+            </a:effectRef>
+            <a:fontRef idx="minor">
+              <a:schemeClr val="lt1"/>
+            </a:fontRef>
+          </p:style>
+          <p:txBody>
+            <a:bodyPr rtlCol="0" anchor="ctr"/>
+            <a:lstStyle/>
+            <a:p>
+              <a:pPr algn="ctr"/>
+              <a:endParaRPr lang="en-US"/>
+            </a:p>
+          </p:txBody>
+        </p:sp>
+        <p:pic>
+          <p:nvPicPr>
+            <p:cNvPr id="3" name="Picture 2">
+              <a:extLst>
+                <a:ext uri="{FF2B5EF4-FFF2-40B4-BE49-F238E27FC236}">
+                  <a16:creationId xmlns:a16="http://schemas.microsoft.com/office/drawing/2014/main" id="{1FD7A4A4-D107-4289-8368-4B48E566AA5C}"/>
+                </a:ext>
+              </a:extLst>
+            </p:cNvPr>
+            <p:cNvPicPr>
+              <a:picLocks/>
+            </p:cNvPicPr>
+            <p:nvPr/>
+          </p:nvPicPr>
+          <p:blipFill rotWithShape="1">
+            <a:blip r:embed="rId2">
+              <a:extLst>
+                <a:ext uri="{28A0092B-C50C-407E-A947-70E740481C1C}">
+                  <a14:useLocalDpi xmlns:a14="http://schemas.microsoft.com/office/drawing/2010/main" val="0"/>
+                </a:ext>
+              </a:extLst>
+            </a:blip>
+            <a:srcRect b="4598"/>
+            <a:stretch/>
+          </p:blipFill>
+          <p:spPr>
+            <a:xfrm>
+              <a:off x="549973" y="475712"/>
+              <a:ext cx="5486400" cy="1744706"/>
+            </a:xfrm>
+            <a:prstGeom prst="rect">
+              <a:avLst/>
+            </a:prstGeom>
+          </p:spPr>
+        </p:pic>
+        <p:sp>
+          <p:nvSpPr>
+            <p:cNvPr id="5" name="Rectangle 4">
+              <a:extLst>
+                <a:ext uri="{FF2B5EF4-FFF2-40B4-BE49-F238E27FC236}">
+                  <a16:creationId xmlns:a16="http://schemas.microsoft.com/office/drawing/2014/main" id="{B142240D-F517-4ACB-93ED-B55517122BCE}"/>
+                </a:ext>
+              </a:extLst>
+            </p:cNvPr>
+            <p:cNvSpPr/>
+            <p:nvPr/>
+          </p:nvSpPr>
+          <p:spPr>
+            <a:xfrm>
+              <a:off x="2141061" y="928447"/>
+              <a:ext cx="2304221" cy="923330"/>
+            </a:xfrm>
+            <a:prstGeom prst="rect">
+              <a:avLst/>
+            </a:prstGeom>
+            <a:noFill/>
+          </p:spPr>
+          <p:txBody>
+            <a:bodyPr wrap="none" lIns="91440" tIns="45720" rIns="91440" bIns="45720">
+              <a:spAutoFit/>
+            </a:bodyPr>
+            <a:lstStyle/>
+            <a:p>
+              <a:pPr algn="ctr"/>
+              <a:r>
+                <a:rPr lang="en-US" sz="5400" b="0" cap="none" spc="0">
+                  <a:ln w="0"/>
+                  <a:solidFill>
+                    <a:srgbClr val="002060"/>
+                  </a:solidFill>
+                  <a:effectLst>
+                    <a:outerShdw blurRad="38100" dist="19050" dir="2700000" algn="tl" rotWithShape="0">
+                      <a:schemeClr val="dk1">
+                        <a:alpha val="40000"/>
+                      </a:schemeClr>
+                    </a:outerShdw>
+                  </a:effectLst>
+                  <a:latin typeface="Brush Script MT" panose="03060802040406070304" pitchFamily="66" charset="0"/>
+                </a:rPr>
+                <a:t>Trí Nhân</a:t>
+              </a:r>
+            </a:p>
+          </p:txBody>
+        </p:sp>
         <p:grpSp>
           <p:nvGrpSpPr>
-            <p:cNvPr id="7" name="Group 6">
+            <p:cNvPr id="16" name="Group 15">
               <a:extLst>
                 <a:ext uri="{FF2B5EF4-FFF2-40B4-BE49-F238E27FC236}">
-                  <a16:creationId xmlns:a16="http://schemas.microsoft.com/office/drawing/2014/main" id="{3398EC40-0AAE-4F02-9A6D-13F007D0C764}"/>
+                  <a16:creationId xmlns:a16="http://schemas.microsoft.com/office/drawing/2014/main" id="{753CA35A-A18C-4C81-86E5-034271F4F75C}"/>
                 </a:ext>
               </a:extLst>
             </p:cNvPr>
@@ -3910,18 +4048,18 @@
           </p:nvGrpSpPr>
           <p:grpSpPr>
             <a:xfrm>
-              <a:off x="549970" y="475712"/>
-              <a:ext cx="5486403" cy="2212976"/>
-              <a:chOff x="549970" y="475712"/>
-              <a:chExt cx="5486403" cy="2212976"/>
+              <a:off x="1341387" y="2120075"/>
+              <a:ext cx="3903568" cy="461665"/>
+              <a:chOff x="4834371" y="6415285"/>
+              <a:chExt cx="3903568" cy="461665"/>
             </a:xfrm>
           </p:grpSpPr>
           <p:sp>
             <p:nvSpPr>
-              <p:cNvPr id="4" name="Rectangle 3">
+              <p:cNvPr id="17" name="Rectangle 16">
                 <a:extLst>
                   <a:ext uri="{FF2B5EF4-FFF2-40B4-BE49-F238E27FC236}">
-                    <a16:creationId xmlns:a16="http://schemas.microsoft.com/office/drawing/2014/main" id="{BBC76AC3-95F9-4A70-AADE-D68C7D7BD1C7}"/>
+                    <a16:creationId xmlns:a16="http://schemas.microsoft.com/office/drawing/2014/main" id="{E8CAFB98-BBB3-49CD-98DD-354C4F90A588}"/>
                   </a:ext>
                 </a:extLst>
               </p:cNvPr>
@@ -3930,97 +4068,8 @@
             </p:nvSpPr>
             <p:spPr>
               <a:xfrm>
-                <a:off x="549970" y="2165468"/>
-                <a:ext cx="5486400" cy="523220"/>
-              </a:xfrm>
-              <a:prstGeom prst="rect">
-                <a:avLst/>
-              </a:prstGeom>
-              <a:solidFill>
-                <a:schemeClr val="bg1">
-                  <a:lumMod val="95000"/>
-                </a:schemeClr>
-              </a:solidFill>
-              <a:ln>
-                <a:noFill/>
-              </a:ln>
-            </p:spPr>
-            <p:style>
-              <a:lnRef idx="2">
-                <a:schemeClr val="accent1">
-                  <a:shade val="50000"/>
-                </a:schemeClr>
-              </a:lnRef>
-              <a:fillRef idx="1">
-                <a:schemeClr val="accent1"/>
-              </a:fillRef>
-              <a:effectRef idx="0">
-                <a:schemeClr val="accent1"/>
-              </a:effectRef>
-              <a:fontRef idx="minor">
-                <a:schemeClr val="lt1"/>
-              </a:fontRef>
-            </p:style>
-            <p:txBody>
-              <a:bodyPr rtlCol="0" anchor="ctr"/>
-              <a:lstStyle/>
-              <a:p>
-                <a:pPr algn="ctr"/>
-                <a:endParaRPr lang="en-US"/>
-              </a:p>
-            </p:txBody>
-          </p:sp>
-          <p:pic>
-            <p:nvPicPr>
-              <p:cNvPr id="3" name="Picture 2">
-                <a:extLst>
-                  <a:ext uri="{FF2B5EF4-FFF2-40B4-BE49-F238E27FC236}">
-                    <a16:creationId xmlns:a16="http://schemas.microsoft.com/office/drawing/2014/main" id="{1FD7A4A4-D107-4289-8368-4B48E566AA5C}"/>
-                  </a:ext>
-                </a:extLst>
-              </p:cNvPr>
-              <p:cNvPicPr>
-                <a:picLocks/>
-              </p:cNvPicPr>
-              <p:nvPr/>
-            </p:nvPicPr>
-            <p:blipFill rotWithShape="1">
-              <a:blip r:embed="rId2">
-                <a:extLst>
-                  <a:ext uri="{28A0092B-C50C-407E-A947-70E740481C1C}">
-                    <a14:useLocalDpi xmlns:a14="http://schemas.microsoft.com/office/drawing/2010/main" val="0"/>
-                  </a:ext>
-                </a:extLst>
-              </a:blip>
-              <a:srcRect b="4598"/>
-              <a:stretch/>
-            </p:blipFill>
-            <p:spPr>
-              <a:xfrm>
-                <a:off x="549973" y="475712"/>
-                <a:ext cx="5486400" cy="1744706"/>
-              </a:xfrm>
-              <a:prstGeom prst="rect">
-                <a:avLst/>
-              </a:prstGeom>
-            </p:spPr>
-          </p:pic>
-          <p:sp>
-            <p:nvSpPr>
-              <p:cNvPr id="5" name="Rectangle 4">
-                <a:extLst>
-                  <a:ext uri="{FF2B5EF4-FFF2-40B4-BE49-F238E27FC236}">
-                    <a16:creationId xmlns:a16="http://schemas.microsoft.com/office/drawing/2014/main" id="{B142240D-F517-4ACB-93ED-B55517122BCE}"/>
-                  </a:ext>
-                </a:extLst>
-              </p:cNvPr>
-              <p:cNvSpPr/>
-              <p:nvPr/>
-            </p:nvSpPr>
-            <p:spPr>
-              <a:xfrm>
-                <a:off x="2141061" y="928447"/>
-                <a:ext cx="2304221" cy="923330"/>
+                <a:off x="5907705" y="6415285"/>
+                <a:ext cx="1773242" cy="461665"/>
               </a:xfrm>
               <a:prstGeom prst="rect">
                 <a:avLst/>
@@ -4035,177 +4084,107 @@
               <a:p>
                 <a:pPr algn="ctr"/>
                 <a:r>
-                  <a:rPr lang="en-US" sz="5400" b="0" cap="none" spc="0">
+                  <a:rPr lang="en-US" sz="2400" b="0" cap="none" spc="0">
                     <a:ln w="0"/>
                     <a:solidFill>
-                      <a:srgbClr val="002060"/>
+                      <a:srgbClr val="FF0000"/>
                     </a:solidFill>
                     <a:effectLst>
-                      <a:outerShdw blurRad="38100" dist="19050" dir="2700000" algn="tl" rotWithShape="0">
-                        <a:schemeClr val="dk1">
-                          <a:alpha val="40000"/>
-                        </a:schemeClr>
+                      <a:outerShdw blurRad="38100" dist="25400" dir="5400000" algn="ctr" rotWithShape="0">
+                        <a:srgbClr val="6E747A">
+                          <a:alpha val="43000"/>
+                        </a:srgbClr>
                       </a:outerShdw>
                     </a:effectLst>
-                    <a:latin typeface="Brush Script MT" panose="03060802040406070304" pitchFamily="66" charset="0"/>
+                    <a:latin typeface="Arial Narrow" panose="020B0606020202030204" pitchFamily="34" charset="0"/>
                   </a:rPr>
-                  <a:t>Trí Nhân</a:t>
+                  <a:t>Learn Forever</a:t>
                 </a:r>
               </a:p>
             </p:txBody>
           </p:sp>
-          <p:grpSp>
-            <p:nvGrpSpPr>
-              <p:cNvPr id="16" name="Group 15">
+          <p:cxnSp>
+            <p:nvCxnSpPr>
+              <p:cNvPr id="18" name="Straight Connector 17">
                 <a:extLst>
                   <a:ext uri="{FF2B5EF4-FFF2-40B4-BE49-F238E27FC236}">
-                    <a16:creationId xmlns:a16="http://schemas.microsoft.com/office/drawing/2014/main" id="{753CA35A-A18C-4C81-86E5-034271F4F75C}"/>
+                    <a16:creationId xmlns:a16="http://schemas.microsoft.com/office/drawing/2014/main" id="{F0557FA4-F1B6-4D94-92F0-A6BCC19414A9}"/>
                   </a:ext>
                 </a:extLst>
               </p:cNvPr>
-              <p:cNvGrpSpPr/>
+              <p:cNvCxnSpPr/>
               <p:nvPr/>
-            </p:nvGrpSpPr>
-            <p:grpSpPr>
+            </p:nvCxnSpPr>
+            <p:spPr>
               <a:xfrm>
-                <a:off x="1208346" y="2098940"/>
-                <a:ext cx="4169648" cy="523220"/>
-                <a:chOff x="4651419" y="5937356"/>
-                <a:chExt cx="4169648" cy="523220"/>
+                <a:off x="4834371" y="6661995"/>
+                <a:ext cx="1140120" cy="0"/>
               </a:xfrm>
-            </p:grpSpPr>
-            <p:sp>
-              <p:nvSpPr>
-                <p:cNvPr id="17" name="Rectangle 16">
-                  <a:extLst>
-                    <a:ext uri="{FF2B5EF4-FFF2-40B4-BE49-F238E27FC236}">
-                      <a16:creationId xmlns:a16="http://schemas.microsoft.com/office/drawing/2014/main" id="{E8CAFB98-BBB3-49CD-98DD-354C4F90A588}"/>
-                    </a:ext>
-                  </a:extLst>
-                </p:cNvPr>
-                <p:cNvSpPr/>
-                <p:nvPr/>
-              </p:nvSpPr>
-              <p:spPr>
-                <a:xfrm>
-                  <a:off x="5745359" y="5937356"/>
-                  <a:ext cx="2031325" cy="523220"/>
-                </a:xfrm>
-                <a:prstGeom prst="rect">
-                  <a:avLst/>
-                </a:prstGeom>
-                <a:noFill/>
-              </p:spPr>
-              <p:txBody>
-                <a:bodyPr wrap="none" lIns="91440" tIns="45720" rIns="91440" bIns="45720">
-                  <a:spAutoFit/>
-                </a:bodyPr>
-                <a:lstStyle/>
-                <a:p>
-                  <a:pPr algn="ctr"/>
-                  <a:r>
-                    <a:rPr lang="en-US" sz="2800" b="0" cap="none" spc="0">
-                      <a:ln w="0"/>
-                      <a:solidFill>
-                        <a:srgbClr val="FF0000"/>
-                      </a:solidFill>
-                      <a:effectLst>
-                        <a:outerShdw blurRad="38100" dist="25400" dir="5400000" algn="ctr" rotWithShape="0">
-                          <a:srgbClr val="6E747A">
-                            <a:alpha val="43000"/>
-                          </a:srgbClr>
-                        </a:outerShdw>
-                      </a:effectLst>
-                      <a:latin typeface="Arial Narrow" panose="020B0606020202030204" pitchFamily="34" charset="0"/>
-                    </a:rPr>
-                    <a:t>Learn Forever</a:t>
-                  </a:r>
-                </a:p>
-              </p:txBody>
-            </p:sp>
-            <p:cxnSp>
-              <p:nvCxnSpPr>
-                <p:cNvPr id="18" name="Straight Connector 17">
-                  <a:extLst>
-                    <a:ext uri="{FF2B5EF4-FFF2-40B4-BE49-F238E27FC236}">
-                      <a16:creationId xmlns:a16="http://schemas.microsoft.com/office/drawing/2014/main" id="{F0557FA4-F1B6-4D94-92F0-A6BCC19414A9}"/>
-                    </a:ext>
-                  </a:extLst>
-                </p:cNvPr>
-                <p:cNvCxnSpPr/>
-                <p:nvPr/>
-              </p:nvCxnSpPr>
-              <p:spPr>
-                <a:xfrm>
-                  <a:off x="4651419" y="6246512"/>
-                  <a:ext cx="1140120" cy="0"/>
-                </a:xfrm>
-                <a:prstGeom prst="line">
-                  <a:avLst/>
-                </a:prstGeom>
-                <a:ln w="28575">
-                  <a:solidFill>
-                    <a:srgbClr val="FF0000"/>
-                  </a:solidFill>
-                </a:ln>
-              </p:spPr>
-              <p:style>
-                <a:lnRef idx="1">
-                  <a:schemeClr val="accent1"/>
-                </a:lnRef>
-                <a:fillRef idx="0">
-                  <a:schemeClr val="accent1"/>
-                </a:fillRef>
-                <a:effectRef idx="0">
-                  <a:schemeClr val="accent1"/>
-                </a:effectRef>
-                <a:fontRef idx="minor">
-                  <a:schemeClr val="tx1"/>
-                </a:fontRef>
-              </p:style>
-            </p:cxnSp>
-            <p:cxnSp>
-              <p:nvCxnSpPr>
-                <p:cNvPr id="19" name="Straight Connector 18">
-                  <a:extLst>
-                    <a:ext uri="{FF2B5EF4-FFF2-40B4-BE49-F238E27FC236}">
-                      <a16:creationId xmlns:a16="http://schemas.microsoft.com/office/drawing/2014/main" id="{C8BC1D18-B44C-4FAB-9046-04EDE5246C25}"/>
-                    </a:ext>
-                  </a:extLst>
-                </p:cNvPr>
-                <p:cNvCxnSpPr/>
-                <p:nvPr/>
-              </p:nvCxnSpPr>
-              <p:spPr>
-                <a:xfrm>
-                  <a:off x="7680947" y="6246512"/>
-                  <a:ext cx="1140120" cy="0"/>
-                </a:xfrm>
-                <a:prstGeom prst="line">
-                  <a:avLst/>
-                </a:prstGeom>
-                <a:ln w="28575">
-                  <a:solidFill>
-                    <a:srgbClr val="FF0000"/>
-                  </a:solidFill>
-                </a:ln>
-              </p:spPr>
-              <p:style>
-                <a:lnRef idx="1">
-                  <a:schemeClr val="accent1"/>
-                </a:lnRef>
-                <a:fillRef idx="0">
-                  <a:schemeClr val="accent1"/>
-                </a:fillRef>
-                <a:effectRef idx="0">
-                  <a:schemeClr val="accent1"/>
-                </a:effectRef>
-                <a:fontRef idx="minor">
-                  <a:schemeClr val="tx1"/>
-                </a:fontRef>
-              </p:style>
-            </p:cxnSp>
-          </p:grpSp>
+              <a:prstGeom prst="line">
+                <a:avLst/>
+              </a:prstGeom>
+              <a:ln w="28575">
+                <a:solidFill>
+                  <a:srgbClr val="FF0000"/>
+                </a:solidFill>
+              </a:ln>
+            </p:spPr>
+            <p:style>
+              <a:lnRef idx="1">
+                <a:schemeClr val="accent1"/>
+              </a:lnRef>
+              <a:fillRef idx="0">
+                <a:schemeClr val="accent1"/>
+              </a:fillRef>
+              <a:effectRef idx="0">
+                <a:schemeClr val="accent1"/>
+              </a:effectRef>
+              <a:fontRef idx="minor">
+                <a:schemeClr val="tx1"/>
+              </a:fontRef>
+            </p:style>
+          </p:cxnSp>
+          <p:cxnSp>
+            <p:nvCxnSpPr>
+              <p:cNvPr id="19" name="Straight Connector 18">
+                <a:extLst>
+                  <a:ext uri="{FF2B5EF4-FFF2-40B4-BE49-F238E27FC236}">
+                    <a16:creationId xmlns:a16="http://schemas.microsoft.com/office/drawing/2014/main" id="{C8BC1D18-B44C-4FAB-9046-04EDE5246C25}"/>
+                  </a:ext>
+                </a:extLst>
+              </p:cNvPr>
+              <p:cNvCxnSpPr/>
+              <p:nvPr/>
+            </p:nvCxnSpPr>
+            <p:spPr>
+              <a:xfrm>
+                <a:off x="7597819" y="6661995"/>
+                <a:ext cx="1140120" cy="0"/>
+              </a:xfrm>
+              <a:prstGeom prst="line">
+                <a:avLst/>
+              </a:prstGeom>
+              <a:ln w="28575">
+                <a:solidFill>
+                  <a:srgbClr val="FF0000"/>
+                </a:solidFill>
+              </a:ln>
+            </p:spPr>
+            <p:style>
+              <a:lnRef idx="1">
+                <a:schemeClr val="accent1"/>
+              </a:lnRef>
+              <a:fillRef idx="0">
+                <a:schemeClr val="accent1"/>
+              </a:fillRef>
+              <a:effectRef idx="0">
+                <a:schemeClr val="accent1"/>
+              </a:effectRef>
+              <a:fontRef idx="minor">
+                <a:schemeClr val="tx1"/>
+              </a:fontRef>
+            </p:style>
+          </p:cxnSp>
         </p:grpSp>
         <p:sp>
           <p:nvSpPr>
@@ -4221,8 +4200,8 @@
           </p:nvSpPr>
           <p:spPr>
             <a:xfrm>
-              <a:off x="588808" y="1704142"/>
-              <a:ext cx="5408725" cy="523220"/>
+              <a:off x="980321" y="1752658"/>
+              <a:ext cx="4675254" cy="461665"/>
             </a:xfrm>
             <a:prstGeom prst="rect">
               <a:avLst/>
@@ -4236,7 +4215,14 @@
             <a:lstStyle/>
             <a:p>
               <a:r>
-                <a:rPr lang="en-US" sz="2800">
+                <a:rPr lang="en-US" sz="2400">
+                  <a:effectLst>
+                    <a:outerShdw blurRad="38100" dist="38100" dir="2700000" algn="tl">
+                      <a:srgbClr val="000000">
+                        <a:alpha val="43137"/>
+                      </a:srgbClr>
+                    </a:outerShdw>
+                  </a:effectLst>
                   <a:latin typeface="Arial Narrow" panose="020B0606020202030204" pitchFamily="34" charset="0"/>
                 </a:rPr>
                 <a:t>Data Science &amp; Application, R&amp;D Group</a:t>
@@ -4537,6 +4523,13 @@
           <a:p>
             <a:r>
               <a:rPr lang="en-US" sz="2800">
+                <a:effectLst>
+                  <a:outerShdw blurRad="38100" dist="38100" dir="2700000" algn="tl">
+                    <a:srgbClr val="000000">
+                      <a:alpha val="43137"/>
+                    </a:srgbClr>
+                  </a:outerShdw>
+                </a:effectLst>
                 <a:latin typeface="Arial Narrow" panose="020B0606020202030204" pitchFamily="34" charset="0"/>
               </a:rPr>
               <a:t>Data Science &amp; Application, R&amp;D Group</a:t>

--- a/@docs/pics.pptx
+++ b/@docs/pics.pptx
@@ -3637,6 +3637,9 @@
             <a:p>
               <a:r>
                 <a:rPr lang="en-US" sz="2800">
+                  <a:solidFill>
+                    <a:srgbClr val="002060"/>
+                  </a:solidFill>
                   <a:latin typeface="Arial Narrow" panose="020B0606020202030204" pitchFamily="34" charset="0"/>
                 </a:rPr>
                 <a:t>Data Science &amp; Application, R&amp;D Group</a:t>
@@ -4216,6 +4219,9 @@
             <a:p>
               <a:r>
                 <a:rPr lang="en-US" sz="2400">
+                  <a:solidFill>
+                    <a:srgbClr val="002060"/>
+                  </a:solidFill>
                   <a:effectLst>
                     <a:outerShdw blurRad="38100" dist="38100" dir="2700000" algn="tl">
                       <a:srgbClr val="000000">
@@ -4523,6 +4529,9 @@
           <a:p>
             <a:r>
               <a:rPr lang="en-US" sz="2800">
+                <a:solidFill>
+                  <a:srgbClr val="002060"/>
+                </a:solidFill>
                 <a:effectLst>
                   <a:outerShdw blurRad="38100" dist="38100" dir="2700000" algn="tl">
                     <a:srgbClr val="000000">

--- a/@docs/pics.pptx
+++ b/@docs/pics.pptx
@@ -3504,10 +3504,10 @@
       </p:pic>
       <p:grpSp>
         <p:nvGrpSpPr>
-          <p:cNvPr id="6" name="Group 5">
-            <a:extLst>
-              <a:ext uri="{FF2B5EF4-FFF2-40B4-BE49-F238E27FC236}">
-                <a16:creationId xmlns:a16="http://schemas.microsoft.com/office/drawing/2014/main" id="{AB2EAF5A-9371-4FC1-A96A-90AE5E5BD8C4}"/>
+          <p:cNvPr id="9" name="Group 8">
+            <a:extLst>
+              <a:ext uri="{FF2B5EF4-FFF2-40B4-BE49-F238E27FC236}">
+                <a16:creationId xmlns:a16="http://schemas.microsoft.com/office/drawing/2014/main" id="{E7DF0ACF-434C-45B0-8E0F-3D4AB4CA2717}"/>
               </a:ext>
             </a:extLst>
           </p:cNvPr>
@@ -3621,7 +3621,7 @@
           </p:nvSpPr>
           <p:spPr>
             <a:xfrm>
-              <a:off x="5203578" y="3225756"/>
+              <a:off x="5203578" y="3253464"/>
               <a:ext cx="5408725" cy="523220"/>
             </a:xfrm>
             <a:prstGeom prst="rect">
@@ -3661,10 +3661,10 @@
           </p:nvGrpSpPr>
           <p:grpSpPr>
             <a:xfrm>
-              <a:off x="5850019" y="3609290"/>
-              <a:ext cx="4169648" cy="523220"/>
-              <a:chOff x="4651419" y="5937356"/>
-              <a:chExt cx="4169648" cy="523220"/>
+              <a:off x="5970087" y="3710886"/>
+              <a:ext cx="3938744" cy="461665"/>
+              <a:chOff x="4771487" y="5937356"/>
+              <a:chExt cx="3938744" cy="461665"/>
             </a:xfrm>
           </p:grpSpPr>
           <p:sp>
@@ -3681,8 +3681,8 @@
             </p:nvSpPr>
             <p:spPr>
               <a:xfrm>
-                <a:off x="5745359" y="5937356"/>
-                <a:ext cx="2031325" cy="523220"/>
+                <a:off x="5874400" y="5937356"/>
+                <a:ext cx="1773242" cy="461665"/>
               </a:xfrm>
               <a:prstGeom prst="rect">
                 <a:avLst/>
@@ -3697,7 +3697,7 @@
               <a:p>
                 <a:pPr algn="ctr"/>
                 <a:r>
-                  <a:rPr lang="en-US" sz="2800" b="0" cap="none" spc="0">
+                  <a:rPr lang="en-US" sz="2400" b="0" cap="none" spc="0">
                     <a:ln w="0"/>
                     <a:solidFill>
                       <a:srgbClr val="FF0000"/>
@@ -3730,7 +3730,7 @@
             </p:nvCxnSpPr>
             <p:spPr>
               <a:xfrm>
-                <a:off x="4651419" y="6246512"/>
+                <a:off x="4771487" y="6218804"/>
                 <a:ext cx="1140120" cy="0"/>
               </a:xfrm>
               <a:prstGeom prst="line">
@@ -3771,7 +3771,7 @@
             </p:nvCxnSpPr>
             <p:spPr>
               <a:xfrm>
-                <a:off x="7680947" y="6246512"/>
+                <a:off x="7570111" y="6218804"/>
                 <a:ext cx="1140120" cy="0"/>
               </a:xfrm>
               <a:prstGeom prst="line">
@@ -3881,10 +3881,10 @@
       </p:sp>
       <p:grpSp>
         <p:nvGrpSpPr>
-          <p:cNvPr id="8" name="Group 7">
-            <a:extLst>
-              <a:ext uri="{FF2B5EF4-FFF2-40B4-BE49-F238E27FC236}">
-                <a16:creationId xmlns:a16="http://schemas.microsoft.com/office/drawing/2014/main" id="{FD32DCC7-B2ED-4A7F-8F8F-BAD03FC4F21C}"/>
+          <p:cNvPr id="9" name="Group 8">
+            <a:extLst>
+              <a:ext uri="{FF2B5EF4-FFF2-40B4-BE49-F238E27FC236}">
+                <a16:creationId xmlns:a16="http://schemas.microsoft.com/office/drawing/2014/main" id="{1419E533-BADE-468E-B7D9-7CEB164BE990}"/>
               </a:ext>
             </a:extLst>
           </p:cNvPr>
@@ -3894,9 +3894,9 @@
         <p:grpSpPr>
           <a:xfrm>
             <a:off x="549971" y="475712"/>
-            <a:ext cx="5486402" cy="2233674"/>
+            <a:ext cx="5486402" cy="2028855"/>
             <a:chOff x="549971" y="475712"/>
-            <a:chExt cx="5486402" cy="2233674"/>
+            <a:chExt cx="5486402" cy="2028855"/>
           </a:xfrm>
         </p:grpSpPr>
         <p:sp>
@@ -3914,7 +3914,7 @@
           <p:spPr>
             <a:xfrm>
               <a:off x="549971" y="2186166"/>
-              <a:ext cx="5486400" cy="523220"/>
+              <a:ext cx="5486400" cy="318401"/>
             </a:xfrm>
             <a:prstGeom prst="rect">
               <a:avLst/>
@@ -4037,158 +4037,6 @@
             </a:p>
           </p:txBody>
         </p:sp>
-        <p:grpSp>
-          <p:nvGrpSpPr>
-            <p:cNvPr id="16" name="Group 15">
-              <a:extLst>
-                <a:ext uri="{FF2B5EF4-FFF2-40B4-BE49-F238E27FC236}">
-                  <a16:creationId xmlns:a16="http://schemas.microsoft.com/office/drawing/2014/main" id="{753CA35A-A18C-4C81-86E5-034271F4F75C}"/>
-                </a:ext>
-              </a:extLst>
-            </p:cNvPr>
-            <p:cNvGrpSpPr/>
-            <p:nvPr/>
-          </p:nvGrpSpPr>
-          <p:grpSpPr>
-            <a:xfrm>
-              <a:off x="1341387" y="2120075"/>
-              <a:ext cx="3903568" cy="461665"/>
-              <a:chOff x="4834371" y="6415285"/>
-              <a:chExt cx="3903568" cy="461665"/>
-            </a:xfrm>
-          </p:grpSpPr>
-          <p:sp>
-            <p:nvSpPr>
-              <p:cNvPr id="17" name="Rectangle 16">
-                <a:extLst>
-                  <a:ext uri="{FF2B5EF4-FFF2-40B4-BE49-F238E27FC236}">
-                    <a16:creationId xmlns:a16="http://schemas.microsoft.com/office/drawing/2014/main" id="{E8CAFB98-BBB3-49CD-98DD-354C4F90A588}"/>
-                  </a:ext>
-                </a:extLst>
-              </p:cNvPr>
-              <p:cNvSpPr/>
-              <p:nvPr/>
-            </p:nvSpPr>
-            <p:spPr>
-              <a:xfrm>
-                <a:off x="5907705" y="6415285"/>
-                <a:ext cx="1773242" cy="461665"/>
-              </a:xfrm>
-              <a:prstGeom prst="rect">
-                <a:avLst/>
-              </a:prstGeom>
-              <a:noFill/>
-            </p:spPr>
-            <p:txBody>
-              <a:bodyPr wrap="none" lIns="91440" tIns="45720" rIns="91440" bIns="45720">
-                <a:spAutoFit/>
-              </a:bodyPr>
-              <a:lstStyle/>
-              <a:p>
-                <a:pPr algn="ctr"/>
-                <a:r>
-                  <a:rPr lang="en-US" sz="2400" b="0" cap="none" spc="0">
-                    <a:ln w="0"/>
-                    <a:solidFill>
-                      <a:srgbClr val="FF0000"/>
-                    </a:solidFill>
-                    <a:effectLst>
-                      <a:outerShdw blurRad="38100" dist="25400" dir="5400000" algn="ctr" rotWithShape="0">
-                        <a:srgbClr val="6E747A">
-                          <a:alpha val="43000"/>
-                        </a:srgbClr>
-                      </a:outerShdw>
-                    </a:effectLst>
-                    <a:latin typeface="Arial Narrow" panose="020B0606020202030204" pitchFamily="34" charset="0"/>
-                  </a:rPr>
-                  <a:t>Learn Forever</a:t>
-                </a:r>
-              </a:p>
-            </p:txBody>
-          </p:sp>
-          <p:cxnSp>
-            <p:nvCxnSpPr>
-              <p:cNvPr id="18" name="Straight Connector 17">
-                <a:extLst>
-                  <a:ext uri="{FF2B5EF4-FFF2-40B4-BE49-F238E27FC236}">
-                    <a16:creationId xmlns:a16="http://schemas.microsoft.com/office/drawing/2014/main" id="{F0557FA4-F1B6-4D94-92F0-A6BCC19414A9}"/>
-                  </a:ext>
-                </a:extLst>
-              </p:cNvPr>
-              <p:cNvCxnSpPr/>
-              <p:nvPr/>
-            </p:nvCxnSpPr>
-            <p:spPr>
-              <a:xfrm>
-                <a:off x="4834371" y="6661995"/>
-                <a:ext cx="1140120" cy="0"/>
-              </a:xfrm>
-              <a:prstGeom prst="line">
-                <a:avLst/>
-              </a:prstGeom>
-              <a:ln w="28575">
-                <a:solidFill>
-                  <a:srgbClr val="FF0000"/>
-                </a:solidFill>
-              </a:ln>
-            </p:spPr>
-            <p:style>
-              <a:lnRef idx="1">
-                <a:schemeClr val="accent1"/>
-              </a:lnRef>
-              <a:fillRef idx="0">
-                <a:schemeClr val="accent1"/>
-              </a:fillRef>
-              <a:effectRef idx="0">
-                <a:schemeClr val="accent1"/>
-              </a:effectRef>
-              <a:fontRef idx="minor">
-                <a:schemeClr val="tx1"/>
-              </a:fontRef>
-            </p:style>
-          </p:cxnSp>
-          <p:cxnSp>
-            <p:nvCxnSpPr>
-              <p:cNvPr id="19" name="Straight Connector 18">
-                <a:extLst>
-                  <a:ext uri="{FF2B5EF4-FFF2-40B4-BE49-F238E27FC236}">
-                    <a16:creationId xmlns:a16="http://schemas.microsoft.com/office/drawing/2014/main" id="{C8BC1D18-B44C-4FAB-9046-04EDE5246C25}"/>
-                  </a:ext>
-                </a:extLst>
-              </p:cNvPr>
-              <p:cNvCxnSpPr/>
-              <p:nvPr/>
-            </p:nvCxnSpPr>
-            <p:spPr>
-              <a:xfrm>
-                <a:off x="7597819" y="6661995"/>
-                <a:ext cx="1140120" cy="0"/>
-              </a:xfrm>
-              <a:prstGeom prst="line">
-                <a:avLst/>
-              </a:prstGeom>
-              <a:ln w="28575">
-                <a:solidFill>
-                  <a:srgbClr val="FF0000"/>
-                </a:solidFill>
-              </a:ln>
-            </p:spPr>
-            <p:style>
-              <a:lnRef idx="1">
-                <a:schemeClr val="accent1"/>
-              </a:lnRef>
-              <a:fillRef idx="0">
-                <a:schemeClr val="accent1"/>
-              </a:fillRef>
-              <a:effectRef idx="0">
-                <a:schemeClr val="accent1"/>
-              </a:effectRef>
-              <a:fontRef idx="minor">
-                <a:schemeClr val="tx1"/>
-              </a:fontRef>
-            </p:style>
-          </p:cxnSp>
-        </p:grpSp>
         <p:sp>
           <p:nvSpPr>
             <p:cNvPr id="24" name="Rectangle 23">
@@ -4404,7 +4252,7 @@
         <p:grpSpPr>
           <a:xfrm>
             <a:off x="6593928" y="475712"/>
-            <a:ext cx="5486402" cy="2233675"/>
+            <a:ext cx="5486402" cy="2028855"/>
             <a:chOff x="6593928" y="475712"/>
             <a:chExt cx="5486402" cy="2233675"/>
           </a:xfrm>
@@ -4546,6 +4394,158 @@
           </a:p>
         </p:txBody>
       </p:sp>
+      <p:grpSp>
+        <p:nvGrpSpPr>
+          <p:cNvPr id="6" name="Group 5">
+            <a:extLst>
+              <a:ext uri="{FF2B5EF4-FFF2-40B4-BE49-F238E27FC236}">
+                <a16:creationId xmlns:a16="http://schemas.microsoft.com/office/drawing/2014/main" id="{44AF6506-C3C2-49F0-9156-08199D395E91}"/>
+              </a:ext>
+            </a:extLst>
+          </p:cNvPr>
+          <p:cNvGrpSpPr/>
+          <p:nvPr/>
+        </p:nvGrpSpPr>
+        <p:grpSpPr>
+          <a:xfrm>
+            <a:off x="1447601" y="2104457"/>
+            <a:ext cx="3691140" cy="400110"/>
+            <a:chOff x="1442983" y="3260436"/>
+            <a:chExt cx="3691140" cy="400110"/>
+          </a:xfrm>
+        </p:grpSpPr>
+        <p:sp>
+          <p:nvSpPr>
+            <p:cNvPr id="17" name="Rectangle 16">
+              <a:extLst>
+                <a:ext uri="{FF2B5EF4-FFF2-40B4-BE49-F238E27FC236}">
+                  <a16:creationId xmlns:a16="http://schemas.microsoft.com/office/drawing/2014/main" id="{E8CAFB98-BBB3-49CD-98DD-354C4F90A588}"/>
+                </a:ext>
+              </a:extLst>
+            </p:cNvPr>
+            <p:cNvSpPr/>
+            <p:nvPr/>
+          </p:nvSpPr>
+          <p:spPr>
+            <a:xfrm>
+              <a:off x="2547770" y="3260436"/>
+              <a:ext cx="1507144" cy="400110"/>
+            </a:xfrm>
+            <a:prstGeom prst="rect">
+              <a:avLst/>
+            </a:prstGeom>
+            <a:noFill/>
+          </p:spPr>
+          <p:txBody>
+            <a:bodyPr wrap="none" lIns="91440" tIns="45720" rIns="91440" bIns="45720">
+              <a:spAutoFit/>
+            </a:bodyPr>
+            <a:lstStyle/>
+            <a:p>
+              <a:pPr algn="ctr"/>
+              <a:r>
+                <a:rPr lang="en-US" sz="2000" b="0" cap="none" spc="0">
+                  <a:ln w="0"/>
+                  <a:solidFill>
+                    <a:srgbClr val="FF0000"/>
+                  </a:solidFill>
+                  <a:effectLst>
+                    <a:outerShdw blurRad="38100" dist="25400" dir="5400000" algn="ctr" rotWithShape="0">
+                      <a:srgbClr val="6E747A">
+                        <a:alpha val="43000"/>
+                      </a:srgbClr>
+                    </a:outerShdw>
+                  </a:effectLst>
+                  <a:latin typeface="Arial Narrow" panose="020B0606020202030204" pitchFamily="34" charset="0"/>
+                </a:rPr>
+                <a:t>Learn Forever</a:t>
+              </a:r>
+            </a:p>
+          </p:txBody>
+        </p:sp>
+        <p:cxnSp>
+          <p:nvCxnSpPr>
+            <p:cNvPr id="18" name="Straight Connector 17">
+              <a:extLst>
+                <a:ext uri="{FF2B5EF4-FFF2-40B4-BE49-F238E27FC236}">
+                  <a16:creationId xmlns:a16="http://schemas.microsoft.com/office/drawing/2014/main" id="{F0557FA4-F1B6-4D94-92F0-A6BCC19414A9}"/>
+                </a:ext>
+              </a:extLst>
+            </p:cNvPr>
+            <p:cNvCxnSpPr/>
+            <p:nvPr/>
+          </p:nvCxnSpPr>
+          <p:spPr>
+            <a:xfrm>
+              <a:off x="1442983" y="3488674"/>
+              <a:ext cx="1140120" cy="0"/>
+            </a:xfrm>
+            <a:prstGeom prst="line">
+              <a:avLst/>
+            </a:prstGeom>
+            <a:ln w="28575">
+              <a:solidFill>
+                <a:srgbClr val="FF0000"/>
+              </a:solidFill>
+            </a:ln>
+          </p:spPr>
+          <p:style>
+            <a:lnRef idx="1">
+              <a:schemeClr val="accent1"/>
+            </a:lnRef>
+            <a:fillRef idx="0">
+              <a:schemeClr val="accent1"/>
+            </a:fillRef>
+            <a:effectRef idx="0">
+              <a:schemeClr val="accent1"/>
+            </a:effectRef>
+            <a:fontRef idx="minor">
+              <a:schemeClr val="tx1"/>
+            </a:fontRef>
+          </p:style>
+        </p:cxnSp>
+        <p:cxnSp>
+          <p:nvCxnSpPr>
+            <p:cNvPr id="19" name="Straight Connector 18">
+              <a:extLst>
+                <a:ext uri="{FF2B5EF4-FFF2-40B4-BE49-F238E27FC236}">
+                  <a16:creationId xmlns:a16="http://schemas.microsoft.com/office/drawing/2014/main" id="{C8BC1D18-B44C-4FAB-9046-04EDE5246C25}"/>
+                </a:ext>
+              </a:extLst>
+            </p:cNvPr>
+            <p:cNvCxnSpPr/>
+            <p:nvPr/>
+          </p:nvCxnSpPr>
+          <p:spPr>
+            <a:xfrm>
+              <a:off x="3994003" y="3488674"/>
+              <a:ext cx="1140120" cy="0"/>
+            </a:xfrm>
+            <a:prstGeom prst="line">
+              <a:avLst/>
+            </a:prstGeom>
+            <a:ln w="28575">
+              <a:solidFill>
+                <a:srgbClr val="FF0000"/>
+              </a:solidFill>
+            </a:ln>
+          </p:spPr>
+          <p:style>
+            <a:lnRef idx="1">
+              <a:schemeClr val="accent1"/>
+            </a:lnRef>
+            <a:fillRef idx="0">
+              <a:schemeClr val="accent1"/>
+            </a:fillRef>
+            <a:effectRef idx="0">
+              <a:schemeClr val="accent1"/>
+            </a:effectRef>
+            <a:fontRef idx="minor">
+              <a:schemeClr val="tx1"/>
+            </a:fontRef>
+          </p:style>
+        </p:cxnSp>
+      </p:grpSp>
     </p:spTree>
     <p:extLst>
       <p:ext uri="{BB962C8B-B14F-4D97-AF65-F5344CB8AC3E}">

--- a/@docs/pics.pptx
+++ b/@docs/pics.pptx
@@ -261,7 +261,7 @@
           <a:p>
             <a:fld id="{357F7BA5-6064-4ED0-8CB4-C9AE4E038121}" type="datetimeFigureOut">
               <a:rPr lang="en-US" smtClean="0"/>
-              <a:t>8/29/2020</a:t>
+              <a:t>8/30/2020</a:t>
             </a:fld>
             <a:endParaRPr lang="en-US"/>
           </a:p>
@@ -459,7 +459,7 @@
           <a:p>
             <a:fld id="{357F7BA5-6064-4ED0-8CB4-C9AE4E038121}" type="datetimeFigureOut">
               <a:rPr lang="en-US" smtClean="0"/>
-              <a:t>8/29/2020</a:t>
+              <a:t>8/30/2020</a:t>
             </a:fld>
             <a:endParaRPr lang="en-US"/>
           </a:p>
@@ -667,7 +667,7 @@
           <a:p>
             <a:fld id="{357F7BA5-6064-4ED0-8CB4-C9AE4E038121}" type="datetimeFigureOut">
               <a:rPr lang="en-US" smtClean="0"/>
-              <a:t>8/29/2020</a:t>
+              <a:t>8/30/2020</a:t>
             </a:fld>
             <a:endParaRPr lang="en-US"/>
           </a:p>
@@ -865,7 +865,7 @@
           <a:p>
             <a:fld id="{357F7BA5-6064-4ED0-8CB4-C9AE4E038121}" type="datetimeFigureOut">
               <a:rPr lang="en-US" smtClean="0"/>
-              <a:t>8/29/2020</a:t>
+              <a:t>8/30/2020</a:t>
             </a:fld>
             <a:endParaRPr lang="en-US"/>
           </a:p>
@@ -1140,7 +1140,7 @@
           <a:p>
             <a:fld id="{357F7BA5-6064-4ED0-8CB4-C9AE4E038121}" type="datetimeFigureOut">
               <a:rPr lang="en-US" smtClean="0"/>
-              <a:t>8/29/2020</a:t>
+              <a:t>8/30/2020</a:t>
             </a:fld>
             <a:endParaRPr lang="en-US"/>
           </a:p>
@@ -1405,7 +1405,7 @@
           <a:p>
             <a:fld id="{357F7BA5-6064-4ED0-8CB4-C9AE4E038121}" type="datetimeFigureOut">
               <a:rPr lang="en-US" smtClean="0"/>
-              <a:t>8/29/2020</a:t>
+              <a:t>8/30/2020</a:t>
             </a:fld>
             <a:endParaRPr lang="en-US"/>
           </a:p>
@@ -1817,7 +1817,7 @@
           <a:p>
             <a:fld id="{357F7BA5-6064-4ED0-8CB4-C9AE4E038121}" type="datetimeFigureOut">
               <a:rPr lang="en-US" smtClean="0"/>
-              <a:t>8/29/2020</a:t>
+              <a:t>8/30/2020</a:t>
             </a:fld>
             <a:endParaRPr lang="en-US"/>
           </a:p>
@@ -1958,7 +1958,7 @@
           <a:p>
             <a:fld id="{357F7BA5-6064-4ED0-8CB4-C9AE4E038121}" type="datetimeFigureOut">
               <a:rPr lang="en-US" smtClean="0"/>
-              <a:t>8/29/2020</a:t>
+              <a:t>8/30/2020</a:t>
             </a:fld>
             <a:endParaRPr lang="en-US"/>
           </a:p>
@@ -2071,7 +2071,7 @@
           <a:p>
             <a:fld id="{357F7BA5-6064-4ED0-8CB4-C9AE4E038121}" type="datetimeFigureOut">
               <a:rPr lang="en-US" smtClean="0"/>
-              <a:t>8/29/2020</a:t>
+              <a:t>8/30/2020</a:t>
             </a:fld>
             <a:endParaRPr lang="en-US"/>
           </a:p>
@@ -2382,7 +2382,7 @@
           <a:p>
             <a:fld id="{357F7BA5-6064-4ED0-8CB4-C9AE4E038121}" type="datetimeFigureOut">
               <a:rPr lang="en-US" smtClean="0"/>
-              <a:t>8/29/2020</a:t>
+              <a:t>8/30/2020</a:t>
             </a:fld>
             <a:endParaRPr lang="en-US"/>
           </a:p>
@@ -2670,7 +2670,7 @@
           <a:p>
             <a:fld id="{357F7BA5-6064-4ED0-8CB4-C9AE4E038121}" type="datetimeFigureOut">
               <a:rPr lang="en-US" smtClean="0"/>
-              <a:t>8/29/2020</a:t>
+              <a:t>8/30/2020</a:t>
             </a:fld>
             <a:endParaRPr lang="en-US"/>
           </a:p>
@@ -2911,7 +2911,7 @@
           <a:p>
             <a:fld id="{357F7BA5-6064-4ED0-8CB4-C9AE4E038121}" type="datetimeFigureOut">
               <a:rPr lang="en-US" smtClean="0"/>
-              <a:t>8/29/2020</a:t>
+              <a:t>8/30/2020</a:t>
             </a:fld>
             <a:endParaRPr lang="en-US"/>
           </a:p>
@@ -3881,212 +3881,6 @@
       </p:sp>
       <p:grpSp>
         <p:nvGrpSpPr>
-          <p:cNvPr id="9" name="Group 8">
-            <a:extLst>
-              <a:ext uri="{FF2B5EF4-FFF2-40B4-BE49-F238E27FC236}">
-                <a16:creationId xmlns:a16="http://schemas.microsoft.com/office/drawing/2014/main" id="{1419E533-BADE-468E-B7D9-7CEB164BE990}"/>
-              </a:ext>
-            </a:extLst>
-          </p:cNvPr>
-          <p:cNvGrpSpPr/>
-          <p:nvPr/>
-        </p:nvGrpSpPr>
-        <p:grpSpPr>
-          <a:xfrm>
-            <a:off x="549971" y="475712"/>
-            <a:ext cx="5486402" cy="2028855"/>
-            <a:chOff x="549971" y="475712"/>
-            <a:chExt cx="5486402" cy="2028855"/>
-          </a:xfrm>
-        </p:grpSpPr>
-        <p:sp>
-          <p:nvSpPr>
-            <p:cNvPr id="4" name="Rectangle 3">
-              <a:extLst>
-                <a:ext uri="{FF2B5EF4-FFF2-40B4-BE49-F238E27FC236}">
-                  <a16:creationId xmlns:a16="http://schemas.microsoft.com/office/drawing/2014/main" id="{BBC76AC3-95F9-4A70-AADE-D68C7D7BD1C7}"/>
-                </a:ext>
-              </a:extLst>
-            </p:cNvPr>
-            <p:cNvSpPr/>
-            <p:nvPr/>
-          </p:nvSpPr>
-          <p:spPr>
-            <a:xfrm>
-              <a:off x="549971" y="2186166"/>
-              <a:ext cx="5486400" cy="318401"/>
-            </a:xfrm>
-            <a:prstGeom prst="rect">
-              <a:avLst/>
-            </a:prstGeom>
-            <a:solidFill>
-              <a:schemeClr val="bg1">
-                <a:lumMod val="95000"/>
-              </a:schemeClr>
-            </a:solidFill>
-            <a:ln>
-              <a:noFill/>
-            </a:ln>
-          </p:spPr>
-          <p:style>
-            <a:lnRef idx="2">
-              <a:schemeClr val="accent1">
-                <a:shade val="50000"/>
-              </a:schemeClr>
-            </a:lnRef>
-            <a:fillRef idx="1">
-              <a:schemeClr val="accent1"/>
-            </a:fillRef>
-            <a:effectRef idx="0">
-              <a:schemeClr val="accent1"/>
-            </a:effectRef>
-            <a:fontRef idx="minor">
-              <a:schemeClr val="lt1"/>
-            </a:fontRef>
-          </p:style>
-          <p:txBody>
-            <a:bodyPr rtlCol="0" anchor="ctr"/>
-            <a:lstStyle/>
-            <a:p>
-              <a:pPr algn="ctr"/>
-              <a:endParaRPr lang="en-US"/>
-            </a:p>
-          </p:txBody>
-        </p:sp>
-        <p:pic>
-          <p:nvPicPr>
-            <p:cNvPr id="3" name="Picture 2">
-              <a:extLst>
-                <a:ext uri="{FF2B5EF4-FFF2-40B4-BE49-F238E27FC236}">
-                  <a16:creationId xmlns:a16="http://schemas.microsoft.com/office/drawing/2014/main" id="{1FD7A4A4-D107-4289-8368-4B48E566AA5C}"/>
-                </a:ext>
-              </a:extLst>
-            </p:cNvPr>
-            <p:cNvPicPr>
-              <a:picLocks/>
-            </p:cNvPicPr>
-            <p:nvPr/>
-          </p:nvPicPr>
-          <p:blipFill rotWithShape="1">
-            <a:blip r:embed="rId2">
-              <a:extLst>
-                <a:ext uri="{28A0092B-C50C-407E-A947-70E740481C1C}">
-                  <a14:useLocalDpi xmlns:a14="http://schemas.microsoft.com/office/drawing/2010/main" val="0"/>
-                </a:ext>
-              </a:extLst>
-            </a:blip>
-            <a:srcRect b="4598"/>
-            <a:stretch/>
-          </p:blipFill>
-          <p:spPr>
-            <a:xfrm>
-              <a:off x="549973" y="475712"/>
-              <a:ext cx="5486400" cy="1744706"/>
-            </a:xfrm>
-            <a:prstGeom prst="rect">
-              <a:avLst/>
-            </a:prstGeom>
-          </p:spPr>
-        </p:pic>
-        <p:sp>
-          <p:nvSpPr>
-            <p:cNvPr id="5" name="Rectangle 4">
-              <a:extLst>
-                <a:ext uri="{FF2B5EF4-FFF2-40B4-BE49-F238E27FC236}">
-                  <a16:creationId xmlns:a16="http://schemas.microsoft.com/office/drawing/2014/main" id="{B142240D-F517-4ACB-93ED-B55517122BCE}"/>
-                </a:ext>
-              </a:extLst>
-            </p:cNvPr>
-            <p:cNvSpPr/>
-            <p:nvPr/>
-          </p:nvSpPr>
-          <p:spPr>
-            <a:xfrm>
-              <a:off x="2141061" y="928447"/>
-              <a:ext cx="2304221" cy="923330"/>
-            </a:xfrm>
-            <a:prstGeom prst="rect">
-              <a:avLst/>
-            </a:prstGeom>
-            <a:noFill/>
-          </p:spPr>
-          <p:txBody>
-            <a:bodyPr wrap="none" lIns="91440" tIns="45720" rIns="91440" bIns="45720">
-              <a:spAutoFit/>
-            </a:bodyPr>
-            <a:lstStyle/>
-            <a:p>
-              <a:pPr algn="ctr"/>
-              <a:r>
-                <a:rPr lang="en-US" sz="5400" b="0" cap="none" spc="0">
-                  <a:ln w="0"/>
-                  <a:solidFill>
-                    <a:srgbClr val="002060"/>
-                  </a:solidFill>
-                  <a:effectLst>
-                    <a:outerShdw blurRad="38100" dist="19050" dir="2700000" algn="tl" rotWithShape="0">
-                      <a:schemeClr val="dk1">
-                        <a:alpha val="40000"/>
-                      </a:schemeClr>
-                    </a:outerShdw>
-                  </a:effectLst>
-                  <a:latin typeface="Brush Script MT" panose="03060802040406070304" pitchFamily="66" charset="0"/>
-                </a:rPr>
-                <a:t>Trí Nhân</a:t>
-              </a:r>
-            </a:p>
-          </p:txBody>
-        </p:sp>
-        <p:sp>
-          <p:nvSpPr>
-            <p:cNvPr id="24" name="Rectangle 23">
-              <a:extLst>
-                <a:ext uri="{FF2B5EF4-FFF2-40B4-BE49-F238E27FC236}">
-                  <a16:creationId xmlns:a16="http://schemas.microsoft.com/office/drawing/2014/main" id="{8FA9B19B-F9D3-408E-B9FA-434D16AA23A8}"/>
-                </a:ext>
-              </a:extLst>
-            </p:cNvPr>
-            <p:cNvSpPr/>
-            <p:nvPr/>
-          </p:nvSpPr>
-          <p:spPr>
-            <a:xfrm>
-              <a:off x="980321" y="1752658"/>
-              <a:ext cx="4675254" cy="461665"/>
-            </a:xfrm>
-            <a:prstGeom prst="rect">
-              <a:avLst/>
-            </a:prstGeom>
-            <a:noFill/>
-          </p:spPr>
-          <p:txBody>
-            <a:bodyPr wrap="none" lIns="91440" tIns="45720" rIns="91440" bIns="45720">
-              <a:spAutoFit/>
-            </a:bodyPr>
-            <a:lstStyle/>
-            <a:p>
-              <a:r>
-                <a:rPr lang="en-US" sz="2400">
-                  <a:solidFill>
-                    <a:srgbClr val="002060"/>
-                  </a:solidFill>
-                  <a:effectLst>
-                    <a:outerShdw blurRad="38100" dist="38100" dir="2700000" algn="tl">
-                      <a:srgbClr val="000000">
-                        <a:alpha val="43137"/>
-                      </a:srgbClr>
-                    </a:outerShdw>
-                  </a:effectLst>
-                  <a:latin typeface="Arial Narrow" panose="020B0606020202030204" pitchFamily="34" charset="0"/>
-                </a:rPr>
-                <a:t>Data Science &amp; Application, R&amp;D Group</a:t>
-              </a:r>
-            </a:p>
-          </p:txBody>
-        </p:sp>
-      </p:grpSp>
-      <p:grpSp>
-        <p:nvGrpSpPr>
           <p:cNvPr id="25" name="Group 24">
             <a:extLst>
               <a:ext uri="{FF2B5EF4-FFF2-40B4-BE49-F238E27FC236}">
@@ -4396,10 +4190,10 @@
       </p:sp>
       <p:grpSp>
         <p:nvGrpSpPr>
-          <p:cNvPr id="6" name="Group 5">
-            <a:extLst>
-              <a:ext uri="{FF2B5EF4-FFF2-40B4-BE49-F238E27FC236}">
-                <a16:creationId xmlns:a16="http://schemas.microsoft.com/office/drawing/2014/main" id="{44AF6506-C3C2-49F0-9156-08199D395E91}"/>
+          <p:cNvPr id="7" name="Group 6">
+            <a:extLst>
+              <a:ext uri="{FF2B5EF4-FFF2-40B4-BE49-F238E27FC236}">
+                <a16:creationId xmlns:a16="http://schemas.microsoft.com/office/drawing/2014/main" id="{A4E0AE25-5A63-4A27-8283-1538505F8E75}"/>
               </a:ext>
             </a:extLst>
           </p:cNvPr>
@@ -4408,143 +4202,370 @@
         </p:nvGrpSpPr>
         <p:grpSpPr>
           <a:xfrm>
-            <a:off x="1447601" y="2104457"/>
-            <a:ext cx="3691140" cy="400110"/>
-            <a:chOff x="1442983" y="3260436"/>
-            <a:chExt cx="3691140" cy="400110"/>
+            <a:off x="549971" y="475712"/>
+            <a:ext cx="5486402" cy="2028855"/>
+            <a:chOff x="549971" y="475712"/>
+            <a:chExt cx="5486402" cy="2028855"/>
           </a:xfrm>
         </p:grpSpPr>
-        <p:sp>
-          <p:nvSpPr>
-            <p:cNvPr id="17" name="Rectangle 16">
+        <p:grpSp>
+          <p:nvGrpSpPr>
+            <p:cNvPr id="9" name="Group 8">
               <a:extLst>
                 <a:ext uri="{FF2B5EF4-FFF2-40B4-BE49-F238E27FC236}">
-                  <a16:creationId xmlns:a16="http://schemas.microsoft.com/office/drawing/2014/main" id="{E8CAFB98-BBB3-49CD-98DD-354C4F90A588}"/>
+                  <a16:creationId xmlns:a16="http://schemas.microsoft.com/office/drawing/2014/main" id="{1419E533-BADE-468E-B7D9-7CEB164BE990}"/>
                 </a:ext>
               </a:extLst>
             </p:cNvPr>
-            <p:cNvSpPr/>
+            <p:cNvGrpSpPr/>
             <p:nvPr/>
-          </p:nvSpPr>
-          <p:spPr>
+          </p:nvGrpSpPr>
+          <p:grpSpPr>
             <a:xfrm>
-              <a:off x="2547770" y="3260436"/>
-              <a:ext cx="1507144" cy="400110"/>
+              <a:off x="549971" y="475712"/>
+              <a:ext cx="5486402" cy="2028855"/>
+              <a:chOff x="549971" y="475712"/>
+              <a:chExt cx="5486402" cy="2028855"/>
             </a:xfrm>
-            <a:prstGeom prst="rect">
-              <a:avLst/>
-            </a:prstGeom>
-            <a:noFill/>
-          </p:spPr>
-          <p:txBody>
-            <a:bodyPr wrap="none" lIns="91440" tIns="45720" rIns="91440" bIns="45720">
-              <a:spAutoFit/>
-            </a:bodyPr>
-            <a:lstStyle/>
-            <a:p>
-              <a:pPr algn="ctr"/>
-              <a:r>
-                <a:rPr lang="en-US" sz="2000" b="0" cap="none" spc="0">
-                  <a:ln w="0"/>
-                  <a:solidFill>
-                    <a:srgbClr val="FF0000"/>
-                  </a:solidFill>
-                  <a:effectLst>
-                    <a:outerShdw blurRad="38100" dist="25400" dir="5400000" algn="ctr" rotWithShape="0">
-                      <a:srgbClr val="6E747A">
-                        <a:alpha val="43000"/>
-                      </a:srgbClr>
-                    </a:outerShdw>
-                  </a:effectLst>
-                  <a:latin typeface="Arial Narrow" panose="020B0606020202030204" pitchFamily="34" charset="0"/>
-                </a:rPr>
-                <a:t>Learn Forever</a:t>
-              </a:r>
-            </a:p>
-          </p:txBody>
-        </p:sp>
-        <p:cxnSp>
-          <p:nvCxnSpPr>
-            <p:cNvPr id="18" name="Straight Connector 17">
+          </p:grpSpPr>
+          <p:sp>
+            <p:nvSpPr>
+              <p:cNvPr id="4" name="Rectangle 3">
+                <a:extLst>
+                  <a:ext uri="{FF2B5EF4-FFF2-40B4-BE49-F238E27FC236}">
+                    <a16:creationId xmlns:a16="http://schemas.microsoft.com/office/drawing/2014/main" id="{BBC76AC3-95F9-4A70-AADE-D68C7D7BD1C7}"/>
+                  </a:ext>
+                </a:extLst>
+              </p:cNvPr>
+              <p:cNvSpPr/>
+              <p:nvPr/>
+            </p:nvSpPr>
+            <p:spPr>
+              <a:xfrm>
+                <a:off x="549971" y="2186166"/>
+                <a:ext cx="5486400" cy="318401"/>
+              </a:xfrm>
+              <a:prstGeom prst="rect">
+                <a:avLst/>
+              </a:prstGeom>
+              <a:solidFill>
+                <a:schemeClr val="bg1">
+                  <a:lumMod val="95000"/>
+                </a:schemeClr>
+              </a:solidFill>
+              <a:ln>
+                <a:noFill/>
+              </a:ln>
+            </p:spPr>
+            <p:style>
+              <a:lnRef idx="2">
+                <a:schemeClr val="accent1">
+                  <a:shade val="50000"/>
+                </a:schemeClr>
+              </a:lnRef>
+              <a:fillRef idx="1">
+                <a:schemeClr val="accent1"/>
+              </a:fillRef>
+              <a:effectRef idx="0">
+                <a:schemeClr val="accent1"/>
+              </a:effectRef>
+              <a:fontRef idx="minor">
+                <a:schemeClr val="lt1"/>
+              </a:fontRef>
+            </p:style>
+            <p:txBody>
+              <a:bodyPr rtlCol="0" anchor="ctr"/>
+              <a:lstStyle/>
+              <a:p>
+                <a:pPr algn="ctr"/>
+                <a:endParaRPr lang="en-US"/>
+              </a:p>
+            </p:txBody>
+          </p:sp>
+          <p:pic>
+            <p:nvPicPr>
+              <p:cNvPr id="3" name="Picture 2">
+                <a:extLst>
+                  <a:ext uri="{FF2B5EF4-FFF2-40B4-BE49-F238E27FC236}">
+                    <a16:creationId xmlns:a16="http://schemas.microsoft.com/office/drawing/2014/main" id="{1FD7A4A4-D107-4289-8368-4B48E566AA5C}"/>
+                  </a:ext>
+                </a:extLst>
+              </p:cNvPr>
+              <p:cNvPicPr>
+                <a:picLocks/>
+              </p:cNvPicPr>
+              <p:nvPr/>
+            </p:nvPicPr>
+            <p:blipFill rotWithShape="1">
+              <a:blip r:embed="rId2">
+                <a:extLst>
+                  <a:ext uri="{28A0092B-C50C-407E-A947-70E740481C1C}">
+                    <a14:useLocalDpi xmlns:a14="http://schemas.microsoft.com/office/drawing/2010/main" val="0"/>
+                  </a:ext>
+                </a:extLst>
+              </a:blip>
+              <a:srcRect b="4598"/>
+              <a:stretch/>
+            </p:blipFill>
+            <p:spPr>
+              <a:xfrm>
+                <a:off x="549973" y="475712"/>
+                <a:ext cx="5486400" cy="1744706"/>
+              </a:xfrm>
+              <a:prstGeom prst="rect">
+                <a:avLst/>
+              </a:prstGeom>
+            </p:spPr>
+          </p:pic>
+          <p:sp>
+            <p:nvSpPr>
+              <p:cNvPr id="5" name="Rectangle 4">
+                <a:extLst>
+                  <a:ext uri="{FF2B5EF4-FFF2-40B4-BE49-F238E27FC236}">
+                    <a16:creationId xmlns:a16="http://schemas.microsoft.com/office/drawing/2014/main" id="{B142240D-F517-4ACB-93ED-B55517122BCE}"/>
+                  </a:ext>
+                </a:extLst>
+              </p:cNvPr>
+              <p:cNvSpPr/>
+              <p:nvPr/>
+            </p:nvSpPr>
+            <p:spPr>
+              <a:xfrm>
+                <a:off x="2141061" y="928447"/>
+                <a:ext cx="2304221" cy="923330"/>
+              </a:xfrm>
+              <a:prstGeom prst="rect">
+                <a:avLst/>
+              </a:prstGeom>
+              <a:noFill/>
+            </p:spPr>
+            <p:txBody>
+              <a:bodyPr wrap="none" lIns="91440" tIns="45720" rIns="91440" bIns="45720">
+                <a:spAutoFit/>
+              </a:bodyPr>
+              <a:lstStyle/>
+              <a:p>
+                <a:pPr algn="ctr"/>
+                <a:r>
+                  <a:rPr lang="en-US" sz="5400" b="0" cap="none" spc="0">
+                    <a:ln w="0"/>
+                    <a:solidFill>
+                      <a:srgbClr val="002060"/>
+                    </a:solidFill>
+                    <a:effectLst>
+                      <a:outerShdw blurRad="38100" dist="19050" dir="2700000" algn="tl" rotWithShape="0">
+                        <a:schemeClr val="dk1">
+                          <a:alpha val="40000"/>
+                        </a:schemeClr>
+                      </a:outerShdw>
+                    </a:effectLst>
+                    <a:latin typeface="Brush Script MT" panose="03060802040406070304" pitchFamily="66" charset="0"/>
+                  </a:rPr>
+                  <a:t>Trí Nhân</a:t>
+                </a:r>
+              </a:p>
+            </p:txBody>
+          </p:sp>
+          <p:sp>
+            <p:nvSpPr>
+              <p:cNvPr id="24" name="Rectangle 23">
+                <a:extLst>
+                  <a:ext uri="{FF2B5EF4-FFF2-40B4-BE49-F238E27FC236}">
+                    <a16:creationId xmlns:a16="http://schemas.microsoft.com/office/drawing/2014/main" id="{8FA9B19B-F9D3-408E-B9FA-434D16AA23A8}"/>
+                  </a:ext>
+                </a:extLst>
+              </p:cNvPr>
+              <p:cNvSpPr/>
+              <p:nvPr/>
+            </p:nvSpPr>
+            <p:spPr>
+              <a:xfrm>
+                <a:off x="980321" y="1752658"/>
+                <a:ext cx="4675254" cy="461665"/>
+              </a:xfrm>
+              <a:prstGeom prst="rect">
+                <a:avLst/>
+              </a:prstGeom>
+              <a:noFill/>
+            </p:spPr>
+            <p:txBody>
+              <a:bodyPr wrap="none" lIns="91440" tIns="45720" rIns="91440" bIns="45720">
+                <a:spAutoFit/>
+              </a:bodyPr>
+              <a:lstStyle/>
+              <a:p>
+                <a:r>
+                  <a:rPr lang="en-US" sz="2400">
+                    <a:solidFill>
+                      <a:srgbClr val="002060"/>
+                    </a:solidFill>
+                    <a:effectLst>
+                      <a:outerShdw blurRad="38100" dist="38100" dir="2700000" algn="tl">
+                        <a:srgbClr val="000000">
+                          <a:alpha val="43137"/>
+                        </a:srgbClr>
+                      </a:outerShdw>
+                    </a:effectLst>
+                    <a:latin typeface="Arial Narrow" panose="020B0606020202030204" pitchFamily="34" charset="0"/>
+                  </a:rPr>
+                  <a:t>Data Science &amp; Application, R&amp;D Group</a:t>
+                </a:r>
+              </a:p>
+            </p:txBody>
+          </p:sp>
+        </p:grpSp>
+        <p:grpSp>
+          <p:nvGrpSpPr>
+            <p:cNvPr id="6" name="Group 5">
               <a:extLst>
                 <a:ext uri="{FF2B5EF4-FFF2-40B4-BE49-F238E27FC236}">
-                  <a16:creationId xmlns:a16="http://schemas.microsoft.com/office/drawing/2014/main" id="{F0557FA4-F1B6-4D94-92F0-A6BCC19414A9}"/>
+                  <a16:creationId xmlns:a16="http://schemas.microsoft.com/office/drawing/2014/main" id="{44AF6506-C3C2-49F0-9156-08199D395E91}"/>
                 </a:ext>
               </a:extLst>
             </p:cNvPr>
-            <p:cNvCxnSpPr/>
+            <p:cNvGrpSpPr/>
             <p:nvPr/>
-          </p:nvCxnSpPr>
-          <p:spPr>
+          </p:nvGrpSpPr>
+          <p:grpSpPr>
             <a:xfrm>
-              <a:off x="1442983" y="3488674"/>
-              <a:ext cx="1140120" cy="0"/>
+              <a:off x="1447601" y="2104457"/>
+              <a:ext cx="3691140" cy="400110"/>
+              <a:chOff x="1442983" y="3260436"/>
+              <a:chExt cx="3691140" cy="400110"/>
             </a:xfrm>
-            <a:prstGeom prst="line">
-              <a:avLst/>
-            </a:prstGeom>
-            <a:ln w="28575">
-              <a:solidFill>
-                <a:srgbClr val="FF0000"/>
-              </a:solidFill>
-            </a:ln>
-          </p:spPr>
-          <p:style>
-            <a:lnRef idx="1">
-              <a:schemeClr val="accent1"/>
-            </a:lnRef>
-            <a:fillRef idx="0">
-              <a:schemeClr val="accent1"/>
-            </a:fillRef>
-            <a:effectRef idx="0">
-              <a:schemeClr val="accent1"/>
-            </a:effectRef>
-            <a:fontRef idx="minor">
-              <a:schemeClr val="tx1"/>
-            </a:fontRef>
-          </p:style>
-        </p:cxnSp>
-        <p:cxnSp>
-          <p:nvCxnSpPr>
-            <p:cNvPr id="19" name="Straight Connector 18">
-              <a:extLst>
-                <a:ext uri="{FF2B5EF4-FFF2-40B4-BE49-F238E27FC236}">
-                  <a16:creationId xmlns:a16="http://schemas.microsoft.com/office/drawing/2014/main" id="{C8BC1D18-B44C-4FAB-9046-04EDE5246C25}"/>
-                </a:ext>
-              </a:extLst>
-            </p:cNvPr>
-            <p:cNvCxnSpPr/>
-            <p:nvPr/>
-          </p:nvCxnSpPr>
-          <p:spPr>
-            <a:xfrm>
-              <a:off x="3994003" y="3488674"/>
-              <a:ext cx="1140120" cy="0"/>
-            </a:xfrm>
-            <a:prstGeom prst="line">
-              <a:avLst/>
-            </a:prstGeom>
-            <a:ln w="28575">
-              <a:solidFill>
-                <a:srgbClr val="FF0000"/>
-              </a:solidFill>
-            </a:ln>
-          </p:spPr>
-          <p:style>
-            <a:lnRef idx="1">
-              <a:schemeClr val="accent1"/>
-            </a:lnRef>
-            <a:fillRef idx="0">
-              <a:schemeClr val="accent1"/>
-            </a:fillRef>
-            <a:effectRef idx="0">
-              <a:schemeClr val="accent1"/>
-            </a:effectRef>
-            <a:fontRef idx="minor">
-              <a:schemeClr val="tx1"/>
-            </a:fontRef>
-          </p:style>
-        </p:cxnSp>
+          </p:grpSpPr>
+          <p:sp>
+            <p:nvSpPr>
+              <p:cNvPr id="17" name="Rectangle 16">
+                <a:extLst>
+                  <a:ext uri="{FF2B5EF4-FFF2-40B4-BE49-F238E27FC236}">
+                    <a16:creationId xmlns:a16="http://schemas.microsoft.com/office/drawing/2014/main" id="{E8CAFB98-BBB3-49CD-98DD-354C4F90A588}"/>
+                  </a:ext>
+                </a:extLst>
+              </p:cNvPr>
+              <p:cNvSpPr/>
+              <p:nvPr/>
+            </p:nvSpPr>
+            <p:spPr>
+              <a:xfrm>
+                <a:off x="2547770" y="3260436"/>
+                <a:ext cx="1507144" cy="400110"/>
+              </a:xfrm>
+              <a:prstGeom prst="rect">
+                <a:avLst/>
+              </a:prstGeom>
+              <a:noFill/>
+            </p:spPr>
+            <p:txBody>
+              <a:bodyPr wrap="none" lIns="91440" tIns="45720" rIns="91440" bIns="45720">
+                <a:spAutoFit/>
+              </a:bodyPr>
+              <a:lstStyle/>
+              <a:p>
+                <a:pPr algn="ctr"/>
+                <a:r>
+                  <a:rPr lang="en-US" sz="2000" b="0" cap="none" spc="0">
+                    <a:ln w="0"/>
+                    <a:solidFill>
+                      <a:srgbClr val="FF0000"/>
+                    </a:solidFill>
+                    <a:effectLst>
+                      <a:outerShdw blurRad="38100" dist="25400" dir="5400000" algn="ctr" rotWithShape="0">
+                        <a:srgbClr val="6E747A">
+                          <a:alpha val="43000"/>
+                        </a:srgbClr>
+                      </a:outerShdw>
+                    </a:effectLst>
+                    <a:latin typeface="Arial Narrow" panose="020B0606020202030204" pitchFamily="34" charset="0"/>
+                  </a:rPr>
+                  <a:t>Learn Forever</a:t>
+                </a:r>
+              </a:p>
+            </p:txBody>
+          </p:sp>
+          <p:cxnSp>
+            <p:nvCxnSpPr>
+              <p:cNvPr id="18" name="Straight Connector 17">
+                <a:extLst>
+                  <a:ext uri="{FF2B5EF4-FFF2-40B4-BE49-F238E27FC236}">
+                    <a16:creationId xmlns:a16="http://schemas.microsoft.com/office/drawing/2014/main" id="{F0557FA4-F1B6-4D94-92F0-A6BCC19414A9}"/>
+                  </a:ext>
+                </a:extLst>
+              </p:cNvPr>
+              <p:cNvCxnSpPr/>
+              <p:nvPr/>
+            </p:nvCxnSpPr>
+            <p:spPr>
+              <a:xfrm>
+                <a:off x="1442983" y="3488674"/>
+                <a:ext cx="1140120" cy="0"/>
+              </a:xfrm>
+              <a:prstGeom prst="line">
+                <a:avLst/>
+              </a:prstGeom>
+              <a:ln w="28575">
+                <a:solidFill>
+                  <a:srgbClr val="FF0000"/>
+                </a:solidFill>
+              </a:ln>
+            </p:spPr>
+            <p:style>
+              <a:lnRef idx="1">
+                <a:schemeClr val="accent1"/>
+              </a:lnRef>
+              <a:fillRef idx="0">
+                <a:schemeClr val="accent1"/>
+              </a:fillRef>
+              <a:effectRef idx="0">
+                <a:schemeClr val="accent1"/>
+              </a:effectRef>
+              <a:fontRef idx="minor">
+                <a:schemeClr val="tx1"/>
+              </a:fontRef>
+            </p:style>
+          </p:cxnSp>
+          <p:cxnSp>
+            <p:nvCxnSpPr>
+              <p:cNvPr id="19" name="Straight Connector 18">
+                <a:extLst>
+                  <a:ext uri="{FF2B5EF4-FFF2-40B4-BE49-F238E27FC236}">
+                    <a16:creationId xmlns:a16="http://schemas.microsoft.com/office/drawing/2014/main" id="{C8BC1D18-B44C-4FAB-9046-04EDE5246C25}"/>
+                  </a:ext>
+                </a:extLst>
+              </p:cNvPr>
+              <p:cNvCxnSpPr/>
+              <p:nvPr/>
+            </p:nvCxnSpPr>
+            <p:spPr>
+              <a:xfrm>
+                <a:off x="3994003" y="3488674"/>
+                <a:ext cx="1140120" cy="0"/>
+              </a:xfrm>
+              <a:prstGeom prst="line">
+                <a:avLst/>
+              </a:prstGeom>
+              <a:ln w="28575">
+                <a:solidFill>
+                  <a:srgbClr val="FF0000"/>
+                </a:solidFill>
+              </a:ln>
+            </p:spPr>
+            <p:style>
+              <a:lnRef idx="1">
+                <a:schemeClr val="accent1"/>
+              </a:lnRef>
+              <a:fillRef idx="0">
+                <a:schemeClr val="accent1"/>
+              </a:fillRef>
+              <a:effectRef idx="0">
+                <a:schemeClr val="accent1"/>
+              </a:effectRef>
+              <a:fontRef idx="minor">
+                <a:schemeClr val="tx1"/>
+              </a:fontRef>
+            </p:style>
+          </p:cxnSp>
+        </p:grpSp>
       </p:grpSp>
     </p:spTree>
     <p:extLst>

--- a/@docs/pics.pptx
+++ b/@docs/pics.pptx
@@ -3640,6 +3640,13 @@
                   <a:solidFill>
                     <a:srgbClr val="002060"/>
                   </a:solidFill>
+                  <a:effectLst>
+                    <a:outerShdw blurRad="38100" dist="38100" dir="2700000" algn="tl">
+                      <a:srgbClr val="000000">
+                        <a:alpha val="43137"/>
+                      </a:srgbClr>
+                    </a:outerShdw>
+                  </a:effectLst>
                   <a:latin typeface="Arial Narrow" panose="020B0606020202030204" pitchFamily="34" charset="0"/>
                 </a:rPr>
                 <a:t>Data Science &amp; Application, R&amp;D Group</a:t>

--- a/@docs/pics.pptx
+++ b/@docs/pics.pptx
@@ -3330,10 +3330,10 @@
       </p:grpSpPr>
       <p:pic>
         <p:nvPicPr>
-          <p:cNvPr id="5" name="Picture 4">
-            <a:extLst>
-              <a:ext uri="{FF2B5EF4-FFF2-40B4-BE49-F238E27FC236}">
-                <a16:creationId xmlns:a16="http://schemas.microsoft.com/office/drawing/2014/main" id="{60C2B070-08B4-44E0-9492-FA113F081CF8}"/>
+          <p:cNvPr id="12" name="Picture 11">
+            <a:extLst>
+              <a:ext uri="{FF2B5EF4-FFF2-40B4-BE49-F238E27FC236}">
+                <a16:creationId xmlns:a16="http://schemas.microsoft.com/office/drawing/2014/main" id="{45BE4D22-22FA-4F36-A34E-A4524EC6736A}"/>
               </a:ext>
             </a:extLst>
           </p:cNvPr>
@@ -3356,80 +3356,8 @@
         </p:blipFill>
         <p:spPr>
           <a:xfrm>
-            <a:off x="96411" y="101600"/>
+            <a:off x="198011" y="247989"/>
             <a:ext cx="10972800" cy="2377440"/>
-          </a:xfrm>
-          <a:prstGeom prst="rect">
-            <a:avLst/>
-          </a:prstGeom>
-        </p:spPr>
-      </p:pic>
-      <p:pic>
-        <p:nvPicPr>
-          <p:cNvPr id="12" name="Picture 11">
-            <a:extLst>
-              <a:ext uri="{FF2B5EF4-FFF2-40B4-BE49-F238E27FC236}">
-                <a16:creationId xmlns:a16="http://schemas.microsoft.com/office/drawing/2014/main" id="{45BE4D22-22FA-4F36-A34E-A4524EC6736A}"/>
-              </a:ext>
-            </a:extLst>
-          </p:cNvPr>
-          <p:cNvPicPr>
-            <a:picLocks noChangeAspect="1"/>
-          </p:cNvPicPr>
-          <p:nvPr/>
-        </p:nvPicPr>
-        <p:blipFill>
-          <a:blip r:embed="rId3">
-            <a:extLst>
-              <a:ext uri="{28A0092B-C50C-407E-A947-70E740481C1C}">
-                <a14:useLocalDpi xmlns:a14="http://schemas.microsoft.com/office/drawing/2010/main" val="0"/>
-              </a:ext>
-            </a:extLst>
-          </a:blip>
-          <a:stretch>
-            <a:fillRect/>
-          </a:stretch>
-        </p:blipFill>
-        <p:spPr>
-          <a:xfrm>
-            <a:off x="96411" y="2612498"/>
-            <a:ext cx="10972800" cy="2377440"/>
-          </a:xfrm>
-          <a:prstGeom prst="rect">
-            <a:avLst/>
-          </a:prstGeom>
-        </p:spPr>
-      </p:pic>
-      <p:pic>
-        <p:nvPicPr>
-          <p:cNvPr id="13" name="Picture 12">
-            <a:extLst>
-              <a:ext uri="{FF2B5EF4-FFF2-40B4-BE49-F238E27FC236}">
-                <a16:creationId xmlns:a16="http://schemas.microsoft.com/office/drawing/2014/main" id="{6D68E62D-6A35-42D0-BD40-EBBC5E64D53B}"/>
-              </a:ext>
-            </a:extLst>
-          </p:cNvPr>
-          <p:cNvPicPr>
-            <a:picLocks/>
-          </p:cNvPicPr>
-          <p:nvPr/>
-        </p:nvPicPr>
-        <p:blipFill>
-          <a:blip r:embed="rId4">
-            <a:extLst>
-              <a:ext uri="{28A0092B-C50C-407E-A947-70E740481C1C}">
-                <a14:useLocalDpi xmlns:a14="http://schemas.microsoft.com/office/drawing/2010/main" val="0"/>
-              </a:ext>
-            </a:extLst>
-          </a:blip>
-          <a:stretch>
-            <a:fillRect/>
-          </a:stretch>
-        </p:blipFill>
-        <p:spPr>
-          <a:xfrm>
-            <a:off x="96411" y="5199477"/>
-            <a:ext cx="10972800" cy="1234440"/>
           </a:xfrm>
           <a:prstGeom prst="rect">
             <a:avLst/>
@@ -3466,48 +3394,12 @@
           <a:chExt cx="0" cy="0"/>
         </a:xfrm>
       </p:grpSpPr>
-      <p:pic>
-        <p:nvPicPr>
-          <p:cNvPr id="5" name="Picture 4">
-            <a:extLst>
-              <a:ext uri="{FF2B5EF4-FFF2-40B4-BE49-F238E27FC236}">
-                <a16:creationId xmlns:a16="http://schemas.microsoft.com/office/drawing/2014/main" id="{60C2B070-08B4-44E0-9492-FA113F081CF8}"/>
-              </a:ext>
-            </a:extLst>
-          </p:cNvPr>
-          <p:cNvPicPr>
-            <a:picLocks noChangeAspect="1"/>
-          </p:cNvPicPr>
-          <p:nvPr/>
-        </p:nvPicPr>
-        <p:blipFill>
-          <a:blip r:embed="rId2">
-            <a:extLst>
-              <a:ext uri="{28A0092B-C50C-407E-A947-70E740481C1C}">
-                <a14:useLocalDpi xmlns:a14="http://schemas.microsoft.com/office/drawing/2010/main" val="0"/>
-              </a:ext>
-            </a:extLst>
-          </a:blip>
-          <a:stretch>
-            <a:fillRect/>
-          </a:stretch>
-        </p:blipFill>
-        <p:spPr>
-          <a:xfrm>
-            <a:off x="96411" y="101600"/>
-            <a:ext cx="10972800" cy="2377440"/>
-          </a:xfrm>
-          <a:prstGeom prst="rect">
-            <a:avLst/>
-          </a:prstGeom>
-        </p:spPr>
-      </p:pic>
       <p:grpSp>
         <p:nvGrpSpPr>
-          <p:cNvPr id="9" name="Group 8">
-            <a:extLst>
-              <a:ext uri="{FF2B5EF4-FFF2-40B4-BE49-F238E27FC236}">
-                <a16:creationId xmlns:a16="http://schemas.microsoft.com/office/drawing/2014/main" id="{E7DF0ACF-434C-45B0-8E0F-3D4AB4CA2717}"/>
+          <p:cNvPr id="24" name="Group 23">
+            <a:extLst>
+              <a:ext uri="{FF2B5EF4-FFF2-40B4-BE49-F238E27FC236}">
+                <a16:creationId xmlns:a16="http://schemas.microsoft.com/office/drawing/2014/main" id="{EAD48F66-5A90-4533-BB7C-9E00A51E4B94}"/>
               </a:ext>
             </a:extLst>
           </p:cNvPr>
@@ -3516,9 +3408,9 @@
         </p:nvGrpSpPr>
         <p:grpSpPr>
           <a:xfrm>
-            <a:off x="96411" y="2593315"/>
+            <a:off x="345793" y="321169"/>
             <a:ext cx="10972800" cy="2377440"/>
-            <a:chOff x="96411" y="2593315"/>
+            <a:chOff x="345793" y="321169"/>
             <a:chExt cx="10972800" cy="2377440"/>
           </a:xfrm>
         </p:grpSpPr>
@@ -3537,7 +3429,7 @@
             <p:nvPr/>
           </p:nvPicPr>
           <p:blipFill>
-            <a:blip r:embed="rId3">
+            <a:blip r:embed="rId2">
               <a:extLst>
                 <a:ext uri="{28A0092B-C50C-407E-A947-70E740481C1C}">
                   <a14:useLocalDpi xmlns:a14="http://schemas.microsoft.com/office/drawing/2010/main" val="0"/>
@@ -3550,7 +3442,7 @@
           </p:blipFill>
           <p:spPr>
             <a:xfrm>
-              <a:off x="96411" y="2593315"/>
+              <a:off x="345793" y="321169"/>
               <a:ext cx="10972800" cy="2377440"/>
             </a:xfrm>
             <a:prstGeom prst="rect">
@@ -3572,7 +3464,7 @@
           </p:nvSpPr>
           <p:spPr>
             <a:xfrm>
-              <a:off x="2496254" y="3339553"/>
+              <a:off x="2450079" y="1067407"/>
               <a:ext cx="2304221" cy="923330"/>
             </a:xfrm>
             <a:prstGeom prst="rect">
@@ -3621,8 +3513,8 @@
           </p:nvSpPr>
           <p:spPr>
             <a:xfrm>
-              <a:off x="5203578" y="3253464"/>
-              <a:ext cx="5408725" cy="523220"/>
+              <a:off x="5065040" y="981318"/>
+              <a:ext cx="5750805" cy="523220"/>
             </a:xfrm>
             <a:prstGeom prst="rect">
               <a:avLst/>
@@ -3636,7 +3528,7 @@
             <a:lstStyle/>
             <a:p>
               <a:r>
-                <a:rPr lang="en-US" sz="2800">
+                <a:rPr lang="en-US" sz="2800" b="1">
                   <a:solidFill>
                     <a:srgbClr val="002060"/>
                   </a:solidFill>
@@ -3668,7 +3560,7 @@
           </p:nvGrpSpPr>
           <p:grpSpPr>
             <a:xfrm>
-              <a:off x="5970087" y="3710886"/>
+              <a:off x="5831549" y="1438740"/>
               <a:ext cx="3938744" cy="461665"/>
               <a:chOff x="4771487" y="5937356"/>
               <a:chExt cx="3938744" cy="461665"/>
@@ -3688,8 +3580,8 @@
             </p:nvSpPr>
             <p:spPr>
               <a:xfrm>
-                <a:off x="5874400" y="5937356"/>
-                <a:ext cx="1773242" cy="461665"/>
+                <a:off x="5826310" y="5937356"/>
+                <a:ext cx="1869423" cy="461665"/>
               </a:xfrm>
               <a:prstGeom prst="rect">
                 <a:avLst/>
@@ -3704,7 +3596,7 @@
               <a:p>
                 <a:pPr algn="ctr"/>
                 <a:r>
-                  <a:rPr lang="en-US" sz="2400" b="0" cap="none" spc="0">
+                  <a:rPr lang="en-US" sz="2400" b="1" cap="none" spc="0">
                     <a:ln w="0"/>
                     <a:solidFill>
                       <a:srgbClr val="FF0000"/>
@@ -3785,6 +3677,304 @@
                 <a:avLst/>
               </a:prstGeom>
               <a:ln w="28575">
+                <a:solidFill>
+                  <a:srgbClr val="FF0000"/>
+                </a:solidFill>
+              </a:ln>
+            </p:spPr>
+            <p:style>
+              <a:lnRef idx="1">
+                <a:schemeClr val="accent1"/>
+              </a:lnRef>
+              <a:fillRef idx="0">
+                <a:schemeClr val="accent1"/>
+              </a:fillRef>
+              <a:effectRef idx="0">
+                <a:schemeClr val="accent1"/>
+              </a:effectRef>
+              <a:fontRef idx="minor">
+                <a:schemeClr val="tx1"/>
+              </a:fontRef>
+            </p:style>
+          </p:cxnSp>
+        </p:grpSp>
+      </p:grpSp>
+      <p:grpSp>
+        <p:nvGrpSpPr>
+          <p:cNvPr id="27" name="Group 26">
+            <a:extLst>
+              <a:ext uri="{FF2B5EF4-FFF2-40B4-BE49-F238E27FC236}">
+                <a16:creationId xmlns:a16="http://schemas.microsoft.com/office/drawing/2014/main" id="{5DF298B7-E668-49EA-B762-F0CC09671B9B}"/>
+              </a:ext>
+            </a:extLst>
+          </p:cNvPr>
+          <p:cNvGrpSpPr/>
+          <p:nvPr/>
+        </p:nvGrpSpPr>
+        <p:grpSpPr>
+          <a:xfrm>
+            <a:off x="5932581" y="3388155"/>
+            <a:ext cx="3240000" cy="726742"/>
+            <a:chOff x="5932581" y="3388155"/>
+            <a:chExt cx="3240000" cy="726742"/>
+          </a:xfrm>
+        </p:grpSpPr>
+        <p:pic>
+          <p:nvPicPr>
+            <p:cNvPr id="14" name="Picture 13">
+              <a:extLst>
+                <a:ext uri="{FF2B5EF4-FFF2-40B4-BE49-F238E27FC236}">
+                  <a16:creationId xmlns:a16="http://schemas.microsoft.com/office/drawing/2014/main" id="{BE063DF1-4E64-4908-9591-C4A822E1AED5}"/>
+                </a:ext>
+              </a:extLst>
+            </p:cNvPr>
+            <p:cNvPicPr>
+              <a:picLocks noChangeAspect="1"/>
+            </p:cNvPicPr>
+            <p:nvPr/>
+          </p:nvPicPr>
+          <p:blipFill>
+            <a:blip r:embed="rId2">
+              <a:extLst>
+                <a:ext uri="{28A0092B-C50C-407E-A947-70E740481C1C}">
+                  <a14:useLocalDpi xmlns:a14="http://schemas.microsoft.com/office/drawing/2010/main" val="0"/>
+                </a:ext>
+              </a:extLst>
+            </a:blip>
+            <a:stretch>
+              <a:fillRect/>
+            </a:stretch>
+          </p:blipFill>
+          <p:spPr>
+            <a:xfrm>
+              <a:off x="5932581" y="3388155"/>
+              <a:ext cx="3240000" cy="702000"/>
+            </a:xfrm>
+            <a:prstGeom prst="rect">
+              <a:avLst/>
+            </a:prstGeom>
+          </p:spPr>
+        </p:pic>
+        <p:sp>
+          <p:nvSpPr>
+            <p:cNvPr id="15" name="Rectangle 14">
+              <a:extLst>
+                <a:ext uri="{FF2B5EF4-FFF2-40B4-BE49-F238E27FC236}">
+                  <a16:creationId xmlns:a16="http://schemas.microsoft.com/office/drawing/2014/main" id="{42FD8BF4-07D9-4C08-8820-75EA92E9F94E}"/>
+                </a:ext>
+              </a:extLst>
+            </p:cNvPr>
+            <p:cNvSpPr/>
+            <p:nvPr/>
+          </p:nvSpPr>
+          <p:spPr>
+            <a:xfrm>
+              <a:off x="6487396" y="3492839"/>
+              <a:ext cx="1374419" cy="523220"/>
+            </a:xfrm>
+            <a:prstGeom prst="rect">
+              <a:avLst/>
+            </a:prstGeom>
+            <a:noFill/>
+          </p:spPr>
+          <p:txBody>
+            <a:bodyPr wrap="square" lIns="91440" tIns="45720" rIns="91440" bIns="45720">
+              <a:spAutoFit/>
+            </a:bodyPr>
+            <a:lstStyle/>
+            <a:p>
+              <a:pPr algn="ctr"/>
+              <a:r>
+                <a:rPr lang="en-US" sz="2800" b="0" cap="none" spc="0">
+                  <a:ln w="0"/>
+                  <a:solidFill>
+                    <a:srgbClr val="002060"/>
+                  </a:solidFill>
+                  <a:effectLst>
+                    <a:outerShdw blurRad="38100" dist="19050" dir="2700000" algn="tl" rotWithShape="0">
+                      <a:schemeClr val="dk1">
+                        <a:alpha val="40000"/>
+                      </a:schemeClr>
+                    </a:outerShdw>
+                  </a:effectLst>
+                  <a:latin typeface="Brush Script MT" panose="03060802040406070304" pitchFamily="66" charset="0"/>
+                </a:rPr>
+                <a:t>Trí Nhân</a:t>
+              </a:r>
+            </a:p>
+          </p:txBody>
+        </p:sp>
+        <p:sp>
+          <p:nvSpPr>
+            <p:cNvPr id="16" name="Rectangle 15">
+              <a:extLst>
+                <a:ext uri="{FF2B5EF4-FFF2-40B4-BE49-F238E27FC236}">
+                  <a16:creationId xmlns:a16="http://schemas.microsoft.com/office/drawing/2014/main" id="{21FFF250-C9FC-4540-89CC-12D27F49601F}"/>
+                </a:ext>
+              </a:extLst>
+            </p:cNvPr>
+            <p:cNvSpPr/>
+            <p:nvPr/>
+          </p:nvSpPr>
+          <p:spPr>
+            <a:xfrm>
+              <a:off x="6405822" y="3837898"/>
+              <a:ext cx="2576603" cy="276999"/>
+            </a:xfrm>
+            <a:prstGeom prst="rect">
+              <a:avLst/>
+            </a:prstGeom>
+            <a:noFill/>
+          </p:spPr>
+          <p:txBody>
+            <a:bodyPr wrap="none" lIns="91440" tIns="45720" rIns="91440" bIns="45720">
+              <a:spAutoFit/>
+            </a:bodyPr>
+            <a:lstStyle/>
+            <a:p>
+              <a:r>
+                <a:rPr lang="en-US" sz="1200" b="1">
+                  <a:solidFill>
+                    <a:srgbClr val="002060"/>
+                  </a:solidFill>
+                  <a:latin typeface="Arial Narrow" panose="020B0606020202030204" pitchFamily="34" charset="0"/>
+                </a:rPr>
+                <a:t>Data Science &amp; Application, R&amp;D Group</a:t>
+              </a:r>
+            </a:p>
+          </p:txBody>
+        </p:sp>
+        <p:grpSp>
+          <p:nvGrpSpPr>
+            <p:cNvPr id="26" name="Group 25">
+              <a:extLst>
+                <a:ext uri="{FF2B5EF4-FFF2-40B4-BE49-F238E27FC236}">
+                  <a16:creationId xmlns:a16="http://schemas.microsoft.com/office/drawing/2014/main" id="{12F4ECB0-D365-4D57-B6FA-CD53F077CCE8}"/>
+                </a:ext>
+              </a:extLst>
+            </p:cNvPr>
+            <p:cNvGrpSpPr/>
+            <p:nvPr/>
+          </p:nvGrpSpPr>
+          <p:grpSpPr>
+            <a:xfrm>
+              <a:off x="7845464" y="3583754"/>
+              <a:ext cx="1109253" cy="261610"/>
+              <a:chOff x="7981883" y="4881422"/>
+              <a:chExt cx="1109253" cy="261610"/>
+            </a:xfrm>
+          </p:grpSpPr>
+          <p:sp>
+            <p:nvSpPr>
+              <p:cNvPr id="18" name="Rectangle 17">
+                <a:extLst>
+                  <a:ext uri="{FF2B5EF4-FFF2-40B4-BE49-F238E27FC236}">
+                    <a16:creationId xmlns:a16="http://schemas.microsoft.com/office/drawing/2014/main" id="{BFBA6F47-792C-41D6-95F3-62AE3C2A99E9}"/>
+                  </a:ext>
+                </a:extLst>
+              </p:cNvPr>
+              <p:cNvSpPr/>
+              <p:nvPr/>
+            </p:nvSpPr>
+            <p:spPr>
+              <a:xfrm>
+                <a:off x="8090619" y="4881422"/>
+                <a:ext cx="909223" cy="261610"/>
+              </a:xfrm>
+              <a:prstGeom prst="rect">
+                <a:avLst/>
+              </a:prstGeom>
+              <a:noFill/>
+            </p:spPr>
+            <p:txBody>
+              <a:bodyPr wrap="none" lIns="91440" tIns="45720" rIns="91440" bIns="45720">
+                <a:spAutoFit/>
+              </a:bodyPr>
+              <a:lstStyle/>
+              <a:p>
+                <a:pPr algn="ctr"/>
+                <a:r>
+                  <a:rPr lang="en-US" sz="1100" b="0" cap="none" spc="0">
+                    <a:ln w="0"/>
+                    <a:solidFill>
+                      <a:srgbClr val="FF0000"/>
+                    </a:solidFill>
+                    <a:effectLst>
+                      <a:outerShdw blurRad="38100" dist="25400" dir="5400000" algn="ctr" rotWithShape="0">
+                        <a:srgbClr val="6E747A">
+                          <a:alpha val="43000"/>
+                        </a:srgbClr>
+                      </a:outerShdw>
+                    </a:effectLst>
+                    <a:latin typeface="Arial Narrow" panose="020B0606020202030204" pitchFamily="34" charset="0"/>
+                  </a:rPr>
+                  <a:t>Learn Forever</a:t>
+                </a:r>
+              </a:p>
+            </p:txBody>
+          </p:sp>
+          <p:cxnSp>
+            <p:nvCxnSpPr>
+              <p:cNvPr id="20" name="Straight Connector 19">
+                <a:extLst>
+                  <a:ext uri="{FF2B5EF4-FFF2-40B4-BE49-F238E27FC236}">
+                    <a16:creationId xmlns:a16="http://schemas.microsoft.com/office/drawing/2014/main" id="{3CF23C6E-2C3F-49E1-BC42-F3926DC7AE8F}"/>
+                  </a:ext>
+                </a:extLst>
+              </p:cNvPr>
+              <p:cNvCxnSpPr/>
+              <p:nvPr/>
+            </p:nvCxnSpPr>
+            <p:spPr>
+              <a:xfrm>
+                <a:off x="8908256" y="5038361"/>
+                <a:ext cx="182880" cy="0"/>
+              </a:xfrm>
+              <a:prstGeom prst="line">
+                <a:avLst/>
+              </a:prstGeom>
+              <a:ln w="19050">
+                <a:solidFill>
+                  <a:srgbClr val="FF0000"/>
+                </a:solidFill>
+              </a:ln>
+            </p:spPr>
+            <p:style>
+              <a:lnRef idx="1">
+                <a:schemeClr val="accent1"/>
+              </a:lnRef>
+              <a:fillRef idx="0">
+                <a:schemeClr val="accent1"/>
+              </a:fillRef>
+              <a:effectRef idx="0">
+                <a:schemeClr val="accent1"/>
+              </a:effectRef>
+              <a:fontRef idx="minor">
+                <a:schemeClr val="tx1"/>
+              </a:fontRef>
+            </p:style>
+          </p:cxnSp>
+          <p:cxnSp>
+            <p:nvCxnSpPr>
+              <p:cNvPr id="21" name="Straight Connector 20">
+                <a:extLst>
+                  <a:ext uri="{FF2B5EF4-FFF2-40B4-BE49-F238E27FC236}">
+                    <a16:creationId xmlns:a16="http://schemas.microsoft.com/office/drawing/2014/main" id="{EC3ED352-0DB1-4923-B2D9-BF24366D5BCE}"/>
+                  </a:ext>
+                </a:extLst>
+              </p:cNvPr>
+              <p:cNvCxnSpPr/>
+              <p:nvPr/>
+            </p:nvCxnSpPr>
+            <p:spPr>
+              <a:xfrm>
+                <a:off x="7981883" y="5038361"/>
+                <a:ext cx="182880" cy="0"/>
+              </a:xfrm>
+              <a:prstGeom prst="line">
+                <a:avLst/>
+              </a:prstGeom>
+              <a:ln w="19050">
                 <a:solidFill>
                   <a:srgbClr val="FF0000"/>
                 </a:solidFill>
@@ -4388,7 +4578,7 @@
             <p:spPr>
               <a:xfrm>
                 <a:off x="980321" y="1752658"/>
-                <a:ext cx="4675254" cy="461665"/>
+                <a:ext cx="4966873" cy="461665"/>
               </a:xfrm>
               <a:prstGeom prst="rect">
                 <a:avLst/>
@@ -4402,7 +4592,7 @@
               <a:lstStyle/>
               <a:p>
                 <a:r>
-                  <a:rPr lang="en-US" sz="2400">
+                  <a:rPr lang="en-US" sz="2400" b="1">
                     <a:solidFill>
                       <a:srgbClr val="002060"/>
                     </a:solidFill>
@@ -4455,8 +4645,8 @@
             </p:nvSpPr>
             <p:spPr>
               <a:xfrm>
-                <a:off x="2547770" y="3260436"/>
-                <a:ext cx="1507144" cy="400110"/>
+                <a:off x="2508497" y="3260436"/>
+                <a:ext cx="1585690" cy="400110"/>
               </a:xfrm>
               <a:prstGeom prst="rect">
                 <a:avLst/>
@@ -4471,7 +4661,7 @@
               <a:p>
                 <a:pPr algn="ctr"/>
                 <a:r>
-                  <a:rPr lang="en-US" sz="2000" b="0" cap="none" spc="0">
+                  <a:rPr lang="en-US" sz="2000" b="1" cap="none" spc="0">
                     <a:ln w="0"/>
                     <a:solidFill>
                       <a:srgbClr val="FF0000"/>

--- a/@docs/pics.pptx
+++ b/@docs/pics.pptx
@@ -3408,7 +3408,7 @@
         </p:nvGrpSpPr>
         <p:grpSpPr>
           <a:xfrm>
-            <a:off x="345793" y="321169"/>
+            <a:off x="549971" y="3598677"/>
             <a:ext cx="10972800" cy="2377440"/>
             <a:chOff x="345793" y="321169"/>
             <a:chExt cx="10972800" cy="2377440"/>
@@ -3513,8 +3513,8 @@
           </p:nvSpPr>
           <p:spPr>
             <a:xfrm>
-              <a:off x="5065040" y="981318"/>
-              <a:ext cx="5750805" cy="523220"/>
+              <a:off x="5314412" y="981318"/>
+              <a:ext cx="5408725" cy="523220"/>
             </a:xfrm>
             <a:prstGeom prst="rect">
               <a:avLst/>
@@ -3528,7 +3528,7 @@
             <a:lstStyle/>
             <a:p>
               <a:r>
-                <a:rPr lang="en-US" sz="2800" b="1">
+                <a:rPr lang="en-US" sz="2800">
                   <a:solidFill>
                     <a:srgbClr val="002060"/>
                   </a:solidFill>
@@ -3560,9 +3560,9 @@
           </p:nvGrpSpPr>
           <p:grpSpPr>
             <a:xfrm>
-              <a:off x="5831549" y="1438740"/>
+              <a:off x="6080921" y="1438740"/>
               <a:ext cx="3938744" cy="461665"/>
-              <a:chOff x="4771487" y="5937356"/>
+              <a:chOff x="5020859" y="5937356"/>
               <a:chExt cx="3938744" cy="461665"/>
             </a:xfrm>
           </p:grpSpPr>
@@ -3580,8 +3580,8 @@
             </p:nvSpPr>
             <p:spPr>
               <a:xfrm>
-                <a:off x="5826310" y="5937356"/>
-                <a:ext cx="1869423" cy="461665"/>
+                <a:off x="6123773" y="5937356"/>
+                <a:ext cx="1773241" cy="461665"/>
               </a:xfrm>
               <a:prstGeom prst="rect">
                 <a:avLst/>
@@ -3596,7 +3596,7 @@
               <a:p>
                 <a:pPr algn="ctr"/>
                 <a:r>
-                  <a:rPr lang="en-US" sz="2400" b="1" cap="none" spc="0">
+                  <a:rPr lang="en-US" sz="2400" cap="none" spc="0">
                     <a:ln w="0"/>
                     <a:solidFill>
                       <a:srgbClr val="FF0000"/>
@@ -3629,7 +3629,7 @@
             </p:nvCxnSpPr>
             <p:spPr>
               <a:xfrm>
-                <a:off x="4771487" y="6218804"/>
+                <a:off x="5020859" y="6218804"/>
                 <a:ext cx="1140120" cy="0"/>
               </a:xfrm>
               <a:prstGeom prst="line">
@@ -3670,7 +3670,7 @@
             </p:nvCxnSpPr>
             <p:spPr>
               <a:xfrm>
-                <a:off x="7570111" y="6218804"/>
+                <a:off x="7819483" y="6218804"/>
                 <a:ext cx="1140120" cy="0"/>
               </a:xfrm>
               <a:prstGeom prst="line">
@@ -3713,7 +3713,7 @@
         </p:nvGrpSpPr>
         <p:grpSpPr>
           <a:xfrm>
-            <a:off x="5932581" y="3388155"/>
+            <a:off x="7853745" y="686284"/>
             <a:ext cx="3240000" cy="726742"/>
             <a:chOff x="5932581" y="3388155"/>
             <a:chExt cx="3240000" cy="726742"/>
@@ -3997,6 +3997,764 @@
           </p:cxnSp>
         </p:grpSp>
       </p:grpSp>
+      <p:grpSp>
+        <p:nvGrpSpPr>
+          <p:cNvPr id="9" name="Group 8">
+            <a:extLst>
+              <a:ext uri="{FF2B5EF4-FFF2-40B4-BE49-F238E27FC236}">
+                <a16:creationId xmlns:a16="http://schemas.microsoft.com/office/drawing/2014/main" id="{051F21F6-B601-4152-BE97-5002C03C6FF1}"/>
+              </a:ext>
+            </a:extLst>
+          </p:cNvPr>
+          <p:cNvGrpSpPr/>
+          <p:nvPr/>
+        </p:nvGrpSpPr>
+        <p:grpSpPr>
+          <a:xfrm>
+            <a:off x="549973" y="438766"/>
+            <a:ext cx="3236976" cy="1008521"/>
+            <a:chOff x="549973" y="438766"/>
+            <a:chExt cx="3236976" cy="1008521"/>
+          </a:xfrm>
+        </p:grpSpPr>
+        <p:grpSp>
+          <p:nvGrpSpPr>
+            <p:cNvPr id="6" name="Group 5">
+              <a:extLst>
+                <a:ext uri="{FF2B5EF4-FFF2-40B4-BE49-F238E27FC236}">
+                  <a16:creationId xmlns:a16="http://schemas.microsoft.com/office/drawing/2014/main" id="{A1362593-BB23-4993-AC03-B674573FF3A0}"/>
+                </a:ext>
+              </a:extLst>
+            </p:cNvPr>
+            <p:cNvGrpSpPr/>
+            <p:nvPr/>
+          </p:nvGrpSpPr>
+          <p:grpSpPr>
+            <a:xfrm>
+              <a:off x="549973" y="438766"/>
+              <a:ext cx="3236976" cy="1008521"/>
+              <a:chOff x="549973" y="438766"/>
+              <a:chExt cx="3236976" cy="1008521"/>
+            </a:xfrm>
+          </p:grpSpPr>
+          <p:sp>
+            <p:nvSpPr>
+              <p:cNvPr id="30" name="Rectangle 29">
+                <a:extLst>
+                  <a:ext uri="{FF2B5EF4-FFF2-40B4-BE49-F238E27FC236}">
+                    <a16:creationId xmlns:a16="http://schemas.microsoft.com/office/drawing/2014/main" id="{CBB60124-DCE2-4B8D-8B8D-907D04950522}"/>
+                  </a:ext>
+                </a:extLst>
+              </p:cNvPr>
+              <p:cNvSpPr/>
+              <p:nvPr/>
+            </p:nvSpPr>
+            <p:spPr>
+              <a:xfrm>
+                <a:off x="549973" y="1170287"/>
+                <a:ext cx="3236976" cy="277000"/>
+              </a:xfrm>
+              <a:prstGeom prst="rect">
+                <a:avLst/>
+              </a:prstGeom>
+              <a:solidFill>
+                <a:schemeClr val="bg1">
+                  <a:lumMod val="95000"/>
+                </a:schemeClr>
+              </a:solidFill>
+              <a:ln>
+                <a:noFill/>
+              </a:ln>
+            </p:spPr>
+            <p:style>
+              <a:lnRef idx="2">
+                <a:schemeClr val="accent1">
+                  <a:shade val="50000"/>
+                </a:schemeClr>
+              </a:lnRef>
+              <a:fillRef idx="1">
+                <a:schemeClr val="accent1"/>
+              </a:fillRef>
+              <a:effectRef idx="0">
+                <a:schemeClr val="accent1"/>
+              </a:effectRef>
+              <a:fontRef idx="minor">
+                <a:schemeClr val="lt1"/>
+              </a:fontRef>
+            </p:style>
+            <p:txBody>
+              <a:bodyPr rtlCol="0" anchor="ctr"/>
+              <a:lstStyle/>
+              <a:p>
+                <a:pPr algn="ctr"/>
+                <a:endParaRPr lang="en-US"/>
+              </a:p>
+            </p:txBody>
+          </p:sp>
+          <p:pic>
+            <p:nvPicPr>
+              <p:cNvPr id="31" name="Picture 30">
+                <a:extLst>
+                  <a:ext uri="{FF2B5EF4-FFF2-40B4-BE49-F238E27FC236}">
+                    <a16:creationId xmlns:a16="http://schemas.microsoft.com/office/drawing/2014/main" id="{1679AF28-0C8F-4AD0-BC37-31A2CB5B3D5E}"/>
+                  </a:ext>
+                </a:extLst>
+              </p:cNvPr>
+              <p:cNvPicPr>
+                <a:picLocks/>
+              </p:cNvPicPr>
+              <p:nvPr/>
+            </p:nvPicPr>
+            <p:blipFill rotWithShape="1">
+              <a:blip r:embed="rId2">
+                <a:extLst>
+                  <a:ext uri="{28A0092B-C50C-407E-A947-70E740481C1C}">
+                    <a14:useLocalDpi xmlns:a14="http://schemas.microsoft.com/office/drawing/2010/main" val="0"/>
+                  </a:ext>
+                </a:extLst>
+              </a:blip>
+              <a:srcRect b="4598"/>
+              <a:stretch/>
+            </p:blipFill>
+            <p:spPr>
+              <a:xfrm>
+                <a:off x="549973" y="438766"/>
+                <a:ext cx="3236976" cy="731520"/>
+              </a:xfrm>
+              <a:prstGeom prst="rect">
+                <a:avLst/>
+              </a:prstGeom>
+            </p:spPr>
+          </p:pic>
+          <p:sp>
+            <p:nvSpPr>
+              <p:cNvPr id="32" name="Rectangle 31">
+                <a:extLst>
+                  <a:ext uri="{FF2B5EF4-FFF2-40B4-BE49-F238E27FC236}">
+                    <a16:creationId xmlns:a16="http://schemas.microsoft.com/office/drawing/2014/main" id="{FC50F501-657C-4A89-B2D1-EBC59C11CF20}"/>
+                  </a:ext>
+                </a:extLst>
+              </p:cNvPr>
+              <p:cNvSpPr/>
+              <p:nvPr/>
+            </p:nvSpPr>
+            <p:spPr>
+              <a:xfrm>
+                <a:off x="1527548" y="568678"/>
+                <a:ext cx="1281826" cy="523220"/>
+              </a:xfrm>
+              <a:prstGeom prst="rect">
+                <a:avLst/>
+              </a:prstGeom>
+              <a:noFill/>
+            </p:spPr>
+            <p:txBody>
+              <a:bodyPr wrap="none" lIns="91440" tIns="45720" rIns="91440" bIns="45720">
+                <a:spAutoFit/>
+              </a:bodyPr>
+              <a:lstStyle/>
+              <a:p>
+                <a:pPr algn="ctr"/>
+                <a:r>
+                  <a:rPr lang="en-US" sz="2800" b="0" cap="none" spc="0">
+                    <a:ln w="0"/>
+                    <a:solidFill>
+                      <a:srgbClr val="002060"/>
+                    </a:solidFill>
+                    <a:effectLst>
+                      <a:outerShdw blurRad="38100" dist="19050" dir="2700000" algn="tl" rotWithShape="0">
+                        <a:schemeClr val="dk1">
+                          <a:alpha val="40000"/>
+                        </a:schemeClr>
+                      </a:outerShdw>
+                    </a:effectLst>
+                    <a:latin typeface="Brush Script MT" panose="03060802040406070304" pitchFamily="66" charset="0"/>
+                  </a:rPr>
+                  <a:t>Trí Nhân</a:t>
+                </a:r>
+              </a:p>
+            </p:txBody>
+          </p:sp>
+          <p:sp>
+            <p:nvSpPr>
+              <p:cNvPr id="33" name="Rectangle 32">
+                <a:extLst>
+                  <a:ext uri="{FF2B5EF4-FFF2-40B4-BE49-F238E27FC236}">
+                    <a16:creationId xmlns:a16="http://schemas.microsoft.com/office/drawing/2014/main" id="{6FE6D168-8E98-43A9-A480-A33410066613}"/>
+                  </a:ext>
+                </a:extLst>
+              </p:cNvPr>
+              <p:cNvSpPr/>
+              <p:nvPr/>
+            </p:nvSpPr>
+            <p:spPr>
+              <a:xfrm>
+                <a:off x="955083" y="964885"/>
+                <a:ext cx="2426755" cy="276999"/>
+              </a:xfrm>
+              <a:prstGeom prst="rect">
+                <a:avLst/>
+              </a:prstGeom>
+              <a:noFill/>
+            </p:spPr>
+            <p:txBody>
+              <a:bodyPr wrap="none" lIns="91440" tIns="45720" rIns="91440" bIns="45720">
+                <a:spAutoFit/>
+              </a:bodyPr>
+              <a:lstStyle/>
+              <a:p>
+                <a:r>
+                  <a:rPr lang="en-US" sz="1200">
+                    <a:solidFill>
+                      <a:srgbClr val="002060"/>
+                    </a:solidFill>
+                    <a:effectLst>
+                      <a:outerShdw blurRad="38100" dist="38100" dir="2700000" algn="tl">
+                        <a:srgbClr val="000000">
+                          <a:alpha val="43137"/>
+                        </a:srgbClr>
+                      </a:outerShdw>
+                    </a:effectLst>
+                    <a:latin typeface="Arial Narrow" panose="020B0606020202030204" pitchFamily="34" charset="0"/>
+                  </a:rPr>
+                  <a:t>Data Science &amp; Application, R&amp;D Group</a:t>
+                </a:r>
+              </a:p>
+            </p:txBody>
+          </p:sp>
+        </p:grpSp>
+        <p:grpSp>
+          <p:nvGrpSpPr>
+            <p:cNvPr id="5" name="Group 4">
+              <a:extLst>
+                <a:ext uri="{FF2B5EF4-FFF2-40B4-BE49-F238E27FC236}">
+                  <a16:creationId xmlns:a16="http://schemas.microsoft.com/office/drawing/2014/main" id="{F65F512D-2E04-4FA6-B333-DB9B25281F8E}"/>
+                </a:ext>
+              </a:extLst>
+            </p:cNvPr>
+            <p:cNvGrpSpPr/>
+            <p:nvPr/>
+          </p:nvGrpSpPr>
+          <p:grpSpPr>
+            <a:xfrm>
+              <a:off x="1226164" y="1150584"/>
+              <a:ext cx="1884592" cy="261610"/>
+              <a:chOff x="8343502" y="2544082"/>
+              <a:chExt cx="1884592" cy="261610"/>
+            </a:xfrm>
+          </p:grpSpPr>
+          <p:sp>
+            <p:nvSpPr>
+              <p:cNvPr id="25" name="Rectangle 24">
+                <a:extLst>
+                  <a:ext uri="{FF2B5EF4-FFF2-40B4-BE49-F238E27FC236}">
+                    <a16:creationId xmlns:a16="http://schemas.microsoft.com/office/drawing/2014/main" id="{BAFA4087-126A-4E77-88BF-5E73E02B613B}"/>
+                  </a:ext>
+                </a:extLst>
+              </p:cNvPr>
+              <p:cNvSpPr/>
+              <p:nvPr/>
+            </p:nvSpPr>
+            <p:spPr>
+              <a:xfrm>
+                <a:off x="8834883" y="2544082"/>
+                <a:ext cx="909223" cy="261610"/>
+              </a:xfrm>
+              <a:prstGeom prst="rect">
+                <a:avLst/>
+              </a:prstGeom>
+              <a:noFill/>
+            </p:spPr>
+            <p:txBody>
+              <a:bodyPr wrap="none" lIns="91440" tIns="45720" rIns="91440" bIns="45720">
+                <a:spAutoFit/>
+              </a:bodyPr>
+              <a:lstStyle/>
+              <a:p>
+                <a:pPr algn="ctr"/>
+                <a:r>
+                  <a:rPr lang="en-US" sz="1100" cap="none" spc="0">
+                    <a:ln w="0"/>
+                    <a:solidFill>
+                      <a:srgbClr val="FF0000"/>
+                    </a:solidFill>
+                    <a:effectLst>
+                      <a:outerShdw blurRad="38100" dist="25400" dir="5400000" algn="ctr" rotWithShape="0">
+                        <a:srgbClr val="6E747A">
+                          <a:alpha val="43000"/>
+                        </a:srgbClr>
+                      </a:outerShdw>
+                    </a:effectLst>
+                    <a:latin typeface="Arial Narrow" panose="020B0606020202030204" pitchFamily="34" charset="0"/>
+                  </a:rPr>
+                  <a:t>Learn Forever</a:t>
+                </a:r>
+              </a:p>
+            </p:txBody>
+          </p:sp>
+          <p:cxnSp>
+            <p:nvCxnSpPr>
+              <p:cNvPr id="28" name="Straight Connector 27">
+                <a:extLst>
+                  <a:ext uri="{FF2B5EF4-FFF2-40B4-BE49-F238E27FC236}">
+                    <a16:creationId xmlns:a16="http://schemas.microsoft.com/office/drawing/2014/main" id="{8D443F1D-F44E-48F8-B072-D0460183A349}"/>
+                  </a:ext>
+                </a:extLst>
+              </p:cNvPr>
+              <p:cNvCxnSpPr/>
+              <p:nvPr/>
+            </p:nvCxnSpPr>
+            <p:spPr>
+              <a:xfrm>
+                <a:off x="8343502" y="2674887"/>
+                <a:ext cx="548640" cy="0"/>
+              </a:xfrm>
+              <a:prstGeom prst="line">
+                <a:avLst/>
+              </a:prstGeom>
+              <a:ln w="12700">
+                <a:solidFill>
+                  <a:srgbClr val="FF0000"/>
+                </a:solidFill>
+              </a:ln>
+            </p:spPr>
+            <p:style>
+              <a:lnRef idx="1">
+                <a:schemeClr val="accent1"/>
+              </a:lnRef>
+              <a:fillRef idx="0">
+                <a:schemeClr val="accent1"/>
+              </a:fillRef>
+              <a:effectRef idx="0">
+                <a:schemeClr val="accent1"/>
+              </a:effectRef>
+              <a:fontRef idx="minor">
+                <a:schemeClr val="tx1"/>
+              </a:fontRef>
+            </p:style>
+          </p:cxnSp>
+          <p:cxnSp>
+            <p:nvCxnSpPr>
+              <p:cNvPr id="34" name="Straight Connector 33">
+                <a:extLst>
+                  <a:ext uri="{FF2B5EF4-FFF2-40B4-BE49-F238E27FC236}">
+                    <a16:creationId xmlns:a16="http://schemas.microsoft.com/office/drawing/2014/main" id="{155C7122-00AF-4382-B92D-28079AE762C2}"/>
+                  </a:ext>
+                </a:extLst>
+              </p:cNvPr>
+              <p:cNvCxnSpPr/>
+              <p:nvPr/>
+            </p:nvCxnSpPr>
+            <p:spPr>
+              <a:xfrm>
+                <a:off x="9679454" y="2674887"/>
+                <a:ext cx="548640" cy="0"/>
+              </a:xfrm>
+              <a:prstGeom prst="line">
+                <a:avLst/>
+              </a:prstGeom>
+              <a:ln w="12700">
+                <a:solidFill>
+                  <a:srgbClr val="FF0000"/>
+                </a:solidFill>
+              </a:ln>
+            </p:spPr>
+            <p:style>
+              <a:lnRef idx="1">
+                <a:schemeClr val="accent1"/>
+              </a:lnRef>
+              <a:fillRef idx="0">
+                <a:schemeClr val="accent1"/>
+              </a:fillRef>
+              <a:effectRef idx="0">
+                <a:schemeClr val="accent1"/>
+              </a:effectRef>
+              <a:fontRef idx="minor">
+                <a:schemeClr val="tx1"/>
+              </a:fontRef>
+            </p:style>
+          </p:cxnSp>
+        </p:grpSp>
+      </p:grpSp>
+      <p:grpSp>
+        <p:nvGrpSpPr>
+          <p:cNvPr id="53" name="Group 52">
+            <a:extLst>
+              <a:ext uri="{FF2B5EF4-FFF2-40B4-BE49-F238E27FC236}">
+                <a16:creationId xmlns:a16="http://schemas.microsoft.com/office/drawing/2014/main" id="{DF76C50E-F081-4163-B72A-D18AB45C53B0}"/>
+              </a:ext>
+            </a:extLst>
+          </p:cNvPr>
+          <p:cNvGrpSpPr/>
+          <p:nvPr/>
+        </p:nvGrpSpPr>
+        <p:grpSpPr>
+          <a:xfrm>
+            <a:off x="735335" y="1962581"/>
+            <a:ext cx="3236976" cy="780095"/>
+            <a:chOff x="735335" y="1962581"/>
+            <a:chExt cx="3236976" cy="780095"/>
+          </a:xfrm>
+        </p:grpSpPr>
+        <p:grpSp>
+          <p:nvGrpSpPr>
+            <p:cNvPr id="51" name="Group 50">
+              <a:extLst>
+                <a:ext uri="{FF2B5EF4-FFF2-40B4-BE49-F238E27FC236}">
+                  <a16:creationId xmlns:a16="http://schemas.microsoft.com/office/drawing/2014/main" id="{98E36551-D371-40A1-ABEA-5F246C4C2FAD}"/>
+                </a:ext>
+              </a:extLst>
+            </p:cNvPr>
+            <p:cNvGrpSpPr/>
+            <p:nvPr/>
+          </p:nvGrpSpPr>
+          <p:grpSpPr>
+            <a:xfrm>
+              <a:off x="735335" y="1988122"/>
+              <a:ext cx="3236976" cy="731520"/>
+              <a:chOff x="735335" y="1988122"/>
+              <a:chExt cx="3236976" cy="902683"/>
+            </a:xfrm>
+          </p:grpSpPr>
+          <p:sp>
+            <p:nvSpPr>
+              <p:cNvPr id="46" name="Rectangle 45">
+                <a:extLst>
+                  <a:ext uri="{FF2B5EF4-FFF2-40B4-BE49-F238E27FC236}">
+                    <a16:creationId xmlns:a16="http://schemas.microsoft.com/office/drawing/2014/main" id="{957327EA-61D6-417B-8467-B2FC5560A236}"/>
+                  </a:ext>
+                </a:extLst>
+              </p:cNvPr>
+              <p:cNvSpPr/>
+              <p:nvPr/>
+            </p:nvSpPr>
+            <p:spPr>
+              <a:xfrm>
+                <a:off x="735335" y="2639731"/>
+                <a:ext cx="3236976" cy="251074"/>
+              </a:xfrm>
+              <a:prstGeom prst="rect">
+                <a:avLst/>
+              </a:prstGeom>
+              <a:solidFill>
+                <a:schemeClr val="bg1">
+                  <a:lumMod val="95000"/>
+                </a:schemeClr>
+              </a:solidFill>
+              <a:ln>
+                <a:noFill/>
+              </a:ln>
+            </p:spPr>
+            <p:style>
+              <a:lnRef idx="2">
+                <a:schemeClr val="accent1">
+                  <a:shade val="50000"/>
+                </a:schemeClr>
+              </a:lnRef>
+              <a:fillRef idx="1">
+                <a:schemeClr val="accent1"/>
+              </a:fillRef>
+              <a:effectRef idx="0">
+                <a:schemeClr val="accent1"/>
+              </a:effectRef>
+              <a:fontRef idx="minor">
+                <a:schemeClr val="lt1"/>
+              </a:fontRef>
+            </p:style>
+            <p:txBody>
+              <a:bodyPr rtlCol="0" anchor="ctr"/>
+              <a:lstStyle/>
+              <a:p>
+                <a:pPr algn="ctr"/>
+                <a:endParaRPr lang="en-US"/>
+              </a:p>
+            </p:txBody>
+          </p:sp>
+          <p:pic>
+            <p:nvPicPr>
+              <p:cNvPr id="47" name="Picture 46">
+                <a:extLst>
+                  <a:ext uri="{FF2B5EF4-FFF2-40B4-BE49-F238E27FC236}">
+                    <a16:creationId xmlns:a16="http://schemas.microsoft.com/office/drawing/2014/main" id="{DF9AC6A5-6392-45A7-85DD-30187D34671A}"/>
+                  </a:ext>
+                </a:extLst>
+              </p:cNvPr>
+              <p:cNvPicPr>
+                <a:picLocks/>
+              </p:cNvPicPr>
+              <p:nvPr/>
+            </p:nvPicPr>
+            <p:blipFill rotWithShape="1">
+              <a:blip r:embed="rId2">
+                <a:extLst>
+                  <a:ext uri="{28A0092B-C50C-407E-A947-70E740481C1C}">
+                    <a14:useLocalDpi xmlns:a14="http://schemas.microsoft.com/office/drawing/2010/main" val="0"/>
+                  </a:ext>
+                </a:extLst>
+              </a:blip>
+              <a:srcRect t="15417" b="4598"/>
+              <a:stretch/>
+            </p:blipFill>
+            <p:spPr>
+              <a:xfrm>
+                <a:off x="735335" y="1988122"/>
+                <a:ext cx="3236976" cy="651608"/>
+              </a:xfrm>
+              <a:prstGeom prst="rect">
+                <a:avLst/>
+              </a:prstGeom>
+            </p:spPr>
+          </p:pic>
+        </p:grpSp>
+        <p:sp>
+          <p:nvSpPr>
+            <p:cNvPr id="48" name="Rectangle 47">
+              <a:extLst>
+                <a:ext uri="{FF2B5EF4-FFF2-40B4-BE49-F238E27FC236}">
+                  <a16:creationId xmlns:a16="http://schemas.microsoft.com/office/drawing/2014/main" id="{920A9870-2FD1-4C36-9487-CA3D2AAE439E}"/>
+                </a:ext>
+              </a:extLst>
+            </p:cNvPr>
+            <p:cNvSpPr/>
+            <p:nvPr/>
+          </p:nvSpPr>
+          <p:spPr>
+            <a:xfrm>
+              <a:off x="1712910" y="1962581"/>
+              <a:ext cx="1281826" cy="555898"/>
+            </a:xfrm>
+            <a:prstGeom prst="rect">
+              <a:avLst/>
+            </a:prstGeom>
+            <a:noFill/>
+          </p:spPr>
+          <p:txBody>
+            <a:bodyPr wrap="none" lIns="91440" tIns="45720" rIns="91440" bIns="45720">
+              <a:spAutoFit/>
+            </a:bodyPr>
+            <a:lstStyle/>
+            <a:p>
+              <a:pPr algn="ctr"/>
+              <a:r>
+                <a:rPr lang="en-US" sz="2800" b="0" cap="none" spc="0">
+                  <a:ln w="0"/>
+                  <a:solidFill>
+                    <a:srgbClr val="002060"/>
+                  </a:solidFill>
+                  <a:effectLst>
+                    <a:outerShdw blurRad="38100" dist="19050" dir="2700000" algn="tl" rotWithShape="0">
+                      <a:schemeClr val="dk1">
+                        <a:alpha val="40000"/>
+                      </a:schemeClr>
+                    </a:outerShdw>
+                  </a:effectLst>
+                  <a:latin typeface="Brush Script MT" panose="03060802040406070304" pitchFamily="66" charset="0"/>
+                </a:rPr>
+                <a:t>Trí Nhân</a:t>
+              </a:r>
+            </a:p>
+          </p:txBody>
+        </p:sp>
+        <p:sp>
+          <p:nvSpPr>
+            <p:cNvPr id="49" name="Rectangle 48">
+              <a:extLst>
+                <a:ext uri="{FF2B5EF4-FFF2-40B4-BE49-F238E27FC236}">
+                  <a16:creationId xmlns:a16="http://schemas.microsoft.com/office/drawing/2014/main" id="{3E17B9B9-A103-4E8C-96D8-678F9EF4E3E7}"/>
+                </a:ext>
+              </a:extLst>
+            </p:cNvPr>
+            <p:cNvSpPr/>
+            <p:nvPr/>
+          </p:nvSpPr>
+          <p:spPr>
+            <a:xfrm>
+              <a:off x="1140445" y="2301366"/>
+              <a:ext cx="2426755" cy="294299"/>
+            </a:xfrm>
+            <a:prstGeom prst="rect">
+              <a:avLst/>
+            </a:prstGeom>
+            <a:noFill/>
+          </p:spPr>
+          <p:txBody>
+            <a:bodyPr wrap="none" lIns="91440" tIns="45720" rIns="91440" bIns="45720">
+              <a:spAutoFit/>
+            </a:bodyPr>
+            <a:lstStyle/>
+            <a:p>
+              <a:r>
+                <a:rPr lang="en-US" sz="1200">
+                  <a:solidFill>
+                    <a:srgbClr val="002060"/>
+                  </a:solidFill>
+                  <a:effectLst>
+                    <a:outerShdw blurRad="38100" dist="38100" dir="2700000" algn="tl">
+                      <a:srgbClr val="000000">
+                        <a:alpha val="43137"/>
+                      </a:srgbClr>
+                    </a:outerShdw>
+                  </a:effectLst>
+                  <a:latin typeface="Arial Narrow" panose="020B0606020202030204" pitchFamily="34" charset="0"/>
+                </a:rPr>
+                <a:t>Data Science &amp; Application, R&amp;D Group</a:t>
+              </a:r>
+            </a:p>
+          </p:txBody>
+        </p:sp>
+        <p:grpSp>
+          <p:nvGrpSpPr>
+            <p:cNvPr id="42" name="Group 41">
+              <a:extLst>
+                <a:ext uri="{FF2B5EF4-FFF2-40B4-BE49-F238E27FC236}">
+                  <a16:creationId xmlns:a16="http://schemas.microsoft.com/office/drawing/2014/main" id="{78E02CEE-3617-4E51-AEF4-138C8E3EB8EC}"/>
+                </a:ext>
+              </a:extLst>
+            </p:cNvPr>
+            <p:cNvGrpSpPr/>
+            <p:nvPr/>
+          </p:nvGrpSpPr>
+          <p:grpSpPr>
+            <a:xfrm>
+              <a:off x="1411526" y="2464727"/>
+              <a:ext cx="1884592" cy="277949"/>
+              <a:chOff x="8343502" y="2544082"/>
+              <a:chExt cx="1884592" cy="261610"/>
+            </a:xfrm>
+          </p:grpSpPr>
+          <p:sp>
+            <p:nvSpPr>
+              <p:cNvPr id="43" name="Rectangle 42">
+                <a:extLst>
+                  <a:ext uri="{FF2B5EF4-FFF2-40B4-BE49-F238E27FC236}">
+                    <a16:creationId xmlns:a16="http://schemas.microsoft.com/office/drawing/2014/main" id="{13946967-BAF9-4C1F-A125-10ABC09D8C8B}"/>
+                  </a:ext>
+                </a:extLst>
+              </p:cNvPr>
+              <p:cNvSpPr/>
+              <p:nvPr/>
+            </p:nvSpPr>
+            <p:spPr>
+              <a:xfrm>
+                <a:off x="8834883" y="2544082"/>
+                <a:ext cx="909223" cy="261610"/>
+              </a:xfrm>
+              <a:prstGeom prst="rect">
+                <a:avLst/>
+              </a:prstGeom>
+              <a:noFill/>
+            </p:spPr>
+            <p:txBody>
+              <a:bodyPr wrap="none" lIns="91440" tIns="45720" rIns="91440" bIns="45720">
+                <a:spAutoFit/>
+              </a:bodyPr>
+              <a:lstStyle/>
+              <a:p>
+                <a:pPr algn="ctr"/>
+                <a:r>
+                  <a:rPr lang="en-US" sz="1100" cap="none" spc="0">
+                    <a:ln w="0"/>
+                    <a:solidFill>
+                      <a:srgbClr val="FF0000"/>
+                    </a:solidFill>
+                    <a:effectLst>
+                      <a:outerShdw blurRad="38100" dist="25400" dir="5400000" algn="ctr" rotWithShape="0">
+                        <a:srgbClr val="6E747A">
+                          <a:alpha val="43000"/>
+                        </a:srgbClr>
+                      </a:outerShdw>
+                    </a:effectLst>
+                    <a:latin typeface="Arial Narrow" panose="020B0606020202030204" pitchFamily="34" charset="0"/>
+                  </a:rPr>
+                  <a:t>Learn Forever</a:t>
+                </a:r>
+              </a:p>
+            </p:txBody>
+          </p:sp>
+          <p:cxnSp>
+            <p:nvCxnSpPr>
+              <p:cNvPr id="44" name="Straight Connector 43">
+                <a:extLst>
+                  <a:ext uri="{FF2B5EF4-FFF2-40B4-BE49-F238E27FC236}">
+                    <a16:creationId xmlns:a16="http://schemas.microsoft.com/office/drawing/2014/main" id="{FF50B4F5-B386-49CE-8219-E9B4CB98D743}"/>
+                  </a:ext>
+                </a:extLst>
+              </p:cNvPr>
+              <p:cNvCxnSpPr/>
+              <p:nvPr/>
+            </p:nvCxnSpPr>
+            <p:spPr>
+              <a:xfrm>
+                <a:off x="8343502" y="2674887"/>
+                <a:ext cx="548640" cy="0"/>
+              </a:xfrm>
+              <a:prstGeom prst="line">
+                <a:avLst/>
+              </a:prstGeom>
+              <a:ln w="12700">
+                <a:solidFill>
+                  <a:srgbClr val="FF0000"/>
+                </a:solidFill>
+              </a:ln>
+            </p:spPr>
+            <p:style>
+              <a:lnRef idx="1">
+                <a:schemeClr val="accent1"/>
+              </a:lnRef>
+              <a:fillRef idx="0">
+                <a:schemeClr val="accent1"/>
+              </a:fillRef>
+              <a:effectRef idx="0">
+                <a:schemeClr val="accent1"/>
+              </a:effectRef>
+              <a:fontRef idx="minor">
+                <a:schemeClr val="tx1"/>
+              </a:fontRef>
+            </p:style>
+          </p:cxnSp>
+          <p:cxnSp>
+            <p:nvCxnSpPr>
+              <p:cNvPr id="45" name="Straight Connector 44">
+                <a:extLst>
+                  <a:ext uri="{FF2B5EF4-FFF2-40B4-BE49-F238E27FC236}">
+                    <a16:creationId xmlns:a16="http://schemas.microsoft.com/office/drawing/2014/main" id="{8EF184E9-62D5-4A87-B481-A0862F439E20}"/>
+                  </a:ext>
+                </a:extLst>
+              </p:cNvPr>
+              <p:cNvCxnSpPr/>
+              <p:nvPr/>
+            </p:nvCxnSpPr>
+            <p:spPr>
+              <a:xfrm>
+                <a:off x="9679454" y="2674887"/>
+                <a:ext cx="548640" cy="0"/>
+              </a:xfrm>
+              <a:prstGeom prst="line">
+                <a:avLst/>
+              </a:prstGeom>
+              <a:ln w="12700">
+                <a:solidFill>
+                  <a:srgbClr val="FF0000"/>
+                </a:solidFill>
+              </a:ln>
+            </p:spPr>
+            <p:style>
+              <a:lnRef idx="1">
+                <a:schemeClr val="accent1"/>
+              </a:lnRef>
+              <a:fillRef idx="0">
+                <a:schemeClr val="accent1"/>
+              </a:fillRef>
+              <a:effectRef idx="0">
+                <a:schemeClr val="accent1"/>
+              </a:effectRef>
+              <a:fontRef idx="minor">
+                <a:schemeClr val="tx1"/>
+              </a:fontRef>
+            </p:style>
+          </p:cxnSp>
+        </p:grpSp>
+      </p:grpSp>
     </p:spTree>
     <p:extLst>
       <p:ext uri="{BB962C8B-B14F-4D97-AF65-F5344CB8AC3E}">
@@ -4578,7 +5336,7 @@
             <p:spPr>
               <a:xfrm>
                 <a:off x="980321" y="1752658"/>
-                <a:ext cx="4966873" cy="461665"/>
+                <a:ext cx="4675254" cy="461665"/>
               </a:xfrm>
               <a:prstGeom prst="rect">
                 <a:avLst/>
@@ -4592,7 +5350,7 @@
               <a:lstStyle/>
               <a:p>
                 <a:r>
-                  <a:rPr lang="en-US" sz="2400" b="1">
+                  <a:rPr lang="en-US" sz="2400">
                     <a:solidFill>
                       <a:srgbClr val="002060"/>
                     </a:solidFill>
@@ -4645,8 +5403,8 @@
             </p:nvSpPr>
             <p:spPr>
               <a:xfrm>
-                <a:off x="2508497" y="3260436"/>
-                <a:ext cx="1585690" cy="400110"/>
+                <a:off x="2547770" y="3260436"/>
+                <a:ext cx="1507143" cy="400110"/>
               </a:xfrm>
               <a:prstGeom prst="rect">
                 <a:avLst/>
@@ -4661,7 +5419,7 @@
               <a:p>
                 <a:pPr algn="ctr"/>
                 <a:r>
-                  <a:rPr lang="en-US" sz="2000" b="1" cap="none" spc="0">
+                  <a:rPr lang="en-US" sz="2000" cap="none" spc="0">
                     <a:ln w="0"/>
                     <a:solidFill>
                       <a:srgbClr val="FF0000"/>

--- a/@docs/pics.pptx
+++ b/@docs/pics.pptx
@@ -8,6 +8,7 @@
     <p:sldId id="256" r:id="rId2"/>
     <p:sldId id="259" r:id="rId3"/>
     <p:sldId id="260" r:id="rId4"/>
+    <p:sldId id="261" r:id="rId5"/>
   </p:sldIdLst>
   <p:sldSz cx="12192000" cy="6858000"/>
   <p:notesSz cx="6858000" cy="9144000"/>
@@ -3396,10 +3397,10 @@
       </p:grpSpPr>
       <p:grpSp>
         <p:nvGrpSpPr>
-          <p:cNvPr id="24" name="Group 23">
-            <a:extLst>
-              <a:ext uri="{FF2B5EF4-FFF2-40B4-BE49-F238E27FC236}">
-                <a16:creationId xmlns:a16="http://schemas.microsoft.com/office/drawing/2014/main" id="{EAD48F66-5A90-4533-BB7C-9E00A51E4B94}"/>
+          <p:cNvPr id="13" name="Group 12">
+            <a:extLst>
+              <a:ext uri="{FF2B5EF4-FFF2-40B4-BE49-F238E27FC236}">
+                <a16:creationId xmlns:a16="http://schemas.microsoft.com/office/drawing/2014/main" id="{347A0459-7798-4E61-AF8B-BC1B8D5C75F8}"/>
               </a:ext>
             </a:extLst>
           </p:cNvPr>
@@ -3408,9 +3409,9 @@
         </p:nvGrpSpPr>
         <p:grpSpPr>
           <a:xfrm>
-            <a:off x="549971" y="3598677"/>
+            <a:off x="356007" y="4115325"/>
             <a:ext cx="10972800" cy="2377440"/>
-            <a:chOff x="345793" y="321169"/>
+            <a:chOff x="356007" y="4115325"/>
             <a:chExt cx="10972800" cy="2377440"/>
           </a:xfrm>
         </p:grpSpPr>
@@ -3442,7 +3443,7 @@
           </p:blipFill>
           <p:spPr>
             <a:xfrm>
-              <a:off x="345793" y="321169"/>
+              <a:off x="356007" y="4115325"/>
               <a:ext cx="10972800" cy="2377440"/>
             </a:xfrm>
             <a:prstGeom prst="rect">
@@ -3464,7 +3465,7 @@
           </p:nvSpPr>
           <p:spPr>
             <a:xfrm>
-              <a:off x="2450079" y="1067407"/>
+              <a:off x="2460293" y="4861563"/>
               <a:ext cx="2304221" cy="923330"/>
             </a:xfrm>
             <a:prstGeom prst="rect">
@@ -3513,7 +3514,7 @@
           </p:nvSpPr>
           <p:spPr>
             <a:xfrm>
-              <a:off x="5314412" y="981318"/>
+              <a:off x="5324626" y="4775474"/>
               <a:ext cx="5408725" cy="523220"/>
             </a:xfrm>
             <a:prstGeom prst="rect">
@@ -3560,7 +3561,7 @@
           </p:nvGrpSpPr>
           <p:grpSpPr>
             <a:xfrm>
-              <a:off x="6080921" y="1438740"/>
+              <a:off x="6091135" y="5232896"/>
               <a:ext cx="3938744" cy="461665"/>
               <a:chOff x="5020859" y="5937356"/>
               <a:chExt cx="3938744" cy="461665"/>
@@ -4755,6 +4756,223 @@
           </p:cxnSp>
         </p:grpSp>
       </p:grpSp>
+      <p:grpSp>
+        <p:nvGrpSpPr>
+          <p:cNvPr id="19" name="Group 18">
+            <a:extLst>
+              <a:ext uri="{FF2B5EF4-FFF2-40B4-BE49-F238E27FC236}">
+                <a16:creationId xmlns:a16="http://schemas.microsoft.com/office/drawing/2014/main" id="{4B70E9EE-B1BB-45BF-931B-ED1B85F3500D}"/>
+              </a:ext>
+            </a:extLst>
+          </p:cNvPr>
+          <p:cNvGrpSpPr/>
+          <p:nvPr/>
+        </p:nvGrpSpPr>
+        <p:grpSpPr>
+          <a:xfrm>
+            <a:off x="4145713" y="1462377"/>
+            <a:ext cx="3236976" cy="731520"/>
+            <a:chOff x="5401623" y="1988122"/>
+            <a:chExt cx="3236976" cy="731520"/>
+          </a:xfrm>
+        </p:grpSpPr>
+        <p:pic>
+          <p:nvPicPr>
+            <p:cNvPr id="57" name="Picture 56">
+              <a:extLst>
+                <a:ext uri="{FF2B5EF4-FFF2-40B4-BE49-F238E27FC236}">
+                  <a16:creationId xmlns:a16="http://schemas.microsoft.com/office/drawing/2014/main" id="{8C9E7FC4-78BA-4AE7-8D65-3686010B7082}"/>
+                </a:ext>
+              </a:extLst>
+            </p:cNvPr>
+            <p:cNvPicPr>
+              <a:picLocks/>
+            </p:cNvPicPr>
+            <p:nvPr/>
+          </p:nvPicPr>
+          <p:blipFill>
+            <a:blip r:embed="rId2">
+              <a:extLst>
+                <a:ext uri="{28A0092B-C50C-407E-A947-70E740481C1C}">
+                  <a14:useLocalDpi xmlns:a14="http://schemas.microsoft.com/office/drawing/2010/main" val="0"/>
+                </a:ext>
+              </a:extLst>
+            </a:blip>
+            <a:stretch>
+              <a:fillRect/>
+            </a:stretch>
+          </p:blipFill>
+          <p:spPr>
+            <a:xfrm>
+              <a:off x="5401623" y="1988122"/>
+              <a:ext cx="3236976" cy="731520"/>
+            </a:xfrm>
+            <a:prstGeom prst="rect">
+              <a:avLst/>
+            </a:prstGeom>
+          </p:spPr>
+        </p:pic>
+        <p:sp>
+          <p:nvSpPr>
+            <p:cNvPr id="58" name="Rectangle 57">
+              <a:extLst>
+                <a:ext uri="{FF2B5EF4-FFF2-40B4-BE49-F238E27FC236}">
+                  <a16:creationId xmlns:a16="http://schemas.microsoft.com/office/drawing/2014/main" id="{521D78C7-B98B-4273-B2C4-C241B5F62F98}"/>
+                </a:ext>
+              </a:extLst>
+            </p:cNvPr>
+            <p:cNvSpPr/>
+            <p:nvPr/>
+          </p:nvSpPr>
+          <p:spPr>
+            <a:xfrm>
+              <a:off x="6687204" y="2145519"/>
+              <a:ext cx="1867819" cy="230832"/>
+            </a:xfrm>
+            <a:prstGeom prst="rect">
+              <a:avLst/>
+            </a:prstGeom>
+            <a:noFill/>
+          </p:spPr>
+          <p:txBody>
+            <a:bodyPr wrap="none" lIns="91440" tIns="45720" rIns="91440" bIns="45720">
+              <a:spAutoFit/>
+            </a:bodyPr>
+            <a:lstStyle/>
+            <a:p>
+              <a:r>
+                <a:rPr lang="en-US" sz="900">
+                  <a:solidFill>
+                    <a:srgbClr val="002060"/>
+                  </a:solidFill>
+                  <a:effectLst>
+                    <a:outerShdw blurRad="38100" dist="38100" dir="2700000" algn="tl">
+                      <a:srgbClr val="000000">
+                        <a:alpha val="43137"/>
+                      </a:srgbClr>
+                    </a:outerShdw>
+                  </a:effectLst>
+                  <a:latin typeface="Arial Narrow" panose="020B0606020202030204" pitchFamily="34" charset="0"/>
+                </a:rPr>
+                <a:t>Data Science &amp; Application, R&amp;D Group</a:t>
+              </a:r>
+            </a:p>
+          </p:txBody>
+        </p:sp>
+        <p:sp>
+          <p:nvSpPr>
+            <p:cNvPr id="63" name="Rectangle 62">
+              <a:extLst>
+                <a:ext uri="{FF2B5EF4-FFF2-40B4-BE49-F238E27FC236}">
+                  <a16:creationId xmlns:a16="http://schemas.microsoft.com/office/drawing/2014/main" id="{DF987C6B-61D6-45D4-A103-378EAF90C3EE}"/>
+                </a:ext>
+              </a:extLst>
+            </p:cNvPr>
+            <p:cNvSpPr/>
+            <p:nvPr/>
+          </p:nvSpPr>
+          <p:spPr>
+            <a:xfrm>
+              <a:off x="5847508" y="2145519"/>
+              <a:ext cx="970137" cy="400110"/>
+            </a:xfrm>
+            <a:prstGeom prst="rect">
+              <a:avLst/>
+            </a:prstGeom>
+            <a:noFill/>
+          </p:spPr>
+          <p:txBody>
+            <a:bodyPr wrap="none" lIns="91440" tIns="45720" rIns="91440" bIns="45720">
+              <a:spAutoFit/>
+            </a:bodyPr>
+            <a:lstStyle/>
+            <a:p>
+              <a:pPr algn="ctr"/>
+              <a:r>
+                <a:rPr lang="en-US" sz="2000" b="0" cap="none" spc="0">
+                  <a:ln w="0"/>
+                  <a:solidFill>
+                    <a:srgbClr val="002060"/>
+                  </a:solidFill>
+                  <a:effectLst>
+                    <a:outerShdw blurRad="38100" dist="19050" dir="2700000" algn="tl" rotWithShape="0">
+                      <a:schemeClr val="dk1">
+                        <a:alpha val="40000"/>
+                      </a:schemeClr>
+                    </a:outerShdw>
+                  </a:effectLst>
+                  <a:latin typeface="Brush Script MT" panose="03060802040406070304" pitchFamily="66" charset="0"/>
+                </a:rPr>
+                <a:t>Trí Nhân</a:t>
+              </a:r>
+            </a:p>
+          </p:txBody>
+        </p:sp>
+        <p:pic>
+          <p:nvPicPr>
+            <p:cNvPr id="17" name="Picture 16">
+              <a:extLst>
+                <a:ext uri="{FF2B5EF4-FFF2-40B4-BE49-F238E27FC236}">
+                  <a16:creationId xmlns:a16="http://schemas.microsoft.com/office/drawing/2014/main" id="{9219A6BF-3337-44EB-8024-EEC49DD15B0C}"/>
+                </a:ext>
+              </a:extLst>
+            </p:cNvPr>
+            <p:cNvPicPr>
+              <a:picLocks noChangeAspect="1"/>
+            </p:cNvPicPr>
+            <p:nvPr/>
+          </p:nvPicPr>
+          <p:blipFill>
+            <a:blip r:embed="rId3"/>
+            <a:stretch>
+              <a:fillRect/>
+            </a:stretch>
+          </p:blipFill>
+          <p:spPr>
+            <a:xfrm>
+              <a:off x="6873466" y="2302528"/>
+              <a:ext cx="1424589" cy="245468"/>
+            </a:xfrm>
+            <a:prstGeom prst="rect">
+              <a:avLst/>
+            </a:prstGeom>
+          </p:spPr>
+        </p:pic>
+      </p:grpSp>
+      <p:pic>
+        <p:nvPicPr>
+          <p:cNvPr id="64" name="Picture 63">
+            <a:extLst>
+              <a:ext uri="{FF2B5EF4-FFF2-40B4-BE49-F238E27FC236}">
+                <a16:creationId xmlns:a16="http://schemas.microsoft.com/office/drawing/2014/main" id="{10961B35-1EB1-465E-ACCD-C2557DA98CC1}"/>
+              </a:ext>
+            </a:extLst>
+          </p:cNvPr>
+          <p:cNvPicPr/>
+          <p:nvPr/>
+        </p:nvPicPr>
+        <p:blipFill>
+          <a:blip r:embed="rId4" cstate="print">
+            <a:extLst>
+              <a:ext uri="{28A0092B-C50C-407E-A947-70E740481C1C}">
+                <a14:useLocalDpi xmlns:a14="http://schemas.microsoft.com/office/drawing/2010/main" val="0"/>
+              </a:ext>
+            </a:extLst>
+          </a:blip>
+          <a:stretch>
+            <a:fillRect/>
+          </a:stretch>
+        </p:blipFill>
+        <p:spPr>
+          <a:xfrm>
+            <a:off x="4100229" y="298730"/>
+            <a:ext cx="3307080" cy="730885"/>
+          </a:xfrm>
+          <a:prstGeom prst="rect">
+            <a:avLst/>
+          </a:prstGeom>
+        </p:spPr>
+      </p:pic>
     </p:spTree>
     <p:extLst>
       <p:ext uri="{BB962C8B-B14F-4D97-AF65-F5344CB8AC3E}">
@@ -5535,6 +5753,408 @@
 </p:sld>
 </file>
 
+<file path=ppt/slides/slide4.xml><?xml version="1.0" encoding="utf-8"?>
+<p:sld xmlns:a="http://schemas.openxmlformats.org/drawingml/2006/main" xmlns:r="http://schemas.openxmlformats.org/officeDocument/2006/relationships" xmlns:p="http://schemas.openxmlformats.org/presentationml/2006/main">
+  <p:cSld>
+    <p:spTree>
+      <p:nvGrpSpPr>
+        <p:cNvPr id="1" name=""/>
+        <p:cNvGrpSpPr/>
+        <p:nvPr/>
+      </p:nvGrpSpPr>
+      <p:grpSpPr>
+        <a:xfrm>
+          <a:off x="0" y="0"/>
+          <a:ext cx="0" cy="0"/>
+          <a:chOff x="0" y="0"/>
+          <a:chExt cx="0" cy="0"/>
+        </a:xfrm>
+      </p:grpSpPr>
+      <p:grpSp>
+        <p:nvGrpSpPr>
+          <p:cNvPr id="10" name="Group 9">
+            <a:extLst>
+              <a:ext uri="{FF2B5EF4-FFF2-40B4-BE49-F238E27FC236}">
+                <a16:creationId xmlns:a16="http://schemas.microsoft.com/office/drawing/2014/main" id="{F7D99EB0-6204-4A5A-A031-32F8C7AFB3C0}"/>
+              </a:ext>
+            </a:extLst>
+          </p:cNvPr>
+          <p:cNvGrpSpPr/>
+          <p:nvPr/>
+        </p:nvGrpSpPr>
+        <p:grpSpPr>
+          <a:xfrm>
+            <a:off x="356007" y="4115325"/>
+            <a:ext cx="10972800" cy="2377440"/>
+            <a:chOff x="356007" y="4115325"/>
+            <a:chExt cx="10972800" cy="2377440"/>
+          </a:xfrm>
+        </p:grpSpPr>
+        <p:pic>
+          <p:nvPicPr>
+            <p:cNvPr id="3" name="Picture 2">
+              <a:extLst>
+                <a:ext uri="{FF2B5EF4-FFF2-40B4-BE49-F238E27FC236}">
+                  <a16:creationId xmlns:a16="http://schemas.microsoft.com/office/drawing/2014/main" id="{1D45C19A-3602-4D3C-BCE6-8AA77B5D93F7}"/>
+                </a:ext>
+              </a:extLst>
+            </p:cNvPr>
+            <p:cNvPicPr>
+              <a:picLocks noChangeAspect="1"/>
+            </p:cNvPicPr>
+            <p:nvPr/>
+          </p:nvPicPr>
+          <p:blipFill>
+            <a:blip r:embed="rId2">
+              <a:extLst>
+                <a:ext uri="{28A0092B-C50C-407E-A947-70E740481C1C}">
+                  <a14:useLocalDpi xmlns:a14="http://schemas.microsoft.com/office/drawing/2010/main" val="0"/>
+                </a:ext>
+              </a:extLst>
+            </a:blip>
+            <a:stretch>
+              <a:fillRect/>
+            </a:stretch>
+          </p:blipFill>
+          <p:spPr>
+            <a:xfrm>
+              <a:off x="356007" y="4115325"/>
+              <a:ext cx="10972800" cy="2377440"/>
+            </a:xfrm>
+            <a:prstGeom prst="rect">
+              <a:avLst/>
+            </a:prstGeom>
+          </p:spPr>
+        </p:pic>
+        <p:sp>
+          <p:nvSpPr>
+            <p:cNvPr id="5" name="Rectangle 4">
+              <a:extLst>
+                <a:ext uri="{FF2B5EF4-FFF2-40B4-BE49-F238E27FC236}">
+                  <a16:creationId xmlns:a16="http://schemas.microsoft.com/office/drawing/2014/main" id="{4B4F71CA-1636-4764-A962-C083E20115EA}"/>
+                </a:ext>
+              </a:extLst>
+            </p:cNvPr>
+            <p:cNvSpPr/>
+            <p:nvPr/>
+          </p:nvSpPr>
+          <p:spPr>
+            <a:xfrm>
+              <a:off x="5324626" y="4775474"/>
+              <a:ext cx="5408725" cy="523220"/>
+            </a:xfrm>
+            <a:prstGeom prst="rect">
+              <a:avLst/>
+            </a:prstGeom>
+            <a:noFill/>
+          </p:spPr>
+          <p:txBody>
+            <a:bodyPr wrap="none" lIns="91440" tIns="45720" rIns="91440" bIns="45720">
+              <a:spAutoFit/>
+            </a:bodyPr>
+            <a:lstStyle/>
+            <a:p>
+              <a:r>
+                <a:rPr lang="en-US" sz="2800">
+                  <a:solidFill>
+                    <a:srgbClr val="002060"/>
+                  </a:solidFill>
+                  <a:latin typeface="Arial Narrow" panose="020B0606020202030204" pitchFamily="34" charset="0"/>
+                </a:rPr>
+                <a:t>Data Science &amp; Application, R&amp;D Group</a:t>
+              </a:r>
+            </a:p>
+          </p:txBody>
+        </p:sp>
+        <p:grpSp>
+          <p:nvGrpSpPr>
+            <p:cNvPr id="6" name="Group 5">
+              <a:extLst>
+                <a:ext uri="{FF2B5EF4-FFF2-40B4-BE49-F238E27FC236}">
+                  <a16:creationId xmlns:a16="http://schemas.microsoft.com/office/drawing/2014/main" id="{D09F5AEA-DCD4-4624-8960-A70B155E279F}"/>
+                </a:ext>
+              </a:extLst>
+            </p:cNvPr>
+            <p:cNvGrpSpPr/>
+            <p:nvPr/>
+          </p:nvGrpSpPr>
+          <p:grpSpPr>
+            <a:xfrm>
+              <a:off x="6091135" y="5232896"/>
+              <a:ext cx="3938744" cy="461665"/>
+              <a:chOff x="5020859" y="5937356"/>
+              <a:chExt cx="3938744" cy="461665"/>
+            </a:xfrm>
+          </p:grpSpPr>
+          <p:sp>
+            <p:nvSpPr>
+              <p:cNvPr id="7" name="Rectangle 6">
+                <a:extLst>
+                  <a:ext uri="{FF2B5EF4-FFF2-40B4-BE49-F238E27FC236}">
+                    <a16:creationId xmlns:a16="http://schemas.microsoft.com/office/drawing/2014/main" id="{E78CD97C-4A5D-40C0-8872-3963F4207288}"/>
+                  </a:ext>
+                </a:extLst>
+              </p:cNvPr>
+              <p:cNvSpPr/>
+              <p:nvPr/>
+            </p:nvSpPr>
+            <p:spPr>
+              <a:xfrm>
+                <a:off x="6123773" y="5937356"/>
+                <a:ext cx="1773241" cy="461665"/>
+              </a:xfrm>
+              <a:prstGeom prst="rect">
+                <a:avLst/>
+              </a:prstGeom>
+              <a:noFill/>
+            </p:spPr>
+            <p:txBody>
+              <a:bodyPr wrap="none" lIns="91440" tIns="45720" rIns="91440" bIns="45720">
+                <a:spAutoFit/>
+              </a:bodyPr>
+              <a:lstStyle/>
+              <a:p>
+                <a:pPr algn="ctr"/>
+                <a:r>
+                  <a:rPr lang="en-US" sz="2400" cap="none" spc="0">
+                    <a:ln w="0"/>
+                    <a:solidFill>
+                      <a:srgbClr val="FF0000"/>
+                    </a:solidFill>
+                    <a:latin typeface="Arial Narrow" panose="020B0606020202030204" pitchFamily="34" charset="0"/>
+                  </a:rPr>
+                  <a:t>Learn Forever</a:t>
+                </a:r>
+              </a:p>
+            </p:txBody>
+          </p:sp>
+          <p:cxnSp>
+            <p:nvCxnSpPr>
+              <p:cNvPr id="8" name="Straight Connector 7">
+                <a:extLst>
+                  <a:ext uri="{FF2B5EF4-FFF2-40B4-BE49-F238E27FC236}">
+                    <a16:creationId xmlns:a16="http://schemas.microsoft.com/office/drawing/2014/main" id="{F41E9903-FFA3-44F4-84A7-BDFC8A49504D}"/>
+                  </a:ext>
+                </a:extLst>
+              </p:cNvPr>
+              <p:cNvCxnSpPr/>
+              <p:nvPr/>
+            </p:nvCxnSpPr>
+            <p:spPr>
+              <a:xfrm>
+                <a:off x="5020859" y="6218804"/>
+                <a:ext cx="1140120" cy="0"/>
+              </a:xfrm>
+              <a:prstGeom prst="line">
+                <a:avLst/>
+              </a:prstGeom>
+              <a:ln w="28575">
+                <a:solidFill>
+                  <a:srgbClr val="FF0000"/>
+                </a:solidFill>
+              </a:ln>
+            </p:spPr>
+            <p:style>
+              <a:lnRef idx="1">
+                <a:schemeClr val="accent1"/>
+              </a:lnRef>
+              <a:fillRef idx="0">
+                <a:schemeClr val="accent1"/>
+              </a:fillRef>
+              <a:effectRef idx="0">
+                <a:schemeClr val="accent1"/>
+              </a:effectRef>
+              <a:fontRef idx="minor">
+                <a:schemeClr val="tx1"/>
+              </a:fontRef>
+            </p:style>
+          </p:cxnSp>
+          <p:cxnSp>
+            <p:nvCxnSpPr>
+              <p:cNvPr id="9" name="Straight Connector 8">
+                <a:extLst>
+                  <a:ext uri="{FF2B5EF4-FFF2-40B4-BE49-F238E27FC236}">
+                    <a16:creationId xmlns:a16="http://schemas.microsoft.com/office/drawing/2014/main" id="{A3BB2901-1D27-4FEA-8E5D-CB47AD57E390}"/>
+                  </a:ext>
+                </a:extLst>
+              </p:cNvPr>
+              <p:cNvCxnSpPr/>
+              <p:nvPr/>
+            </p:nvCxnSpPr>
+            <p:spPr>
+              <a:xfrm>
+                <a:off x="7819483" y="6218804"/>
+                <a:ext cx="1140120" cy="0"/>
+              </a:xfrm>
+              <a:prstGeom prst="line">
+                <a:avLst/>
+              </a:prstGeom>
+              <a:ln w="28575">
+                <a:solidFill>
+                  <a:srgbClr val="FF0000"/>
+                </a:solidFill>
+              </a:ln>
+            </p:spPr>
+            <p:style>
+              <a:lnRef idx="1">
+                <a:schemeClr val="accent1"/>
+              </a:lnRef>
+              <a:fillRef idx="0">
+                <a:schemeClr val="accent1"/>
+              </a:fillRef>
+              <a:effectRef idx="0">
+                <a:schemeClr val="accent1"/>
+              </a:effectRef>
+              <a:fontRef idx="minor">
+                <a:schemeClr val="tx1"/>
+              </a:fontRef>
+            </p:style>
+          </p:cxnSp>
+        </p:grpSp>
+      </p:grpSp>
+      <p:grpSp>
+        <p:nvGrpSpPr>
+          <p:cNvPr id="19" name="Group 18">
+            <a:extLst>
+              <a:ext uri="{FF2B5EF4-FFF2-40B4-BE49-F238E27FC236}">
+                <a16:creationId xmlns:a16="http://schemas.microsoft.com/office/drawing/2014/main" id="{8C081E02-59EC-4E35-AAB1-D349F66E8EC4}"/>
+              </a:ext>
+            </a:extLst>
+          </p:cNvPr>
+          <p:cNvGrpSpPr/>
+          <p:nvPr/>
+        </p:nvGrpSpPr>
+        <p:grpSpPr>
+          <a:xfrm>
+            <a:off x="805769" y="487969"/>
+            <a:ext cx="3376245" cy="731520"/>
+            <a:chOff x="805769" y="487969"/>
+            <a:chExt cx="3376245" cy="731520"/>
+          </a:xfrm>
+        </p:grpSpPr>
+        <p:pic>
+          <p:nvPicPr>
+            <p:cNvPr id="18" name="Picture 17">
+              <a:extLst>
+                <a:ext uri="{FF2B5EF4-FFF2-40B4-BE49-F238E27FC236}">
+                  <a16:creationId xmlns:a16="http://schemas.microsoft.com/office/drawing/2014/main" id="{2C0AB553-4875-4C8F-871A-D5EBFD47D613}"/>
+                </a:ext>
+              </a:extLst>
+            </p:cNvPr>
+            <p:cNvPicPr>
+              <a:picLocks noChangeAspect="1"/>
+            </p:cNvPicPr>
+            <p:nvPr/>
+          </p:nvPicPr>
+          <p:blipFill>
+            <a:blip r:embed="rId3"/>
+            <a:stretch>
+              <a:fillRect/>
+            </a:stretch>
+          </p:blipFill>
+          <p:spPr>
+            <a:xfrm>
+              <a:off x="805769" y="487969"/>
+              <a:ext cx="3376245" cy="731520"/>
+            </a:xfrm>
+            <a:prstGeom prst="rect">
+              <a:avLst/>
+            </a:prstGeom>
+          </p:spPr>
+        </p:pic>
+        <p:sp>
+          <p:nvSpPr>
+            <p:cNvPr id="4" name="Rectangle 3">
+              <a:extLst>
+                <a:ext uri="{FF2B5EF4-FFF2-40B4-BE49-F238E27FC236}">
+                  <a16:creationId xmlns:a16="http://schemas.microsoft.com/office/drawing/2014/main" id="{749DDB98-96FC-4727-B526-33A604E45EDB}"/>
+                </a:ext>
+              </a:extLst>
+            </p:cNvPr>
+            <p:cNvSpPr/>
+            <p:nvPr/>
+          </p:nvSpPr>
+          <p:spPr>
+            <a:xfrm>
+              <a:off x="1299835" y="631447"/>
+              <a:ext cx="1125949" cy="461665"/>
+            </a:xfrm>
+            <a:prstGeom prst="rect">
+              <a:avLst/>
+            </a:prstGeom>
+            <a:noFill/>
+          </p:spPr>
+          <p:txBody>
+            <a:bodyPr wrap="none" lIns="91440" tIns="45720" rIns="91440" bIns="45720">
+              <a:spAutoFit/>
+            </a:bodyPr>
+            <a:lstStyle/>
+            <a:p>
+              <a:pPr algn="ctr"/>
+              <a:r>
+                <a:rPr lang="en-US" sz="2400" b="0" cap="none" spc="0">
+                  <a:ln w="0"/>
+                  <a:solidFill>
+                    <a:srgbClr val="002060"/>
+                  </a:solidFill>
+                  <a:effectLst>
+                    <a:outerShdw blurRad="38100" dist="19050" dir="2700000" algn="tl" rotWithShape="0">
+                      <a:schemeClr val="dk1">
+                        <a:alpha val="40000"/>
+                      </a:schemeClr>
+                    </a:outerShdw>
+                  </a:effectLst>
+                  <a:latin typeface="Brush Script MT" panose="03060802040406070304" pitchFamily="66" charset="0"/>
+                </a:rPr>
+                <a:t>Trí Nhân</a:t>
+              </a:r>
+            </a:p>
+          </p:txBody>
+        </p:sp>
+      </p:grpSp>
+      <p:pic>
+        <p:nvPicPr>
+          <p:cNvPr id="20" name="Picture 19">
+            <a:extLst>
+              <a:ext uri="{FF2B5EF4-FFF2-40B4-BE49-F238E27FC236}">
+                <a16:creationId xmlns:a16="http://schemas.microsoft.com/office/drawing/2014/main" id="{96E2CEDA-CAC8-40FA-87B6-BD850C277130}"/>
+              </a:ext>
+            </a:extLst>
+          </p:cNvPr>
+          <p:cNvPicPr>
+            <a:picLocks noChangeAspect="1"/>
+          </p:cNvPicPr>
+          <p:nvPr/>
+        </p:nvPicPr>
+        <p:blipFill>
+          <a:blip r:embed="rId4"/>
+          <a:stretch>
+            <a:fillRect/>
+          </a:stretch>
+        </p:blipFill>
+        <p:spPr>
+          <a:xfrm>
+            <a:off x="4879209" y="1806053"/>
+            <a:ext cx="3236976" cy="736208"/>
+          </a:xfrm>
+          <a:prstGeom prst="rect">
+            <a:avLst/>
+          </a:prstGeom>
+        </p:spPr>
+      </p:pic>
+    </p:spTree>
+    <p:extLst>
+      <p:ext uri="{BB962C8B-B14F-4D97-AF65-F5344CB8AC3E}">
+        <p14:creationId xmlns:p14="http://schemas.microsoft.com/office/powerpoint/2010/main" val="2898842907"/>
+      </p:ext>
+    </p:extLst>
+  </p:cSld>
+  <p:clrMapOvr>
+    <a:masterClrMapping/>
+  </p:clrMapOvr>
+</p:sld>
+</file>
+
 <file path=ppt/theme/theme1.xml><?xml version="1.0" encoding="utf-8"?>
 <a:theme xmlns:a="http://schemas.openxmlformats.org/drawingml/2006/main" name="Office Theme">
   <a:themeElements>
